--- a/lect-2/lect-2.pptx
+++ b/lect-2/lect-2.pptx
@@ -5,13 +5,25 @@
     <p:sldMasterId id="2147483648" r:id="rId1"/>
   </p:sldMasterIdLst>
   <p:notesMasterIdLst>
-    <p:notesMasterId r:id="rId6"/>
+    <p:notesMasterId r:id="rId18"/>
   </p:notesMasterIdLst>
   <p:sldIdLst>
     <p:sldId id="256" r:id="rId2"/>
     <p:sldId id="293" r:id="rId3"/>
     <p:sldId id="294" r:id="rId4"/>
     <p:sldId id="295" r:id="rId5"/>
+    <p:sldId id="296" r:id="rId6"/>
+    <p:sldId id="297" r:id="rId7"/>
+    <p:sldId id="299" r:id="rId8"/>
+    <p:sldId id="298" r:id="rId9"/>
+    <p:sldId id="300" r:id="rId10"/>
+    <p:sldId id="301" r:id="rId11"/>
+    <p:sldId id="303" r:id="rId12"/>
+    <p:sldId id="302" r:id="rId13"/>
+    <p:sldId id="304" r:id="rId14"/>
+    <p:sldId id="305" r:id="rId15"/>
+    <p:sldId id="306" r:id="rId16"/>
+    <p:sldId id="307" r:id="rId17"/>
   </p:sldIdLst>
   <p:sldSz cx="12192000" cy="6858000"/>
   <p:notesSz cx="6858000" cy="9144000"/>
@@ -200,7 +212,7 @@
           <a:p>
             <a:fld id="{0C5227E2-BE0E-4F40-B715-E0E4D778FBB9}" type="datetimeFigureOut">
               <a:rPr kumimoji="1" lang="zh-CN" altLang="en-US" smtClean="0"/>
-              <a:t>2019-1-4</a:t>
+              <a:t>2019-1-5</a:t>
             </a:fld>
             <a:endParaRPr kumimoji="1" lang="zh-CN" altLang="en-US"/>
           </a:p>
@@ -638,7 +650,7 @@
             <a:fld id="{87DE6118-2437-4B30-8E3C-4D2BE6020583}" type="datetimeFigureOut">
               <a:rPr lang="en-US" dirty="0"/>
               <a:pPr/>
-              <a:t>1/4/2019</a:t>
+              <a:t>1/5/2019</a:t>
             </a:fld>
             <a:endParaRPr lang="en-US" dirty="0"/>
           </a:p>
@@ -964,7 +976,7 @@
           <a:p>
             <a:fld id="{87DE6118-2437-4B30-8E3C-4D2BE6020583}" type="datetimeFigureOut">
               <a:rPr lang="en-US" dirty="0"/>
-              <a:t>1/4/2019</a:t>
+              <a:t>1/5/2019</a:t>
             </a:fld>
             <a:endParaRPr lang="en-US" dirty="0"/>
           </a:p>
@@ -1139,7 +1151,7 @@
           <a:p>
             <a:fld id="{87DE6118-2437-4B30-8E3C-4D2BE6020583}" type="datetimeFigureOut">
               <a:rPr lang="en-US" dirty="0"/>
-              <a:t>1/4/2019</a:t>
+              <a:t>1/5/2019</a:t>
             </a:fld>
             <a:endParaRPr lang="en-US" dirty="0"/>
           </a:p>
@@ -1332,7 +1344,7 @@
           <a:p>
             <a:fld id="{87DE6118-2437-4B30-8E3C-4D2BE6020583}" type="datetimeFigureOut">
               <a:rPr lang="en-US" dirty="0"/>
-              <a:t>1/4/2019</a:t>
+              <a:t>1/5/2019</a:t>
             </a:fld>
             <a:endParaRPr lang="en-US" dirty="0"/>
           </a:p>
@@ -1605,7 +1617,7 @@
             <a:fld id="{87DE6118-2437-4B30-8E3C-4D2BE6020583}" type="datetimeFigureOut">
               <a:rPr lang="en-US" dirty="0"/>
               <a:pPr/>
-              <a:t>1/4/2019</a:t>
+              <a:t>1/5/2019</a:t>
             </a:fld>
             <a:endParaRPr lang="en-US" dirty="0"/>
           </a:p>
@@ -1995,7 +2007,7 @@
           <a:p>
             <a:fld id="{87DE6118-2437-4B30-8E3C-4D2BE6020583}" type="datetimeFigureOut">
               <a:rPr lang="en-US" dirty="0"/>
-              <a:t>1/4/2019</a:t>
+              <a:t>1/5/2019</a:t>
             </a:fld>
             <a:endParaRPr lang="en-US" dirty="0"/>
           </a:p>
@@ -2467,7 +2479,7 @@
           <a:p>
             <a:fld id="{87DE6118-2437-4B30-8E3C-4D2BE6020583}" type="datetimeFigureOut">
               <a:rPr lang="en-US" dirty="0"/>
-              <a:t>1/4/2019</a:t>
+              <a:t>1/5/2019</a:t>
             </a:fld>
             <a:endParaRPr lang="en-US" dirty="0"/>
           </a:p>
@@ -2580,7 +2592,7 @@
           <a:p>
             <a:fld id="{87DE6118-2437-4B30-8E3C-4D2BE6020583}" type="datetimeFigureOut">
               <a:rPr lang="en-US" dirty="0"/>
-              <a:t>1/4/2019</a:t>
+              <a:t>1/5/2019</a:t>
             </a:fld>
             <a:endParaRPr lang="en-US" dirty="0"/>
           </a:p>
@@ -2670,7 +2682,7 @@
           <a:p>
             <a:fld id="{87DE6118-2437-4B30-8E3C-4D2BE6020583}" type="datetimeFigureOut">
               <a:rPr lang="en-US" dirty="0"/>
-              <a:t>1/4/2019</a:t>
+              <a:t>1/5/2019</a:t>
             </a:fld>
             <a:endParaRPr lang="en-US" dirty="0"/>
           </a:p>
@@ -3012,7 +3024,7 @@
             <a:fld id="{87DE6118-2437-4B30-8E3C-4D2BE6020583}" type="datetimeFigureOut">
               <a:rPr lang="en-US" dirty="0"/>
               <a:pPr/>
-              <a:t>1/4/2019</a:t>
+              <a:t>1/5/2019</a:t>
             </a:fld>
             <a:endParaRPr lang="en-US" dirty="0"/>
           </a:p>
@@ -3397,7 +3409,7 @@
             <a:fld id="{87DE6118-2437-4B30-8E3C-4D2BE6020583}" type="datetimeFigureOut">
               <a:rPr lang="en-US" dirty="0"/>
               <a:pPr/>
-              <a:t>1/4/2019</a:t>
+              <a:t>1/5/2019</a:t>
             </a:fld>
             <a:endParaRPr lang="en-US" dirty="0"/>
           </a:p>
@@ -3672,7 +3684,7 @@
             <a:fld id="{87DE6118-2437-4B30-8E3C-4D2BE6020583}" type="datetimeFigureOut">
               <a:rPr lang="en-US" dirty="0"/>
               <a:pPr/>
-              <a:t>1/4/2019</a:t>
+              <a:t>1/5/2019</a:t>
             </a:fld>
             <a:endParaRPr lang="en-US" dirty="0"/>
           </a:p>
@@ -4271,6 +4283,1341 @@
 </p:sld>
 </file>
 
+<file path=ppt/slides/slide10.xml><?xml version="1.0" encoding="utf-8"?>
+<p:sld xmlns:a="http://schemas.openxmlformats.org/drawingml/2006/main" xmlns:r="http://schemas.openxmlformats.org/officeDocument/2006/relationships" xmlns:p="http://schemas.openxmlformats.org/presentationml/2006/main">
+  <p:cSld>
+    <p:spTree>
+      <p:nvGrpSpPr>
+        <p:cNvPr id="1" name=""/>
+        <p:cNvGrpSpPr/>
+        <p:nvPr/>
+      </p:nvGrpSpPr>
+      <p:grpSpPr>
+        <a:xfrm>
+          <a:off x="0" y="0"/>
+          <a:ext cx="0" cy="0"/>
+          <a:chOff x="0" y="0"/>
+          <a:chExt cx="0" cy="0"/>
+        </a:xfrm>
+      </p:grpSpPr>
+      <p:sp>
+        <p:nvSpPr>
+          <p:cNvPr id="2" name="标题 1"/>
+          <p:cNvSpPr>
+            <a:spLocks noGrp="1"/>
+          </p:cNvSpPr>
+          <p:nvPr>
+            <p:ph type="title"/>
+          </p:nvPr>
+        </p:nvSpPr>
+        <p:spPr/>
+        <p:txBody>
+          <a:bodyPr/>
+          <a:lstStyle/>
+          <a:p>
+            <a:endParaRPr lang="zh-CN" altLang="en-US"/>
+          </a:p>
+        </p:txBody>
+      </p:sp>
+      <p:sp>
+        <p:nvSpPr>
+          <p:cNvPr id="8" name="AutoShape 8" descr="data:image/png;base64,iVBORw0KGgoAAAANSUhEUgAAAX4AAAD8CAYAAABw1c+bAAAABHNCSVQICAgIfAhkiAAAAAlwSFlz%0AAAALEgAACxIB0t1+/AAAADl0RVh0U29mdHdhcmUAbWF0cGxvdGxpYiB2ZXJzaW9uIDMuMC4yLCBo%0AdHRwOi8vbWF0cGxvdGxpYi5vcmcvOIA7rQAAHZdJREFUeJzt3X+QHOV95/H3d2cl4ZW4k7SrJAih%0AXbApzgvnAN7yj+MqhU8yUVQunFTyh6lRUCFcC7txne4qqcTUVpm7cynnK+fO0ZUjgY7oR9iJnDpf%0AnFCcL4CxKepytuNVDFhgbGTQCiEnWiFsIoStX9/7o3vY2dmemZ6Znl/dn1fV1Ew//XT309vSd3qe%0A5+nnMXdHRESyo6/TBRARkfZS4BcRyRgFfhGRjFHgFxHJGAV+EZGMUeAXEckYBX4RkYxR4BcRyRgF%0AfhGRjOnvdAGiDA0N+cjISKeLISLSMw4dOnTK3dfEyduVgX9kZISZmZlOF0NEpGeY2WzcvKrqERHJ%0AGAV+EZGMUeAXEckYBX4RkYxR4BcRyRgFfhGRjFHgFxHJmHQG/kIBRkagry94LxQ6XSIRka7RlQ9w%0ANaVQgPFxOHs2WJ6dDZYB8vnOlUtEpEuk745/amo+6BedPRuki4hICgP/sWP1pYuIZEz6Av/69fWl%0Ai4hkTPoC/44dMDCwMG1gIEgXEZEUBv58HvbsgeFhMAve9+xRw66ISCh9vXogCPIK9CIikdJ3xy8i%0AIlUp8IuIZIwCv4hIxijwi4hkTM3Ab2Z7zeykmR0uSfsPZvaamT0TvjZX2HaTmf3AzI6Y2aeTLLiI%0AiDQmTq+e/cAXgT8rS/+Cu/9RpY3MLAf8CfBR4DjwHTN7xN1faLCsdbnpvpt45e1X2nEoEZGmXP2u%0Aq/nuf/5u245X847f3Z8GTjew7w8AR9z9ZXc/B3wJ+HgD+xERkQQ104//U2Z2JzAD/K67v1G2/krg%0A1ZLl48AHmzheXdr57Ski0ksabdzdDbwbuBH4MfBfI/JYRJpX2qGZjZvZjJnNzM3NNVgsERGppaHA%0A7+7/6O4X3f0S8D8IqnXKHQeuKlleB5yoss897j7m7mNr1qxppFgiIhJDQ4HfzK4oWfwN4HBEtu8A%0A15rZ1Wa2FPgE8EgjxxMRkeTUrOM3s4PArcCQmR0H7gduNbMbCapujgL3hHnXAg+5+2Z3v2BmnwIe%0AA3LAXnd/viVnISIisZl7xWr3jhkbG/OZmZlOF0NEpGeY2SF3H4uTV0/uiohkjAK/iEjGKPCLiGSM%0AAr+ISMYo8IuIZIwCv4hIxijwi4hkjAK/iEjGKPCLiGSMAr+ISMYo8IuIZIwCv4hIxijwi4hkjAK/%0AiEjGKPCLiGSMAr+ISMYo8IuIZIwCv4hIxijwi4hkjAK/iEjGKPCLiGSMAr+ISMbUDPxmttfMTprZ%0A4Yh1v2dmbmZDFba9aGbPhK9HkiiwiIg0pz9Gnv3AF4E/K000s6uAjwLHqmz7trvf2HDpREQkcTXv%0A+N39aeB0xKovAL8PeNKFEhGR1mmojt/Mbgdec/dna2S9zMxmzOxbZvbrNfY5HuadmZuba6RYIiIS%0AQ5yqngXMbACYAm6LkX29u58ws2uAr5vZ99z9R1EZ3X0PsAdgbGxMvyJERFqkkTv+dwNXA8+a2VFg%0AHfD3ZvZL5Rnd/UT4/jLwFHBTwyUVEZFE1B343f177v4L7j7i7iPAceBmd/+H0nxmtsrMloWfh4Bb%0AgBcSKLOIiDQhTnfOg8A3gevM7LiZ3V0l75iZPRQuvheYMbNngW8An3N3BX4RkQ6rWcfv7nfUWD9S%0A8nkG+GT4+f8B/7LJ8omISML05K6ISMYo8IuIZIwCv4hIxijwi4hkjAK/iEjGKPCLiGSMAr+ISMYo%0A8IuIZIwCv4hIxijwi4hkjAK/iEjGKPCLiGSMAr+ISMakM/AXCjAyAn19wXuh0OkSiYh0jfQF/kIB%0Axsdhdhbcg/fxcQV/6ZxCAZYtA7P518aNnS6VZFj6Av/UFJw9uzDt7NkgXaTdCgXYsgXOnVuY/uST%0AMDDQmTJJ5qUv8B87Vl+6SJImJxfe2W/ZUjnv228Hed71ruALolCAoaGF2w8N6deqJC59gX/9+vrS%0ARZKycSPs3l3/dj/7WfAFsWULvP76wnWvvw5bt7Yv+Kt9LBPSF/h37Fj8E3pgIEgXaUbUHXnx1dcX%0AVN+0wsWLwZfC5GTlciURrK+8MjhOafvYli2wZIm+ANLG3bvu9f73v9+bMj3tPjzsbha8T083tz/J%0ApokJ9yAEds9rw4b6y7ZixcL/A9PT7oOD9R97YqL632Z0tL3XRxYAZjxmjLUgf3cZGxvzmZmZThdD%0AsmzjxtbdwTdr5Ur4yU/q325iAm65BX77t4NQ3Qpm8PDDkM/Xv+3kJOzZE/zCyeWC3ni7diVfxpQy%0As0PuPhYnb6yqHjPba2YnzexwxLrfMzM3s6EK2241s5fC19Y4xxPpqEKhe4M+NBb0IWh/2LKldUEf%0Agn1v2RJUG1UTVW22e3cQ9CF43727/u6v5Y3r5a9K1WWttHHj4nJs3NjZ9pQ4PwuAXwFuBg6XpV8F%0APAbMAkMR260GXg7fV4WfV9U6XtNVPSLNaKQaRK94rxUrgmqivr76t+3vD6qpKlXlrl1b3/4uu2x+%0A2+I+o/ItW+aeyy1OHx11X7p0YdrKlY3/bXK5pqqlaUVVj5mNAI+6+w0laV8GPgv8NTDm7qfKtrkD%0AuNXd7wmXHwSecveD1Y6lqh7piMnJxnrl1COXgwMH4A//EF54obXHkt6zfDmcOdPQpolX9VQ4yO3A%0Aa+7+bJVsVwKvliwfD9NEusuVV7Ym6C9fPv95cDAI+vk8PP88TE8HaUV9ffP5JJveeqsth2ko8JvZ%0AADAFfKZW1oi0yJ8YZjZuZjNmNjM3N9dIsUQWKxRgxYr5utVcbnE976pVcOJEssddsSII7GfOzP+Y%0AP3VqYaNnPh+kFddfvDifzx1GR5MtUz0s6r+upEWjd/zvBq4GnjWzo8A64O/N7JfK8h0naAcoWgdE%0A/g9z9z3uPubuY2vWrGmwWJIqUY1i5a/iU68A11+/eP2WLQvvoi5dCu7s+/uD7TZurL+xNJcLeshU%0Aq7H9p39qrGdLqeefjx/8R0eT+aWwYUNQ/ocfbn5fUr++Nj1aFbcxABihrHG3ZN1RKjfuvkLQsLsq%0A/Ly61rHUuCu+YUP7Ghzjvkr7sbfT6Ghj5Yr7N6zUoBjnWYHBwe68Vr36auLfGHU07sbLBAeBHwPn%0ACe7i7y5b/07gB8aAh0rWbQOOhK+74hxPgV86/h+w/NXph5MmJuZ7luRy8QPE9HR0j5Tifmr1Ipme%0Adl++fH6bvr7Kx671BRX3Zdb5691jQd/dkw/87X71RODX08Gt0c1Py/aydv17LT1O6RdGrUAfVZ5m%0A/i1U+qLu1K+T0qenG/0Sr0GBv9Wmp90HBhZe2IGB3gj+5Y/rF/tTlweDTnyxdVvQHxzsjWvaC6IC%0AbtygV+nfRfHf7uBg8Ir7b7Van/04X/QtCtzNqifwa8iGRoyMBANYlRsehqNH212a+AqF6o/rmwXr%0Aiu/V9PXBPfck+0h9N/UkmZ5uvnFWpI3a0o8/03p1zP977qke0Ivr4twMFHvHJPUIfCcepa9kdFRB%0AX1JNgb8RvTrmfyseDmn0oadCIehSWTpOSzdYuzboRimSYgr8jdi8OTr9Pe9pbzm6RaW5ZCv1w+/v%0AD/rXFwfkinuM8trYiYmF1UPFh6ZK1+dywbpi3/vp6fm0cqOj8Npr9Z+/SI9RHX8jhoYWz5RUNDHR%0AnUPJXn99+8aGGR0NHopK8mnYpOvcNQSwpEw9dfwK/I2o1QjZbQ2D3Ty2fBzd9vcU6UJq3IXOjnU9%0ANdW+Y9XS7WPL16KgL5K4/k4XoCUKheCn+9mzwfLsbLAMzQeROF8g3dS7p5u+hOql3jUiLZHOO/6p%0AqfmgX3T2bPNBsFCArVtr5+um3j1Rzxv0gpUr1btGpEXSGfhb0c+++CsiTk+USr1+OqFSD5ai8vHi%0AJyaCB9HMFq5rpw0b4I03OnNskQxIZ+BvRT/7qF8RlXz1q40fJ0mFQvUvqsHBxePF79oVPH186VKw%0Abnp6/otgeDj4Ykha+RDHX/ta8scQkXekM/Dv2AEDAwvTBgaC9EbV82uhHdUr5ZNVDw0FXRRHRoLl%0Avr6gr3w1O3fWPk4+P/9FcPRo8MVQPnNUI0rHtFc3SpG2Sm93zkIhuEs/diy409+xo7mGwkrj80Qx%0ACwJlqxQKcNddcP58c/tJ6trX6t46Oqr6epEWU3dOWHyn2mzvkHqeynVvbffRqanmg36tuv96DA9X%0AX6+gL9JV0hv4k/bUU/Xlb2U3yiSqkordW5NQrQptw4bkjiMiiVDgj6uecWWgNX35i2PfJCHJevV8%0APqj3X7p0YfqGDWqoFelCCvxx1Vs10te38Knhycn50Sj7++sfhnjVquSewG3FXXg+Dz//uXrniPSA%0AdD652wq33hodeNeuDQYkK+/qWfyFMDsLd965sLH34sX5YYjj3Hlff31wjCTkcgrIIhmnO/64jhyJ%0ATl+yJBjlsdjXPeqXQaUePg88UPu4hUKyo2oeOJDcvkSkJynwxxXnaWD3+toC4vT+uffe+PurZfly%0AjX0jIgr8sVV66nf16qCHTKM9bbZsqT566Jkzje23XC4HDz6YzL5EpKfVDPxmttfMTprZ4ZK0z5rZ%0Ac2b2jJk9bmZrK2x7MczzjJk9kmTB267S08AQfyiHSmZngweyyoN/Us8CmAVVPLrbFxHi3fHvBzaV%0ApX3e3d/n7jcCjwKfqbDt2+5+Y/i6vYly1idqOINmg2g+v7Auf3g4WD59Opkynz8fNAKXlvOTn2x+%0Av0uWwMMPK+iLyDtq9upx96fNbKQs7c2SxeVA94z7EDWcweuvw7ZtwedmAmA+v3j77dsrT8NYr0uX%0A5sv5t38LP/tZ/fsojqFz+nQyQ1WISOrEGqsnDPyPuvsNJWk7gDuBnwIfcfe5iO0uAM8AF4DPuftf%0AVTnGODAOsH79+vfPNlpnXm1MneHhYPiGJFWbf7eVBgfnjzs4GAy4pgAvklmJz7kbFfhL1t0HXObu%0A90esW+vuJ8zsGuDrwAZ3/1Gt4zU1SFtfX+XBx1oxeFpST9LWqwsH1xORzmn3IG1/Dvxm1Ap3PxG+%0Avww8BdyUwPGqqzbmfjPj8VeawzfJwc7i6tQEKSKSCg0FfjO7tmTxduDFiDyrzGxZ+HkIuAVI8Emk%0ACnbsCBo0yy1d2vh4/MXZt2Zngzvt4hy+tSY6aRV1yxSRJsTpznkQ+CZwnZkdN7O7gc+Z2WEzew64%0ADdge5h0zs4fCTd8LzJjZs8A3COr4Wx/483nYt2/hRCGDg7B3b3114KV3+Fu3Vp7Dt9aQxEnTQ1gi%0A0qT0TsTSjOIdfq3++WZBV8laM10lqdWTvIhIT9JELM2KO7/u+vXB3XelaQhbUf/fTDuFiAgK/NHi%0AdCUtbTPYuTP6qd4DBypXBTXypdDsvMEiIijwLxb3Cd/SKrJKT/Xm85WHehgfX5xeTS43v08RkSao%0Ajr9cPZOqx30grNLE78X0WscbGFDQF5GqEn+Aq906GvirPQBWLqmG1snJ+YlZyg0Pa9gFEalJjbvN%0AqKfxNKmG1l27YGJivt4/lwuW3YNfFAr6IpIgBf5ycRtPm3kgLMquXXDhQhDsL1xIdjJ0EZESCvzl%0AqnXPLLVkie7ERaQnKfBH2bmzdp633mp9OUREWkCBP0o+Dxs21M6X1AxZIiJtpMBfyde+VjvP1FTr%0AyyEikjAF/ijFAdpqOXas5UUREUlazakXMyfuAG2gcXNEpCfpjr/c9u3xgn7S3TlFRNpEgb9UoRB/%0A/tzLL1d3ThHpSQr8pepprD19unXlEBFpoWwH/vJ5dOMOzgaq3xeRnpXdxt3yRtzZ2WDQtTgDtGlc%0AfBHpYdm944+aZata0O/rWzzWvohID8ruHX+9ffBXrYJTp1pTFhGRNsruHX+9dfRqzBWRlIgV+M1s%0Ar5mdNLPDJWmfNbPnzOwZM3vczNZW2Harmb0UvrYmVfCmbd5cX3415opISsS9498PbCpL+7y7v8/d%0AbwQeBT5TvpGZrQbuBz4IfAC438xWNV7cBH31q/XlV2OuiKRErMDv7k8Dp8vS3ixZXA5EtYz+KvCE%0Au5929zeAJ1j8BdIZ9dTxL1+uxlwRSY2mGnfNbAdwJ/BT4CMRWa4EXi1ZPh6mdd769fH77T/4YGvL%0AIiLSRk017rr7lLtfBRSAT0VksajNovZlZuNmNmNmM3Nzc80Ua6Hyh7SKY+jHrbox092+iKRKUr16%0A/hz4zYj048BVJcvrgBNRO3D3Pe4+5u5ja9asSaZUhQJs2xbc2bsH79u2Ben5PKxYUXsfcR7oEhHp%0AIQ0HfjO7tmTxduDFiGyPAbeZ2aqwUfe2MK09tm+Hc+cWpp07F6RDvOkTh4eTL5eISAfFquM3s4PA%0ArcCQmR0n6Kmz2cyuAy4Bs8C9Yd4x4F53/6S7nzazzwLfCXf1n9y9fR3iK420WUyvVc+voRlEJIXM%0Au7AqY2xszGdmZprfkUU1MYTcYXISdu+unGd6WvX7ItITzOyQu4/FyZvuJ3cHByunFwpw4EDlbXM5%0ABX0RSaV0B/6dO2HJkoVpS5YE6VGDtJUaH29t2UREOiTdgT+fh337ggba4sia+/YF6dUe4JqYgF27%0A2ldOEZE2SnfghyDIHz0Kly4F78Xqm0pj7/T1wQMPLOzzLyKSIukP/JVUGqTt0qX5Pv/j4wr+IpI6%0A2Q38cQZpO3u2vnl4RUR6QHYDf9xB2uqdsEVEpMtlN/DHHV9f4/CLSMpkN/Dv2LG4q2c5PbkrIimU%0A7sA/OQn9/UFXzv7+YLmo2NWz0kNeZrB1qx7iEpHUSW/gLw7HcPFisHzxYrC8ceN8nnw+mEA9aiA2%0A9/pn6RIR6QHpDfx79kSnP/nk4i6alRpw1bArIimU3sBfvNOPUt5Fc/Xq6HyV0kVEelh6A38uV3ld%0A+Z38z38ena9SuohID0tv4K82yFp5F80zZ6LzVUoXEelh6Q38u3bBhg2L09VFU0QyLr2BH+CuuxZ2%0A1xwcDBp91UVTRDIsvYG/UAiqe0qnX3z77ei81SZsERFJmfQG/qiJVioNurZzJyxdujBt6dIgXUQk%0AZdIb+Ovpm5/Pw969Cyds2btXVUIikkr9nS5Ay6xevbCap6jSoGv5vAK9iGRCzTt+M9trZifN7HBJ%0A2ufN7EUze87MvmJmKytse9TMvmdmz5jZTJIFr6pQgDffXJy+dKl69IhI5sWp6tkPbCpLewK4wd3f%0AB/wQuK/K9h9x9xvdfayxIjZgagrOn1+cfvnluqsXkcyrGfjd/WngdFna4+5+IVz8FrCuBWVrXKX6%0A/dMlp1EoBPPq9vVpfl0RyZQk6vi3AX9RYZ0Dj5uZAw+6e4WR0xK2fn0wZ265JUuCxttyxfl1Qb8I%0ARCT1murVY2ZTwAWg0u3yLe5+M/BrwO+Y2a9U2de4mc2Y2czc3FwzxQrq8QcGFqefO1d5G82vKyIZ%0A0XDgN7OtwMeAvLt7VB53PxG+nwS+Anyg0v7cfY+7j7n72Jo1axotViCfD57QLe2eGYeGYRaRDGgo%0A8JvZJuAPgNvd/WyFPMvN7PLiZ+A24HBU3pbI5+HoUbh0KXiPQ/PrikgGxOnOeRD4JnCdmR03s7uB%0ALwKXA0+EXTUfCPOuNbPitFW/CPxfM3sW+Dvgf7v737TkLJKgwdtEJCNqNu66+x0RyX9aIe8JYHP4%0A+WXgl5sqXVJq9dgZHg6Cvhp2RSQD0jtkQ6lqjbbFO30FfRHJiGwE/mqNturNIyIZk43AX6vRVr15%0ARCRDshH4N2+OfnCrSL15RCRD0h/4CwU4cACiHzVQbx4RyZz0B/6oCVmKNBWjiGRQ+gN/tfr7FSsU%0A9EUkc9If+KvV36tRV0QyKN2Bv1CAM2cqr1ejrohkUHoDf6EQDLUcNf1i0exs0Nunvx8mJ9tXNhGR%0ADkpv4K/WqFvu4kXYvVvBX0QyIb2Bv5H6+z3tmSdGRKST0hv4G6m/v3gx+XKIiHSZ9Ab+SrNwVZPL%0AtaYsIiJdJIk5d7tTsX/+1q3x7+SL8+6KiKRYeu/4IQj+ly7Fz79rV+vKIiLSJdId+EF99UVEyqQ/%0A8O/YAUuW1M6n+n0RyYj0B/58HvbtCwZkq0b1+yKSEekP/BAE/1OngqGZ3WFiYv4OP5cLllW/LyIZ%0AkY3AX+6WW2DdumC4hnXrgmURkYxIb3fOSiYng+EZimZn4a67gs8aollEMqDmHb+Z7TWzk2Z2uCTt%0A82b2opk9Z2ZfMbOVFbbdZGY/MLMjZvbpJAtet0IBhoYWBv2i8+dh+/b2l0lEpAPiVPXsBzaVpT0B%0A3ODu7wN+CNxXvpGZ5YA/AX4NGAXuMLPRpkrbqDgjdVZbJyKSIjUDv7s/DZwuS3vc3S+Ei98C1kVs%0A+gHgiLu/7O7ngC8BH2+yvI2pZ6ROEZGUS6JxdxvwfyLSrwReLVk+HqZFMrNxM5sxs5m5ubkEilUi%0Azkidtbp7ioikRFOB38ymgAtAIWp1RJpX2pe773H3MXcfW7NmTTPFWqzW07v9/bBzZ7LHFBHpUg0H%0AfjPbCnwMyLt7VEA/DlxVsrwOONHo8ZpSbaTOwUHYv189ekQkMxoK/Ga2CfgD4HZ3r1R5/h3gWjO7%0A2syWAp8AHmmsmE3K54NJVoaHg777w8MwPR08zHXqlIK+iGRKzX78ZnYQuBUYMrPjwP0EvXiWAU+Y%0AGcC33P1eM1sLPOTum939gpl9CngMyAF73f35Fp1Hbfm8AryICGDRtTSdNTY25jMzM50uhohIzzCz%0AQ+4+FidvNodsEBHJMAV+EZGMUeAXEckYBX4RkYxR4BcRyZiu7NVjZnPAbAK7GgJOJbCfXpClcwWd%0Ab9rpfOs37O6xhj3oysCfFDObidu9qddl6VxB55t2Ot/WUlWPiEjGKPCLiGRM2gP/nk4XoI2ydK6g%0A8007nW8LpbqOX0REFkv7Hb+IiJRJZeDvqkneE2JmV5nZN8zs+2b2vJltD9NXm9kTZvZS+L4qTDcz%0A++/h3+A5M7u5s2dQPzPLmdl3zezRcPlqM/t2eK5/EQ73jZktC5ePhOtHOlnuRpjZSjP7spm9GF7j%0AD6f82v778N/xYTM7aGaXpen6mtleMztpZodL0uq+nma2Ncz/UjgHSiJSF/i7apL3ZF0Aftfd3wt8%0ACPid8Lw+DTzp7tcCT4bLEJz/teFrHNjd/iI3bTvw/ZLl/wJ8ITzXN4C7w/S7gTfc/T3AF8J8vWYn%0A8Dfu/i+AXyY471ReWzO7Evi3wJi730AwbPsnSNf13Q9sKkur63qa2WqCYfA/SDCH+f3FL4umuXuq%0AXsCHgcdKlu8D7ut0uVpwnn8NfBT4AXBFmHYF8IPw84PAHSX538nXCy+CGdueBP4N8CjBVJ6ngP7y%0A60ww58OHw8/9YT7r9DnUca7/DHilvMwpvrbF+bhXh9frUeBX03Z9gRHgcKPXE7gDeLAkfUG+Zl6p%0Au+Onzknee1H4U/cm4NvAL7r7jwHC918Is/X63+GPgd8HLoXLg8BP3P1CuFx6Pu+ca7j+p2H+XnEN%0AMAfsC6u2HjKz5aT02rr7a8AfAceAHxNcr0Ok9/oW1Xs9W3ad0xj465rkvdeY2QrgfwH/zt3frJY1%0AIq0n/g5m9jHgpLsfKk2OyOox1vWCfuBmYLe73wS8xXw1QJSePt+wuuLjwNXAWmA5QXVHubRc31oq%0AnV/LzjuNgb97JnlPmJktIQj6BXf/yzD5H83sinD9FcDJML2X/w63ALeb2VHgSwTVPX8MrDSz4nSh%0ApefzzrmG6/85cLqdBW7SceC4u387XP4ywRdBGq8twEbgFXefc/fzwF8C/4r0Xt+ieq9ny65zGgN/%0A90zyniAzM+BPge+7+38rWfUIUGzt30pQ919MvzPsMfAh4KfFn5ndzt3vc/d17j5CcP2+7u554BvA%0Ab4XZys+1+Df4rTB/z9wRuvs/AK+a2XVh0gbgBVJ4bUPHgA+Z2UD477p4vqm8viXqvZ6PAbeZ2arw%0AV9JtYVrzOt0A0qJGlc3AD4EfAVOdLk9C5/SvCX7mPQc8E742E9R1Pgm8FL6vDvMbQe+mHwHfI+hB%0A0fHzaOC8bwUeDT9fA/wdcAT4n8CyMP2ycPlIuP6aTpe7gfO8EZgJr+9fAavSfG2B/wi8CBwGHgaW%0Apen6AgcJ2i/OE9y5393I9QS2hed9BLgrqfLpyV0RkYxJY1WPiIhUocAvIpIxCvwiIhmjwC8ikjEK%0A/CIiGaPALyKSMQr8IiIZo8AvIpIx/x8A2/3MK+uLsgAAAABJRU5ErkJggg=="/>
+          <p:cNvSpPr>
+            <a:spLocks noChangeAspect="1" noChangeArrowheads="1"/>
+          </p:cNvSpPr>
+          <p:nvPr/>
+        </p:nvSpPr>
+        <p:spPr bwMode="auto">
+          <a:xfrm>
+            <a:off x="155575" y="-144463"/>
+            <a:ext cx="304800" cy="304801"/>
+          </a:xfrm>
+          <a:prstGeom prst="rect">
+            <a:avLst/>
+          </a:prstGeom>
+          <a:noFill/>
+          <a:extLst>
+            <a:ext uri="{909E8E84-426E-40DD-AFC4-6F175D3DCCD1}">
+              <a14:hiddenFill xmlns:a14="http://schemas.microsoft.com/office/drawing/2010/main">
+                <a:solidFill>
+                  <a:srgbClr val="FFFFFF"/>
+                </a:solidFill>
+              </a14:hiddenFill>
+            </a:ext>
+          </a:extLst>
+        </p:spPr>
+        <p:txBody>
+          <a:bodyPr vert="horz" wrap="square" lIns="91440" tIns="45720" rIns="91440" bIns="45720" numCol="1" anchor="t" anchorCtr="0" compatLnSpc="1">
+            <a:prstTxWarp prst="textNoShape">
+              <a:avLst/>
+            </a:prstTxWarp>
+          </a:bodyPr>
+          <a:lstStyle/>
+          <a:p>
+            <a:endParaRPr lang="zh-CN" altLang="en-US"/>
+          </a:p>
+        </p:txBody>
+      </p:sp>
+      <p:pic>
+        <p:nvPicPr>
+          <p:cNvPr id="10" name="图片 9"/>
+          <p:cNvPicPr>
+            <a:picLocks noChangeAspect="1"/>
+          </p:cNvPicPr>
+          <p:nvPr/>
+        </p:nvPicPr>
+        <p:blipFill>
+          <a:blip r:embed="rId2">
+            <a:extLst>
+              <a:ext uri="{28A0092B-C50C-407E-A947-70E740481C1C}">
+                <a14:useLocalDpi xmlns:a14="http://schemas.microsoft.com/office/drawing/2010/main" val="0"/>
+              </a:ext>
+            </a:extLst>
+          </a:blip>
+          <a:stretch>
+            <a:fillRect/>
+          </a:stretch>
+        </p:blipFill>
+        <p:spPr>
+          <a:xfrm>
+            <a:off x="475941" y="2106217"/>
+            <a:ext cx="3905353" cy="2645561"/>
+          </a:xfrm>
+          <a:prstGeom prst="rect">
+            <a:avLst/>
+          </a:prstGeom>
+        </p:spPr>
+      </p:pic>
+      <p:pic>
+        <p:nvPicPr>
+          <p:cNvPr id="11" name="图片 10"/>
+          <p:cNvPicPr>
+            <a:picLocks noChangeAspect="1"/>
+          </p:cNvPicPr>
+          <p:nvPr/>
+        </p:nvPicPr>
+        <p:blipFill>
+          <a:blip r:embed="rId3">
+            <a:extLst>
+              <a:ext uri="{28A0092B-C50C-407E-A947-70E740481C1C}">
+                <a14:useLocalDpi xmlns:a14="http://schemas.microsoft.com/office/drawing/2010/main" val="0"/>
+              </a:ext>
+            </a:extLst>
+          </a:blip>
+          <a:stretch>
+            <a:fillRect/>
+          </a:stretch>
+        </p:blipFill>
+        <p:spPr>
+          <a:xfrm>
+            <a:off x="4381294" y="2106218"/>
+            <a:ext cx="3905353" cy="2645561"/>
+          </a:xfrm>
+          <a:prstGeom prst="rect">
+            <a:avLst/>
+          </a:prstGeom>
+        </p:spPr>
+      </p:pic>
+      <p:pic>
+        <p:nvPicPr>
+          <p:cNvPr id="12" name="图片 11"/>
+          <p:cNvPicPr>
+            <a:picLocks noChangeAspect="1"/>
+          </p:cNvPicPr>
+          <p:nvPr/>
+        </p:nvPicPr>
+        <p:blipFill>
+          <a:blip r:embed="rId4">
+            <a:extLst>
+              <a:ext uri="{28A0092B-C50C-407E-A947-70E740481C1C}">
+                <a14:useLocalDpi xmlns:a14="http://schemas.microsoft.com/office/drawing/2010/main" val="0"/>
+              </a:ext>
+            </a:extLst>
+          </a:blip>
+          <a:stretch>
+            <a:fillRect/>
+          </a:stretch>
+        </p:blipFill>
+        <p:spPr>
+          <a:xfrm>
+            <a:off x="8286647" y="2106219"/>
+            <a:ext cx="3905353" cy="2645561"/>
+          </a:xfrm>
+          <a:prstGeom prst="rect">
+            <a:avLst/>
+          </a:prstGeom>
+        </p:spPr>
+      </p:pic>
+      <p:pic>
+        <p:nvPicPr>
+          <p:cNvPr id="14" name="图片 13"/>
+          <p:cNvPicPr>
+            <a:picLocks noChangeAspect="1"/>
+          </p:cNvPicPr>
+          <p:nvPr/>
+        </p:nvPicPr>
+        <p:blipFill>
+          <a:blip r:embed="rId5"/>
+          <a:stretch>
+            <a:fillRect/>
+          </a:stretch>
+        </p:blipFill>
+        <p:spPr>
+          <a:xfrm>
+            <a:off x="1371600" y="4833937"/>
+            <a:ext cx="1981200" cy="1019175"/>
+          </a:xfrm>
+          <a:prstGeom prst="rect">
+            <a:avLst/>
+          </a:prstGeom>
+        </p:spPr>
+      </p:pic>
+      <p:pic>
+        <p:nvPicPr>
+          <p:cNvPr id="15" name="图片 14"/>
+          <p:cNvPicPr>
+            <a:picLocks noChangeAspect="1"/>
+          </p:cNvPicPr>
+          <p:nvPr/>
+        </p:nvPicPr>
+        <p:blipFill>
+          <a:blip r:embed="rId6"/>
+          <a:stretch>
+            <a:fillRect/>
+          </a:stretch>
+        </p:blipFill>
+        <p:spPr>
+          <a:xfrm>
+            <a:off x="5338607" y="4833937"/>
+            <a:ext cx="1990725" cy="1047750"/>
+          </a:xfrm>
+          <a:prstGeom prst="rect">
+            <a:avLst/>
+          </a:prstGeom>
+        </p:spPr>
+      </p:pic>
+      <p:pic>
+        <p:nvPicPr>
+          <p:cNvPr id="16" name="图片 15"/>
+          <p:cNvPicPr>
+            <a:picLocks noChangeAspect="1"/>
+          </p:cNvPicPr>
+          <p:nvPr/>
+        </p:nvPicPr>
+        <p:blipFill>
+          <a:blip r:embed="rId7"/>
+          <a:stretch>
+            <a:fillRect/>
+          </a:stretch>
+        </p:blipFill>
+        <p:spPr>
+          <a:xfrm>
+            <a:off x="9315139" y="4833937"/>
+            <a:ext cx="1990725" cy="1057275"/>
+          </a:xfrm>
+          <a:prstGeom prst="rect">
+            <a:avLst/>
+          </a:prstGeom>
+        </p:spPr>
+      </p:pic>
+    </p:spTree>
+    <p:extLst>
+      <p:ext uri="{BB962C8B-B14F-4D97-AF65-F5344CB8AC3E}">
+        <p14:creationId xmlns:p14="http://schemas.microsoft.com/office/powerpoint/2010/main" val="2854439555"/>
+      </p:ext>
+    </p:extLst>
+  </p:cSld>
+  <p:clrMapOvr>
+    <a:masterClrMapping/>
+  </p:clrMapOvr>
+</p:sld>
+</file>
+
+<file path=ppt/slides/slide11.xml><?xml version="1.0" encoding="utf-8"?>
+<p:sld xmlns:a="http://schemas.openxmlformats.org/drawingml/2006/main" xmlns:r="http://schemas.openxmlformats.org/officeDocument/2006/relationships" xmlns:p="http://schemas.openxmlformats.org/presentationml/2006/main">
+  <p:cSld>
+    <p:spTree>
+      <p:nvGrpSpPr>
+        <p:cNvPr id="1" name=""/>
+        <p:cNvGrpSpPr/>
+        <p:nvPr/>
+      </p:nvGrpSpPr>
+      <p:grpSpPr>
+        <a:xfrm>
+          <a:off x="0" y="0"/>
+          <a:ext cx="0" cy="0"/>
+          <a:chOff x="0" y="0"/>
+          <a:chExt cx="0" cy="0"/>
+        </a:xfrm>
+      </p:grpSpPr>
+      <p:sp>
+        <p:nvSpPr>
+          <p:cNvPr id="2" name="标题 1"/>
+          <p:cNvSpPr>
+            <a:spLocks noGrp="1"/>
+          </p:cNvSpPr>
+          <p:nvPr>
+            <p:ph type="title"/>
+          </p:nvPr>
+        </p:nvSpPr>
+        <p:spPr>
+          <a:xfrm>
+            <a:off x="1371600" y="685800"/>
+            <a:ext cx="9601200" cy="1083365"/>
+          </a:xfrm>
+        </p:spPr>
+        <p:txBody>
+          <a:bodyPr/>
+          <a:lstStyle/>
+          <a:p>
+            <a:r>
+              <a:rPr kumimoji="1" lang="zh-CN" altLang="en-US" dirty="0"/>
+              <a:t>平均值的</a:t>
+            </a:r>
+            <a:r>
+              <a:rPr kumimoji="1" lang="zh-CN" altLang="en-US" dirty="0" smtClean="0"/>
+              <a:t>定理</a:t>
+            </a:r>
+            <a:r>
+              <a:rPr kumimoji="1" lang="en-US" altLang="zh-CN" dirty="0" smtClean="0"/>
+              <a:t>.</a:t>
+            </a:r>
+            <a:r>
+              <a:rPr kumimoji="1" lang="zh-CN" altLang="en-US" dirty="0" smtClean="0"/>
+              <a:t> </a:t>
+            </a:r>
+            <a:r>
+              <a:rPr kumimoji="1" lang="en-US" altLang="zh-CN" dirty="0" smtClean="0"/>
+              <a:t>2</a:t>
+            </a:r>
+            <a:endParaRPr kumimoji="1" lang="zh-CN" altLang="en-US" dirty="0"/>
+          </a:p>
+        </p:txBody>
+      </p:sp>
+      <p:sp>
+        <p:nvSpPr>
+          <p:cNvPr id="3" name="内容占位符 2"/>
+          <p:cNvSpPr>
+            <a:spLocks noGrp="1"/>
+          </p:cNvSpPr>
+          <p:nvPr>
+            <p:ph idx="1"/>
+          </p:nvPr>
+        </p:nvSpPr>
+        <p:spPr>
+          <a:xfrm>
+            <a:off x="1371600" y="3314700"/>
+            <a:ext cx="4750904" cy="2552700"/>
+          </a:xfrm>
+        </p:spPr>
+        <p:txBody>
+          <a:bodyPr>
+            <a:normAutofit/>
+          </a:bodyPr>
+          <a:lstStyle/>
+          <a:p>
+            <a:r>
+              <a:rPr lang="zh-CN" altLang="en-US" sz="2800" dirty="0"/>
+              <a:t>任何分布中，各项对平均数的差的平方的和，小于与其他任何点的差数平方和</a:t>
+            </a:r>
+            <a:endParaRPr kumimoji="1" lang="zh-CN" altLang="en-US" sz="2800" dirty="0"/>
+          </a:p>
+        </p:txBody>
+      </p:sp>
+      <p:pic>
+        <p:nvPicPr>
+          <p:cNvPr id="4" name="图片 3"/>
+          <p:cNvPicPr>
+            <a:picLocks noChangeAspect="1"/>
+          </p:cNvPicPr>
+          <p:nvPr/>
+        </p:nvPicPr>
+        <p:blipFill>
+          <a:blip r:embed="rId2"/>
+          <a:stretch>
+            <a:fillRect/>
+          </a:stretch>
+        </p:blipFill>
+        <p:spPr>
+          <a:xfrm>
+            <a:off x="6122504" y="3062682"/>
+            <a:ext cx="6069496" cy="3795318"/>
+          </a:xfrm>
+          <a:prstGeom prst="rect">
+            <a:avLst/>
+          </a:prstGeom>
+        </p:spPr>
+      </p:pic>
+      <p:sp>
+        <p:nvSpPr>
+          <p:cNvPr id="8" name="矩形 7"/>
+          <p:cNvSpPr/>
+          <p:nvPr/>
+        </p:nvSpPr>
+        <p:spPr>
+          <a:xfrm>
+            <a:off x="1371600" y="1585436"/>
+            <a:ext cx="6096000" cy="1477328"/>
+          </a:xfrm>
+          <a:prstGeom prst="rect">
+            <a:avLst/>
+          </a:prstGeom>
+        </p:spPr>
+        <p:txBody>
+          <a:bodyPr>
+            <a:spAutoFit/>
+          </a:bodyPr>
+          <a:lstStyle/>
+          <a:p>
+            <a:r>
+              <a:rPr lang="en-US" altLang="zh-CN" dirty="0">
+                <a:solidFill>
+                  <a:srgbClr val="008000"/>
+                </a:solidFill>
+                <a:latin typeface="Menlo" charset="0"/>
+              </a:rPr>
+              <a:t># (x-mean)**2</a:t>
+            </a:r>
+            <a:endParaRPr lang="en-US" altLang="zh-CN" dirty="0">
+              <a:solidFill>
+                <a:srgbClr val="000000"/>
+              </a:solidFill>
+              <a:latin typeface="Menlo" charset="0"/>
+            </a:endParaRPr>
+          </a:p>
+          <a:p>
+            <a:r>
+              <a:rPr lang="en-US" altLang="zh-CN" dirty="0">
+                <a:solidFill>
+                  <a:srgbClr val="000000"/>
+                </a:solidFill>
+                <a:latin typeface="Menlo" charset="0"/>
+              </a:rPr>
+              <a:t>(</a:t>
+            </a:r>
+            <a:r>
+              <a:rPr lang="en-US" altLang="zh-CN" dirty="0" err="1">
+                <a:solidFill>
+                  <a:srgbClr val="000000"/>
+                </a:solidFill>
+                <a:latin typeface="Menlo" charset="0"/>
+              </a:rPr>
+              <a:t>x,y</a:t>
+            </a:r>
+            <a:r>
+              <a:rPr lang="en-US" altLang="zh-CN" dirty="0">
+                <a:solidFill>
+                  <a:srgbClr val="000000"/>
+                </a:solidFill>
+                <a:latin typeface="Menlo" charset="0"/>
+              </a:rPr>
+              <a:t>) = </a:t>
+            </a:r>
+            <a:r>
+              <a:rPr lang="en-US" altLang="zh-CN" dirty="0" err="1">
+                <a:solidFill>
+                  <a:srgbClr val="000000"/>
+                </a:solidFill>
+                <a:latin typeface="Menlo" charset="0"/>
+              </a:rPr>
+              <a:t>lineParameter</a:t>
+            </a:r>
+            <a:r>
+              <a:rPr lang="en-US" altLang="zh-CN" dirty="0">
+                <a:solidFill>
+                  <a:srgbClr val="000000"/>
+                </a:solidFill>
+                <a:latin typeface="Menlo" charset="0"/>
+              </a:rPr>
+              <a:t>(mean,l_minus_mean_2)</a:t>
+            </a:r>
+          </a:p>
+          <a:p>
+            <a:r>
+              <a:rPr lang="en-US" altLang="zh-CN" dirty="0" err="1">
+                <a:solidFill>
+                  <a:srgbClr val="000000"/>
+                </a:solidFill>
+                <a:latin typeface="Menlo" charset="0"/>
+              </a:rPr>
+              <a:t>plt.plot</a:t>
+            </a:r>
+            <a:r>
+              <a:rPr lang="en-US" altLang="zh-CN" dirty="0">
+                <a:solidFill>
+                  <a:srgbClr val="000000"/>
+                </a:solidFill>
+                <a:latin typeface="Menlo" charset="0"/>
+              </a:rPr>
+              <a:t>(</a:t>
+            </a:r>
+            <a:r>
+              <a:rPr lang="en-US" altLang="zh-CN" dirty="0" err="1">
+                <a:solidFill>
+                  <a:srgbClr val="000000"/>
+                </a:solidFill>
+                <a:latin typeface="Menlo" charset="0"/>
+              </a:rPr>
+              <a:t>x,y</a:t>
+            </a:r>
+            <a:r>
+              <a:rPr lang="en-US" altLang="zh-CN" dirty="0">
+                <a:solidFill>
+                  <a:srgbClr val="000000"/>
+                </a:solidFill>
+                <a:latin typeface="Menlo" charset="0"/>
+              </a:rPr>
+              <a:t>)</a:t>
+            </a:r>
+          </a:p>
+          <a:p>
+            <a:r>
+              <a:rPr lang="en-US" altLang="zh-CN" dirty="0" err="1">
+                <a:solidFill>
+                  <a:srgbClr val="000000"/>
+                </a:solidFill>
+                <a:latin typeface="Menlo" charset="0"/>
+              </a:rPr>
+              <a:t>plt.scatter</a:t>
+            </a:r>
+            <a:r>
+              <a:rPr lang="en-US" altLang="zh-CN" dirty="0">
+                <a:solidFill>
+                  <a:srgbClr val="000000"/>
+                </a:solidFill>
+                <a:latin typeface="Menlo" charset="0"/>
+              </a:rPr>
+              <a:t>(list1,l_minus_mean_2)</a:t>
+            </a:r>
+          </a:p>
+          <a:p>
+            <a:r>
+              <a:rPr lang="en-US" altLang="zh-CN" dirty="0" err="1">
+                <a:solidFill>
+                  <a:srgbClr val="000000"/>
+                </a:solidFill>
+                <a:latin typeface="Menlo" charset="0"/>
+              </a:rPr>
+              <a:t>plt.show</a:t>
+            </a:r>
+            <a:r>
+              <a:rPr lang="en-US" altLang="zh-CN" dirty="0">
+                <a:solidFill>
+                  <a:srgbClr val="000000"/>
+                </a:solidFill>
+                <a:latin typeface="Menlo" charset="0"/>
+              </a:rPr>
+              <a:t>()</a:t>
+            </a:r>
+            <a:endParaRPr lang="en-US" altLang="zh-CN" b="0" dirty="0">
+              <a:solidFill>
+                <a:srgbClr val="000000"/>
+              </a:solidFill>
+              <a:effectLst/>
+              <a:latin typeface="Menlo" charset="0"/>
+            </a:endParaRPr>
+          </a:p>
+        </p:txBody>
+      </p:sp>
+      <p:pic>
+        <p:nvPicPr>
+          <p:cNvPr id="6" name="Picture 4" descr="Image result for jupyter notebook"/>
+          <p:cNvPicPr>
+            <a:picLocks noChangeAspect="1" noChangeArrowheads="1"/>
+          </p:cNvPicPr>
+          <p:nvPr/>
+        </p:nvPicPr>
+        <p:blipFill>
+          <a:blip r:embed="rId3">
+            <a:extLst>
+              <a:ext uri="{28A0092B-C50C-407E-A947-70E740481C1C}">
+                <a14:useLocalDpi xmlns:a14="http://schemas.microsoft.com/office/drawing/2010/main" val="0"/>
+              </a:ext>
+            </a:extLst>
+          </a:blip>
+          <a:srcRect/>
+          <a:stretch>
+            <a:fillRect/>
+          </a:stretch>
+        </p:blipFill>
+        <p:spPr bwMode="auto">
+          <a:xfrm rot="20100170">
+            <a:off x="9816735" y="978053"/>
+            <a:ext cx="1592842" cy="1582223"/>
+          </a:xfrm>
+          <a:prstGeom prst="rect">
+            <a:avLst/>
+          </a:prstGeom>
+          <a:noFill/>
+          <a:extLst>
+            <a:ext uri="{909E8E84-426E-40DD-AFC4-6F175D3DCCD1}">
+              <a14:hiddenFill xmlns:a14="http://schemas.microsoft.com/office/drawing/2010/main">
+                <a:solidFill>
+                  <a:srgbClr val="FFFFFF"/>
+                </a:solidFill>
+              </a14:hiddenFill>
+            </a:ext>
+          </a:extLst>
+        </p:spPr>
+      </p:pic>
+    </p:spTree>
+    <p:extLst>
+      <p:ext uri="{BB962C8B-B14F-4D97-AF65-F5344CB8AC3E}">
+        <p14:creationId xmlns:p14="http://schemas.microsoft.com/office/powerpoint/2010/main" val="401531988"/>
+      </p:ext>
+    </p:extLst>
+  </p:cSld>
+  <p:clrMapOvr>
+    <a:masterClrMapping/>
+  </p:clrMapOvr>
+</p:sld>
+</file>
+
+<file path=ppt/slides/slide12.xml><?xml version="1.0" encoding="utf-8"?>
+<p:sld xmlns:a="http://schemas.openxmlformats.org/drawingml/2006/main" xmlns:r="http://schemas.openxmlformats.org/officeDocument/2006/relationships" xmlns:p="http://schemas.openxmlformats.org/presentationml/2006/main">
+  <p:cSld>
+    <p:spTree>
+      <p:nvGrpSpPr>
+        <p:cNvPr id="1" name=""/>
+        <p:cNvGrpSpPr/>
+        <p:nvPr/>
+      </p:nvGrpSpPr>
+      <p:grpSpPr>
+        <a:xfrm>
+          <a:off x="0" y="0"/>
+          <a:ext cx="0" cy="0"/>
+          <a:chOff x="0" y="0"/>
+          <a:chExt cx="0" cy="0"/>
+        </a:xfrm>
+      </p:grpSpPr>
+      <p:sp>
+        <p:nvSpPr>
+          <p:cNvPr id="2" name="标题 1"/>
+          <p:cNvSpPr>
+            <a:spLocks noGrp="1"/>
+          </p:cNvSpPr>
+          <p:nvPr>
+            <p:ph type="title"/>
+          </p:nvPr>
+        </p:nvSpPr>
+        <p:spPr/>
+        <p:txBody>
+          <a:bodyPr/>
+          <a:lstStyle/>
+          <a:p>
+            <a:r>
+              <a:rPr lang="zh-CN" altLang="en-US" dirty="0" smtClean="0"/>
+              <a:t>为什么</a:t>
+            </a:r>
+            <a:r>
+              <a:rPr lang="en-US" altLang="zh-CN" dirty="0" smtClean="0"/>
+              <a:t>n-1</a:t>
+            </a:r>
+            <a:r>
+              <a:rPr lang="zh-CN" altLang="en-US" dirty="0" smtClean="0"/>
+              <a:t>就是无偏的？</a:t>
+            </a:r>
+            <a:endParaRPr lang="zh-CN" altLang="en-US" dirty="0"/>
+          </a:p>
+        </p:txBody>
+      </p:sp>
+      <p:sp>
+        <p:nvSpPr>
+          <p:cNvPr id="3" name="内容占位符 2"/>
+          <p:cNvSpPr>
+            <a:spLocks noGrp="1"/>
+          </p:cNvSpPr>
+          <p:nvPr>
+            <p:ph idx="1"/>
+          </p:nvPr>
+        </p:nvSpPr>
+        <p:spPr>
+          <a:xfrm>
+            <a:off x="1371600" y="1731085"/>
+            <a:ext cx="9601200" cy="4336339"/>
+          </a:xfrm>
+        </p:spPr>
+        <p:txBody>
+          <a:bodyPr>
+            <a:normAutofit/>
+          </a:bodyPr>
+          <a:lstStyle/>
+          <a:p>
+            <a:r>
+              <a:rPr lang="zh-CN" altLang="en-US" b="1" dirty="0"/>
+              <a:t>自由度的概念</a:t>
+            </a:r>
+          </a:p>
+          <a:p>
+            <a:r>
+              <a:rPr lang="zh-CN" altLang="en-US" dirty="0"/>
+              <a:t>现在有这样一条包含</a:t>
+            </a:r>
+            <a:r>
+              <a:rPr lang="en-US" altLang="zh-CN" dirty="0"/>
+              <a:t>3</a:t>
+            </a:r>
+            <a:r>
+              <a:rPr lang="zh-CN" altLang="en-US" dirty="0"/>
+              <a:t>个事件的信息</a:t>
+            </a:r>
+            <a:r>
+              <a:rPr lang="zh-CN" altLang="en-US" dirty="0" smtClean="0"/>
+              <a:t>：</a:t>
+            </a:r>
+            <a:endParaRPr lang="en-US" altLang="zh-CN" dirty="0" smtClean="0"/>
+          </a:p>
+          <a:p>
+            <a:pPr lvl="1"/>
+            <a:r>
+              <a:rPr lang="zh-CN" altLang="en-US" dirty="0" smtClean="0"/>
+              <a:t>小张</a:t>
+            </a:r>
+            <a:r>
+              <a:rPr lang="zh-CN" altLang="en-US" dirty="0"/>
+              <a:t>考试得了</a:t>
+            </a:r>
+            <a:r>
+              <a:rPr lang="en-US" altLang="zh-CN" dirty="0"/>
+              <a:t>72</a:t>
+            </a:r>
+            <a:r>
+              <a:rPr lang="zh-CN" altLang="en-US" dirty="0" smtClean="0"/>
+              <a:t>分</a:t>
+            </a:r>
+            <a:endParaRPr lang="en-US" altLang="zh-CN" dirty="0" smtClean="0"/>
+          </a:p>
+          <a:p>
+            <a:pPr lvl="1"/>
+            <a:r>
+              <a:rPr lang="zh-CN" altLang="en-US" dirty="0" smtClean="0"/>
+              <a:t>他</a:t>
+            </a:r>
+            <a:r>
+              <a:rPr lang="zh-CN" altLang="en-US" dirty="0"/>
+              <a:t>被扣了</a:t>
+            </a:r>
+            <a:r>
+              <a:rPr lang="en-US" altLang="zh-CN" dirty="0"/>
+              <a:t>28</a:t>
+            </a:r>
+            <a:r>
+              <a:rPr lang="zh-CN" altLang="en-US" dirty="0" smtClean="0"/>
+              <a:t>分</a:t>
+            </a:r>
+            <a:endParaRPr lang="en-US" altLang="zh-CN" dirty="0" smtClean="0"/>
+          </a:p>
+          <a:p>
+            <a:pPr lvl="1"/>
+            <a:r>
+              <a:rPr lang="zh-CN" altLang="en-US" dirty="0" smtClean="0"/>
+              <a:t>满分</a:t>
+            </a:r>
+            <a:r>
+              <a:rPr lang="zh-CN" altLang="en-US" dirty="0"/>
+              <a:t>是</a:t>
+            </a:r>
+            <a:r>
+              <a:rPr lang="en-US" altLang="zh-CN" dirty="0"/>
+              <a:t>100</a:t>
+            </a:r>
+            <a:r>
+              <a:rPr lang="zh-CN" altLang="en-US" dirty="0" smtClean="0"/>
+              <a:t>分</a:t>
+            </a:r>
+            <a:endParaRPr lang="en-US" altLang="zh-CN" dirty="0" smtClean="0"/>
+          </a:p>
+          <a:p>
+            <a:r>
+              <a:rPr lang="zh-CN" altLang="en-US" dirty="0" smtClean="0"/>
+              <a:t>实际上拿掉其中任何以一个，我们都能用剩下的两个把这条信息推算出来</a:t>
+            </a:r>
+            <a:endParaRPr lang="zh-CN" altLang="en-US" dirty="0"/>
+          </a:p>
+        </p:txBody>
+      </p:sp>
+      <p:pic>
+        <p:nvPicPr>
+          <p:cNvPr id="4" name="图片 3"/>
+          <p:cNvPicPr>
+            <a:picLocks noChangeAspect="1"/>
+          </p:cNvPicPr>
+          <p:nvPr/>
+        </p:nvPicPr>
+        <p:blipFill>
+          <a:blip r:embed="rId2"/>
+          <a:stretch>
+            <a:fillRect/>
+          </a:stretch>
+        </p:blipFill>
+        <p:spPr>
+          <a:xfrm>
+            <a:off x="8982075" y="428426"/>
+            <a:ext cx="1990725" cy="1057275"/>
+          </a:xfrm>
+          <a:prstGeom prst="rect">
+            <a:avLst/>
+          </a:prstGeom>
+        </p:spPr>
+      </p:pic>
+    </p:spTree>
+    <p:extLst>
+      <p:ext uri="{BB962C8B-B14F-4D97-AF65-F5344CB8AC3E}">
+        <p14:creationId xmlns:p14="http://schemas.microsoft.com/office/powerpoint/2010/main" val="1110118036"/>
+      </p:ext>
+    </p:extLst>
+  </p:cSld>
+  <p:clrMapOvr>
+    <a:masterClrMapping/>
+  </p:clrMapOvr>
+</p:sld>
+</file>
+
+<file path=ppt/slides/slide13.xml><?xml version="1.0" encoding="utf-8"?>
+<p:sld xmlns:a="http://schemas.openxmlformats.org/drawingml/2006/main" xmlns:r="http://schemas.openxmlformats.org/officeDocument/2006/relationships" xmlns:p="http://schemas.openxmlformats.org/presentationml/2006/main">
+  <p:cSld>
+    <p:spTree>
+      <p:nvGrpSpPr>
+        <p:cNvPr id="1" name=""/>
+        <p:cNvGrpSpPr/>
+        <p:nvPr/>
+      </p:nvGrpSpPr>
+      <p:grpSpPr>
+        <a:xfrm>
+          <a:off x="0" y="0"/>
+          <a:ext cx="0" cy="0"/>
+          <a:chOff x="0" y="0"/>
+          <a:chExt cx="0" cy="0"/>
+        </a:xfrm>
+      </p:grpSpPr>
+      <p:sp>
+        <p:nvSpPr>
+          <p:cNvPr id="2" name="标题 1"/>
+          <p:cNvSpPr>
+            <a:spLocks noGrp="1"/>
+          </p:cNvSpPr>
+          <p:nvPr>
+            <p:ph type="title"/>
+          </p:nvPr>
+        </p:nvSpPr>
+        <p:spPr/>
+        <p:txBody>
+          <a:bodyPr/>
+          <a:lstStyle/>
+          <a:p>
+            <a:r>
+              <a:rPr lang="zh-CN" altLang="en-US" dirty="0" smtClean="0"/>
+              <a:t>自由度的概念</a:t>
+            </a:r>
+            <a:endParaRPr lang="zh-CN" altLang="en-US" dirty="0"/>
+          </a:p>
+        </p:txBody>
+      </p:sp>
+      <p:sp>
+        <p:nvSpPr>
+          <p:cNvPr id="3" name="内容占位符 2"/>
+          <p:cNvSpPr>
+            <a:spLocks noGrp="1"/>
+          </p:cNvSpPr>
+          <p:nvPr>
+            <p:ph idx="1"/>
+          </p:nvPr>
+        </p:nvSpPr>
+        <p:spPr/>
+        <p:txBody>
+          <a:bodyPr/>
+          <a:lstStyle/>
+          <a:p>
+            <a:r>
+              <a:rPr lang="zh-CN" altLang="en-US" dirty="0"/>
+              <a:t>虽然给出了</a:t>
+            </a:r>
+            <a:r>
+              <a:rPr lang="en-US" altLang="zh-CN" dirty="0"/>
+              <a:t>3</a:t>
+            </a:r>
+            <a:r>
+              <a:rPr lang="zh-CN" altLang="en-US" dirty="0"/>
+              <a:t>个</a:t>
+            </a:r>
+            <a:r>
+              <a:rPr lang="zh-CN" altLang="en-US" dirty="0" smtClean="0"/>
+              <a:t>事件</a:t>
+            </a:r>
+            <a:endParaRPr lang="en-US" altLang="zh-CN" dirty="0" smtClean="0"/>
+          </a:p>
+          <a:p>
+            <a:pPr lvl="1"/>
+            <a:r>
+              <a:rPr lang="zh-CN" altLang="en-US" dirty="0" smtClean="0"/>
+              <a:t>但是</a:t>
+            </a:r>
+            <a:r>
+              <a:rPr lang="zh-CN" altLang="en-US" dirty="0"/>
+              <a:t>只有两个事件是彼此独立的（</a:t>
+            </a:r>
+            <a:r>
+              <a:rPr lang="en-US" altLang="zh-CN" dirty="0"/>
+              <a:t>independent</a:t>
+            </a:r>
+            <a:r>
+              <a:rPr lang="zh-CN" altLang="en-US" dirty="0" smtClean="0"/>
+              <a:t>）</a:t>
+            </a:r>
+            <a:endParaRPr lang="en-US" altLang="zh-CN" dirty="0" smtClean="0"/>
+          </a:p>
+          <a:p>
+            <a:pPr lvl="1"/>
+            <a:r>
+              <a:rPr lang="zh-CN" altLang="en-US" dirty="0" smtClean="0"/>
+              <a:t>第三</a:t>
+            </a:r>
+            <a:r>
+              <a:rPr lang="zh-CN" altLang="en-US" dirty="0"/>
+              <a:t>个事件和其他两个事件就是相互依赖的了（</a:t>
+            </a:r>
+            <a:r>
+              <a:rPr lang="en-US" altLang="zh-CN" dirty="0"/>
+              <a:t>dependent</a:t>
+            </a:r>
+            <a:r>
+              <a:rPr lang="zh-CN" altLang="en-US" dirty="0" smtClean="0"/>
+              <a:t>）</a:t>
+            </a:r>
+            <a:endParaRPr lang="en-US" altLang="zh-CN" dirty="0" smtClean="0"/>
+          </a:p>
+          <a:p>
+            <a:r>
+              <a:rPr lang="zh-CN" altLang="en-US" dirty="0" smtClean="0"/>
+              <a:t>所以</a:t>
+            </a:r>
+            <a:r>
+              <a:rPr lang="zh-CN" altLang="en-US" dirty="0"/>
+              <a:t>在这个例子里面，自由度，也就是彼此独立的事件</a:t>
+            </a:r>
+            <a:r>
+              <a:rPr lang="en-US" altLang="zh-CN" dirty="0"/>
+              <a:t>/</a:t>
+            </a:r>
+            <a:r>
+              <a:rPr lang="zh-CN" altLang="en-US" dirty="0"/>
+              <a:t>样本，是</a:t>
+            </a:r>
+            <a:r>
+              <a:rPr lang="en-US" altLang="zh-CN" dirty="0"/>
+              <a:t>2</a:t>
+            </a:r>
+            <a:endParaRPr lang="zh-CN" altLang="en-US" dirty="0"/>
+          </a:p>
+        </p:txBody>
+      </p:sp>
+    </p:spTree>
+    <p:extLst>
+      <p:ext uri="{BB962C8B-B14F-4D97-AF65-F5344CB8AC3E}">
+        <p14:creationId xmlns:p14="http://schemas.microsoft.com/office/powerpoint/2010/main" val="2152409961"/>
+      </p:ext>
+    </p:extLst>
+  </p:cSld>
+  <p:clrMapOvr>
+    <a:masterClrMapping/>
+  </p:clrMapOvr>
+</p:sld>
+</file>
+
+<file path=ppt/slides/slide14.xml><?xml version="1.0" encoding="utf-8"?>
+<p:sld xmlns:a="http://schemas.openxmlformats.org/drawingml/2006/main" xmlns:r="http://schemas.openxmlformats.org/officeDocument/2006/relationships" xmlns:p="http://schemas.openxmlformats.org/presentationml/2006/main">
+  <p:cSld>
+    <p:spTree>
+      <p:nvGrpSpPr>
+        <p:cNvPr id="1" name=""/>
+        <p:cNvGrpSpPr/>
+        <p:nvPr/>
+      </p:nvGrpSpPr>
+      <p:grpSpPr>
+        <a:xfrm>
+          <a:off x="0" y="0"/>
+          <a:ext cx="0" cy="0"/>
+          <a:chOff x="0" y="0"/>
+          <a:chExt cx="0" cy="0"/>
+        </a:xfrm>
+      </p:grpSpPr>
+      <p:sp>
+        <p:nvSpPr>
+          <p:cNvPr id="2" name="标题 1"/>
+          <p:cNvSpPr>
+            <a:spLocks noGrp="1"/>
+          </p:cNvSpPr>
+          <p:nvPr>
+            <p:ph type="title"/>
+          </p:nvPr>
+        </p:nvSpPr>
+        <p:spPr/>
+        <p:txBody>
+          <a:bodyPr/>
+          <a:lstStyle/>
+          <a:p>
+            <a:r>
+              <a:rPr lang="zh-CN" altLang="en-US" dirty="0" smtClean="0"/>
+              <a:t>已知总体平均值的时候</a:t>
+            </a:r>
+            <a:endParaRPr lang="zh-CN" altLang="en-US" dirty="0"/>
+          </a:p>
+        </p:txBody>
+      </p:sp>
+      <p:sp>
+        <p:nvSpPr>
+          <p:cNvPr id="3" name="内容占位符 2"/>
+          <p:cNvSpPr>
+            <a:spLocks noGrp="1"/>
+          </p:cNvSpPr>
+          <p:nvPr>
+            <p:ph idx="1"/>
+          </p:nvPr>
+        </p:nvSpPr>
+        <p:spPr/>
+        <p:txBody>
+          <a:bodyPr/>
+          <a:lstStyle/>
+          <a:p>
+            <a:r>
+              <a:rPr lang="zh-CN" altLang="en-US" dirty="0"/>
+              <a:t>比如对一组样本有五个学生的</a:t>
+            </a:r>
+            <a:r>
+              <a:rPr lang="en-US" altLang="zh-CN" dirty="0"/>
+              <a:t>IQ</a:t>
+            </a:r>
+            <a:r>
+              <a:rPr lang="zh-CN" altLang="en-US" dirty="0"/>
+              <a:t>值：</a:t>
+            </a:r>
+            <a:r>
+              <a:rPr lang="en-US" altLang="zh-CN" dirty="0" smtClean="0"/>
+              <a:t>120,125,133,115,95</a:t>
+            </a:r>
+          </a:p>
+          <a:p>
+            <a:r>
+              <a:rPr lang="zh-CN" altLang="en-US" dirty="0" smtClean="0"/>
+              <a:t>总体平均值</a:t>
+            </a:r>
+            <a:r>
+              <a:rPr lang="en-US" altLang="zh-CN" dirty="0" smtClean="0"/>
+              <a:t>138</a:t>
+            </a:r>
+          </a:p>
+          <a:p>
+            <a:r>
+              <a:rPr lang="zh-CN" altLang="en-US" dirty="0" smtClean="0"/>
+              <a:t>使用</a:t>
+            </a:r>
+            <a:r>
+              <a:rPr lang="zh-CN" altLang="en-US" dirty="0"/>
+              <a:t>这些条件我们就能利用上式估计总体方差</a:t>
+            </a:r>
+            <a:r>
+              <a:rPr lang="zh-CN" altLang="en-US" dirty="0" smtClean="0"/>
+              <a:t>。</a:t>
+            </a:r>
+            <a:endParaRPr lang="en-US" altLang="zh-CN" dirty="0" smtClean="0"/>
+          </a:p>
+          <a:p>
+            <a:r>
+              <a:rPr lang="zh-CN" altLang="en-US" dirty="0" smtClean="0"/>
+              <a:t>这里</a:t>
+            </a:r>
+            <a:r>
+              <a:rPr lang="zh-CN" altLang="en-US" dirty="0"/>
+              <a:t>有几个互相独立的数据呢？</a:t>
+            </a:r>
+            <a:endParaRPr lang="zh-CN" altLang="en-US" dirty="0"/>
+          </a:p>
+        </p:txBody>
+      </p:sp>
+      <p:pic>
+        <p:nvPicPr>
+          <p:cNvPr id="4" name="图片 3"/>
+          <p:cNvPicPr>
+            <a:picLocks noChangeAspect="1"/>
+          </p:cNvPicPr>
+          <p:nvPr/>
+        </p:nvPicPr>
+        <p:blipFill>
+          <a:blip r:embed="rId2"/>
+          <a:stretch>
+            <a:fillRect/>
+          </a:stretch>
+        </p:blipFill>
+        <p:spPr>
+          <a:xfrm>
+            <a:off x="8915400" y="214114"/>
+            <a:ext cx="1981200" cy="1019175"/>
+          </a:xfrm>
+          <a:prstGeom prst="rect">
+            <a:avLst/>
+          </a:prstGeom>
+        </p:spPr>
+      </p:pic>
+    </p:spTree>
+    <p:extLst>
+      <p:ext uri="{BB962C8B-B14F-4D97-AF65-F5344CB8AC3E}">
+        <p14:creationId xmlns:p14="http://schemas.microsoft.com/office/powerpoint/2010/main" val="423362764"/>
+      </p:ext>
+    </p:extLst>
+  </p:cSld>
+  <p:clrMapOvr>
+    <a:masterClrMapping/>
+  </p:clrMapOvr>
+</p:sld>
+</file>
+
+<file path=ppt/slides/slide15.xml><?xml version="1.0" encoding="utf-8"?>
+<p:sld xmlns:a="http://schemas.openxmlformats.org/drawingml/2006/main" xmlns:r="http://schemas.openxmlformats.org/officeDocument/2006/relationships" xmlns:p="http://schemas.openxmlformats.org/presentationml/2006/main">
+  <p:cSld>
+    <p:spTree>
+      <p:nvGrpSpPr>
+        <p:cNvPr id="1" name=""/>
+        <p:cNvGrpSpPr/>
+        <p:nvPr/>
+      </p:nvGrpSpPr>
+      <p:grpSpPr>
+        <a:xfrm>
+          <a:off x="0" y="0"/>
+          <a:ext cx="0" cy="0"/>
+          <a:chOff x="0" y="0"/>
+          <a:chExt cx="0" cy="0"/>
+        </a:xfrm>
+      </p:grpSpPr>
+      <p:sp>
+        <p:nvSpPr>
+          <p:cNvPr id="2" name="标题 1"/>
+          <p:cNvSpPr>
+            <a:spLocks noGrp="1"/>
+          </p:cNvSpPr>
+          <p:nvPr>
+            <p:ph type="title"/>
+          </p:nvPr>
+        </p:nvSpPr>
+        <p:spPr/>
+        <p:txBody>
+          <a:bodyPr/>
+          <a:lstStyle/>
+          <a:p>
+            <a:r>
+              <a:rPr lang="zh-CN" altLang="en-US" dirty="0" smtClean="0"/>
+              <a:t>总体平均值未知的时候</a:t>
+            </a:r>
+            <a:endParaRPr lang="zh-CN" altLang="en-US" dirty="0"/>
+          </a:p>
+        </p:txBody>
+      </p:sp>
+      <p:sp>
+        <p:nvSpPr>
+          <p:cNvPr id="3" name="内容占位符 2"/>
+          <p:cNvSpPr>
+            <a:spLocks noGrp="1"/>
+          </p:cNvSpPr>
+          <p:nvPr>
+            <p:ph idx="1"/>
+          </p:nvPr>
+        </p:nvSpPr>
+        <p:spPr/>
+        <p:txBody>
+          <a:bodyPr/>
+          <a:lstStyle/>
+          <a:p>
+            <a:r>
+              <a:rPr lang="zh-CN" altLang="en-US" dirty="0"/>
+              <a:t>对一组样本有五个学生的</a:t>
+            </a:r>
+            <a:r>
+              <a:rPr lang="en-US" altLang="zh-CN" dirty="0"/>
+              <a:t>IQ</a:t>
+            </a:r>
+            <a:r>
+              <a:rPr lang="zh-CN" altLang="en-US" dirty="0"/>
+              <a:t>值：</a:t>
+            </a:r>
+            <a:r>
+              <a:rPr lang="en-US" altLang="zh-CN" dirty="0" smtClean="0"/>
+              <a:t>120,125,133,115,95</a:t>
+            </a:r>
+          </a:p>
+          <a:p>
+            <a:r>
+              <a:rPr lang="zh-CN" altLang="en-US" dirty="0" smtClean="0"/>
+              <a:t>样本均值</a:t>
+            </a:r>
+            <a:r>
+              <a:rPr lang="en-US" altLang="zh-CN" dirty="0" smtClean="0"/>
+              <a:t>117.6</a:t>
+            </a:r>
+          </a:p>
+          <a:p>
+            <a:r>
+              <a:rPr lang="zh-CN" altLang="en-US" dirty="0" smtClean="0"/>
+              <a:t>并且</a:t>
+            </a:r>
+            <a:r>
+              <a:rPr lang="zh-CN" altLang="en-US" dirty="0"/>
+              <a:t>估计总体均值在样本均值两侧</a:t>
+            </a:r>
+            <a:r>
+              <a:rPr lang="en-US" altLang="zh-CN" dirty="0"/>
+              <a:t>95%</a:t>
+            </a:r>
+            <a:r>
+              <a:rPr lang="zh-CN" altLang="en-US" dirty="0"/>
+              <a:t>置信区间</a:t>
+            </a:r>
+            <a:r>
+              <a:rPr lang="zh-CN" altLang="en-US" dirty="0" smtClean="0"/>
+              <a:t>以内</a:t>
+            </a:r>
+            <a:endParaRPr lang="en-US" altLang="zh-CN" dirty="0" smtClean="0"/>
+          </a:p>
+          <a:p>
+            <a:r>
+              <a:rPr lang="zh-CN" altLang="en-US" dirty="0" smtClean="0"/>
+              <a:t>现在相互独立的数据有多少？</a:t>
+            </a:r>
+            <a:endParaRPr lang="zh-CN" altLang="en-US" dirty="0"/>
+          </a:p>
+        </p:txBody>
+      </p:sp>
+    </p:spTree>
+    <p:extLst>
+      <p:ext uri="{BB962C8B-B14F-4D97-AF65-F5344CB8AC3E}">
+        <p14:creationId xmlns:p14="http://schemas.microsoft.com/office/powerpoint/2010/main" val="1958770324"/>
+      </p:ext>
+    </p:extLst>
+  </p:cSld>
+  <p:clrMapOvr>
+    <a:masterClrMapping/>
+  </p:clrMapOvr>
+</p:sld>
+</file>
+
+<file path=ppt/slides/slide16.xml><?xml version="1.0" encoding="utf-8"?>
+<p:sld xmlns:a="http://schemas.openxmlformats.org/drawingml/2006/main" xmlns:r="http://schemas.openxmlformats.org/officeDocument/2006/relationships" xmlns:p="http://schemas.openxmlformats.org/presentationml/2006/main">
+  <p:cSld>
+    <p:spTree>
+      <p:nvGrpSpPr>
+        <p:cNvPr id="1" name=""/>
+        <p:cNvGrpSpPr/>
+        <p:nvPr/>
+      </p:nvGrpSpPr>
+      <p:grpSpPr>
+        <a:xfrm>
+          <a:off x="0" y="0"/>
+          <a:ext cx="0" cy="0"/>
+          <a:chOff x="0" y="0"/>
+          <a:chExt cx="0" cy="0"/>
+        </a:xfrm>
+      </p:grpSpPr>
+      <p:sp>
+        <p:nvSpPr>
+          <p:cNvPr id="2" name="标题 1"/>
+          <p:cNvSpPr>
+            <a:spLocks noGrp="1"/>
+          </p:cNvSpPr>
+          <p:nvPr>
+            <p:ph type="title"/>
+          </p:nvPr>
+        </p:nvSpPr>
+        <p:spPr/>
+        <p:txBody>
+          <a:bodyPr/>
+          <a:lstStyle/>
+          <a:p>
+            <a:endParaRPr lang="zh-CN" altLang="en-US"/>
+          </a:p>
+        </p:txBody>
+      </p:sp>
+      <p:sp>
+        <p:nvSpPr>
+          <p:cNvPr id="3" name="内容占位符 2"/>
+          <p:cNvSpPr>
+            <a:spLocks noGrp="1"/>
+          </p:cNvSpPr>
+          <p:nvPr>
+            <p:ph idx="1"/>
+          </p:nvPr>
+        </p:nvSpPr>
+        <p:spPr/>
+        <p:txBody>
+          <a:bodyPr/>
+          <a:lstStyle/>
+          <a:p>
+            <a:r>
+              <a:rPr lang="zh-CN" altLang="en-US" dirty="0" smtClean="0"/>
+              <a:t>由左式推导右式成立</a:t>
+            </a:r>
+            <a:endParaRPr lang="zh-CN" altLang="en-US" dirty="0"/>
+          </a:p>
+        </p:txBody>
+      </p:sp>
+      <p:pic>
+        <p:nvPicPr>
+          <p:cNvPr id="4" name="图片 3"/>
+          <p:cNvPicPr>
+            <a:picLocks noChangeAspect="1"/>
+          </p:cNvPicPr>
+          <p:nvPr/>
+        </p:nvPicPr>
+        <p:blipFill>
+          <a:blip r:embed="rId2"/>
+          <a:stretch>
+            <a:fillRect/>
+          </a:stretch>
+        </p:blipFill>
+        <p:spPr>
+          <a:xfrm>
+            <a:off x="2276475" y="3055061"/>
+            <a:ext cx="2400300" cy="933450"/>
+          </a:xfrm>
+          <a:prstGeom prst="rect">
+            <a:avLst/>
+          </a:prstGeom>
+        </p:spPr>
+      </p:pic>
+      <p:pic>
+        <p:nvPicPr>
+          <p:cNvPr id="6" name="图片 5"/>
+          <p:cNvPicPr>
+            <a:picLocks noChangeAspect="1"/>
+          </p:cNvPicPr>
+          <p:nvPr/>
+        </p:nvPicPr>
+        <p:blipFill>
+          <a:blip r:embed="rId3"/>
+          <a:stretch>
+            <a:fillRect/>
+          </a:stretch>
+        </p:blipFill>
+        <p:spPr>
+          <a:xfrm>
+            <a:off x="6700837" y="2997911"/>
+            <a:ext cx="2924175" cy="1047750"/>
+          </a:xfrm>
+          <a:prstGeom prst="rect">
+            <a:avLst/>
+          </a:prstGeom>
+        </p:spPr>
+      </p:pic>
+    </p:spTree>
+    <p:extLst>
+      <p:ext uri="{BB962C8B-B14F-4D97-AF65-F5344CB8AC3E}">
+        <p14:creationId xmlns:p14="http://schemas.microsoft.com/office/powerpoint/2010/main" val="3186155980"/>
+      </p:ext>
+    </p:extLst>
+  </p:cSld>
+  <p:clrMapOvr>
+    <a:masterClrMapping/>
+  </p:clrMapOvr>
+</p:sld>
+</file>
+
 <file path=ppt/slides/slide2.xml><?xml version="1.0" encoding="utf-8"?>
 <p:sld xmlns:a="http://schemas.openxmlformats.org/drawingml/2006/main" xmlns:r="http://schemas.openxmlformats.org/officeDocument/2006/relationships" xmlns:p="http://schemas.openxmlformats.org/presentationml/2006/main">
   <p:cSld>
@@ -4499,7 +5846,11 @@
           <a:bodyPr/>
           <a:lstStyle/>
           <a:p>
-            <a:endParaRPr lang="zh-CN" altLang="en-US"/>
+            <a:r>
+              <a:rPr lang="zh-CN" altLang="en-US" dirty="0" smtClean="0"/>
+              <a:t>如何估计总体的均值？</a:t>
+            </a:r>
+            <a:endParaRPr lang="zh-CN" altLang="en-US" dirty="0"/>
           </a:p>
         </p:txBody>
       </p:sp>
@@ -4522,7 +5873,23 @@
           <a:p>
             <a:r>
               <a:rPr lang="zh-CN" altLang="en-US" dirty="0"/>
-              <a:t>现在假设我们想知道一个学校学生的平均智商，从这个学校抽取</a:t>
+              <a:t>现在假设我们想知道一个学校学生的平均智商，从这个</a:t>
+            </a:r>
+            <a:r>
+              <a:rPr lang="zh-CN" altLang="en-US" dirty="0" smtClean="0"/>
+              <a:t>学校</a:t>
+            </a:r>
+            <a:r>
+              <a:rPr lang="zh-CN" altLang="en-US" sz="4600" b="1" u="sng" dirty="0" smtClean="0">
+                <a:solidFill>
+                  <a:srgbClr val="FF0000"/>
+                </a:solidFill>
+              </a:rPr>
+              <a:t>随机</a:t>
+            </a:r>
+            <a:r>
+              <a:rPr lang="zh-CN" altLang="en-US" dirty="0" smtClean="0"/>
+              <a:t>抽取</a:t>
             </a:r>
             <a:r>
               <a:rPr lang="en-US" altLang="zh-CN" dirty="0"/>
@@ -4687,6 +6054,760 @@
       </p:par>
     </p:tnLst>
   </p:timing>
+</p:sld>
+</file>
+
+<file path=ppt/slides/slide5.xml><?xml version="1.0" encoding="utf-8"?>
+<p:sld xmlns:a="http://schemas.openxmlformats.org/drawingml/2006/main" xmlns:r="http://schemas.openxmlformats.org/officeDocument/2006/relationships" xmlns:p="http://schemas.openxmlformats.org/presentationml/2006/main">
+  <p:cSld>
+    <p:spTree>
+      <p:nvGrpSpPr>
+        <p:cNvPr id="1" name=""/>
+        <p:cNvGrpSpPr/>
+        <p:nvPr/>
+      </p:nvGrpSpPr>
+      <p:grpSpPr>
+        <a:xfrm>
+          <a:off x="0" y="0"/>
+          <a:ext cx="0" cy="0"/>
+          <a:chOff x="0" y="0"/>
+          <a:chExt cx="0" cy="0"/>
+        </a:xfrm>
+      </p:grpSpPr>
+      <p:sp>
+        <p:nvSpPr>
+          <p:cNvPr id="2" name="标题 1"/>
+          <p:cNvSpPr>
+            <a:spLocks noGrp="1"/>
+          </p:cNvSpPr>
+          <p:nvPr>
+            <p:ph type="title"/>
+          </p:nvPr>
+        </p:nvSpPr>
+        <p:spPr/>
+        <p:txBody>
+          <a:bodyPr/>
+          <a:lstStyle/>
+          <a:p>
+            <a:r>
+              <a:rPr lang="zh-CN" altLang="en-US" dirty="0" smtClean="0"/>
+              <a:t>从刚才的运算模拟中我们可以得到以下结论</a:t>
+            </a:r>
+            <a:endParaRPr lang="zh-CN" altLang="en-US" dirty="0"/>
+          </a:p>
+        </p:txBody>
+      </p:sp>
+      <p:sp>
+        <p:nvSpPr>
+          <p:cNvPr id="3" name="内容占位符 2"/>
+          <p:cNvSpPr>
+            <a:spLocks noGrp="1"/>
+          </p:cNvSpPr>
+          <p:nvPr>
+            <p:ph idx="1"/>
+          </p:nvPr>
+        </p:nvSpPr>
+        <p:spPr>
+          <a:xfrm>
+            <a:off x="1371600" y="1731086"/>
+            <a:ext cx="9601200" cy="4212514"/>
+          </a:xfrm>
+        </p:spPr>
+        <p:txBody>
+          <a:bodyPr>
+            <a:normAutofit/>
+          </a:bodyPr>
+          <a:lstStyle/>
+          <a:p>
+            <a:r>
+              <a:rPr lang="zh-CN" altLang="en-US" dirty="0" smtClean="0"/>
+              <a:t>样本的平均值对于总体平均值的估计是</a:t>
+            </a:r>
+            <a:r>
+              <a:rPr lang="zh-CN" altLang="en-US" b="1" u="sng" dirty="0" smtClean="0">
+                <a:solidFill>
+                  <a:srgbClr val="FF0000"/>
+                </a:solidFill>
+              </a:rPr>
+              <a:t>无偏</a:t>
+            </a:r>
+            <a:r>
+              <a:rPr lang="zh-CN" altLang="en-US" dirty="0" smtClean="0"/>
+              <a:t>的</a:t>
+            </a:r>
+            <a:endParaRPr lang="en-US" altLang="zh-CN" dirty="0" smtClean="0"/>
+          </a:p>
+          <a:p>
+            <a:endParaRPr lang="en-US" altLang="zh-CN" dirty="0" smtClean="0"/>
+          </a:p>
+          <a:p>
+            <a:endParaRPr lang="en-US" altLang="zh-CN" dirty="0" smtClean="0"/>
+          </a:p>
+          <a:p>
+            <a:r>
+              <a:rPr lang="zh-CN" altLang="en-US" dirty="0" smtClean="0"/>
+              <a:t>所以虽然我们不知道总体的均值，但是我们可以用样本的均值去估算总体的均值</a:t>
+            </a:r>
+            <a:endParaRPr lang="zh-CN" altLang="en-US" dirty="0"/>
+          </a:p>
+        </p:txBody>
+      </p:sp>
+      <p:pic>
+        <p:nvPicPr>
+          <p:cNvPr id="5" name="图片 4"/>
+          <p:cNvPicPr>
+            <a:picLocks noChangeAspect="1"/>
+          </p:cNvPicPr>
+          <p:nvPr/>
+        </p:nvPicPr>
+        <p:blipFill>
+          <a:blip r:embed="rId2"/>
+          <a:stretch>
+            <a:fillRect/>
+          </a:stretch>
+        </p:blipFill>
+        <p:spPr>
+          <a:xfrm>
+            <a:off x="5295900" y="2686050"/>
+            <a:ext cx="1752600" cy="704850"/>
+          </a:xfrm>
+          <a:prstGeom prst="rect">
+            <a:avLst/>
+          </a:prstGeom>
+        </p:spPr>
+      </p:pic>
+    </p:spTree>
+    <p:extLst>
+      <p:ext uri="{BB962C8B-B14F-4D97-AF65-F5344CB8AC3E}">
+        <p14:creationId xmlns:p14="http://schemas.microsoft.com/office/powerpoint/2010/main" val="993178253"/>
+      </p:ext>
+    </p:extLst>
+  </p:cSld>
+  <p:clrMapOvr>
+    <a:masterClrMapping/>
+  </p:clrMapOvr>
+</p:sld>
+</file>
+
+<file path=ppt/slides/slide6.xml><?xml version="1.0" encoding="utf-8"?>
+<p:sld xmlns:a="http://schemas.openxmlformats.org/drawingml/2006/main" xmlns:r="http://schemas.openxmlformats.org/officeDocument/2006/relationships" xmlns:p="http://schemas.openxmlformats.org/presentationml/2006/main">
+  <p:cSld>
+    <p:spTree>
+      <p:nvGrpSpPr>
+        <p:cNvPr id="1" name=""/>
+        <p:cNvGrpSpPr/>
+        <p:nvPr/>
+      </p:nvGrpSpPr>
+      <p:grpSpPr>
+        <a:xfrm>
+          <a:off x="0" y="0"/>
+          <a:ext cx="0" cy="0"/>
+          <a:chOff x="0" y="0"/>
+          <a:chExt cx="0" cy="0"/>
+        </a:xfrm>
+      </p:grpSpPr>
+      <p:sp>
+        <p:nvSpPr>
+          <p:cNvPr id="2" name="标题 1"/>
+          <p:cNvSpPr>
+            <a:spLocks noGrp="1"/>
+          </p:cNvSpPr>
+          <p:nvPr>
+            <p:ph type="title"/>
+          </p:nvPr>
+        </p:nvSpPr>
+        <p:spPr/>
+        <p:txBody>
+          <a:bodyPr/>
+          <a:lstStyle/>
+          <a:p>
+            <a:r>
+              <a:rPr lang="zh-CN" altLang="en-US" dirty="0" smtClean="0"/>
+              <a:t>与中</a:t>
+            </a:r>
+            <a:r>
+              <a:rPr lang="zh-CN" altLang="en-US" dirty="0"/>
+              <a:t>值</a:t>
+            </a:r>
+            <a:r>
+              <a:rPr lang="zh-CN" altLang="en-US" dirty="0" smtClean="0"/>
+              <a:t>极限定理一起思考</a:t>
+            </a:r>
+            <a:endParaRPr lang="zh-CN" altLang="en-US" dirty="0"/>
+          </a:p>
+        </p:txBody>
+      </p:sp>
+      <p:sp>
+        <p:nvSpPr>
+          <p:cNvPr id="3" name="内容占位符 2"/>
+          <p:cNvSpPr>
+            <a:spLocks noGrp="1"/>
+          </p:cNvSpPr>
+          <p:nvPr>
+            <p:ph idx="1"/>
+          </p:nvPr>
+        </p:nvSpPr>
+        <p:spPr/>
+        <p:txBody>
+          <a:bodyPr>
+            <a:normAutofit/>
+          </a:bodyPr>
+          <a:lstStyle/>
+          <a:p>
+            <a:r>
+              <a:rPr kumimoji="1" lang="zh-CN" altLang="en-US" dirty="0" smtClean="0"/>
+              <a:t>中</a:t>
+            </a:r>
+            <a:r>
+              <a:rPr kumimoji="1" lang="zh-CN" altLang="en-US" dirty="0"/>
+              <a:t>值极限定理</a:t>
+            </a:r>
+            <a:r>
+              <a:rPr kumimoji="1" lang="en-US" altLang="zh-CN" dirty="0"/>
+              <a:t>. </a:t>
+            </a:r>
+            <a:r>
+              <a:rPr kumimoji="1" lang="en-US" altLang="zh-CN" dirty="0" smtClean="0"/>
+              <a:t>3</a:t>
+            </a:r>
+            <a:r>
+              <a:rPr kumimoji="1" lang="zh-CN" altLang="en-US" dirty="0" smtClean="0"/>
+              <a:t>：</a:t>
+            </a:r>
+            <a:r>
+              <a:rPr lang="zh-CN" altLang="en-US" dirty="0"/>
+              <a:t>假定无穷多个等容量随机样本是从同一个无限总体中抽取的，而且把这些样本的平均数放在一起，形成的新分布均值与原分布均值</a:t>
+            </a:r>
+            <a:r>
+              <a:rPr lang="zh-CN" altLang="en-US" dirty="0" smtClean="0"/>
+              <a:t>相同</a:t>
+            </a:r>
+            <a:endParaRPr lang="en-US" altLang="zh-CN" dirty="0" smtClean="0"/>
+          </a:p>
+          <a:p>
+            <a:r>
+              <a:rPr kumimoji="1" lang="zh-CN" altLang="en-US" dirty="0" smtClean="0"/>
+              <a:t>中值极限定理</a:t>
+            </a:r>
+            <a:r>
+              <a:rPr kumimoji="1" lang="en-US" altLang="zh-CN" dirty="0" smtClean="0"/>
+              <a:t>. 4</a:t>
+            </a:r>
+            <a:r>
+              <a:rPr kumimoji="1" lang="zh-CN" altLang="en-US" dirty="0" smtClean="0"/>
+              <a:t>：</a:t>
+            </a:r>
+          </a:p>
+        </p:txBody>
+      </p:sp>
+      <p:pic>
+        <p:nvPicPr>
+          <p:cNvPr id="4" name="图片 3"/>
+          <p:cNvPicPr>
+            <a:picLocks noChangeAspect="1"/>
+          </p:cNvPicPr>
+          <p:nvPr/>
+        </p:nvPicPr>
+        <p:blipFill>
+          <a:blip r:embed="rId2"/>
+          <a:stretch>
+            <a:fillRect/>
+          </a:stretch>
+        </p:blipFill>
+        <p:spPr>
+          <a:xfrm>
+            <a:off x="4991258" y="5419935"/>
+            <a:ext cx="1752600" cy="704850"/>
+          </a:xfrm>
+          <a:prstGeom prst="rect">
+            <a:avLst/>
+          </a:prstGeom>
+        </p:spPr>
+      </p:pic>
+      <p:pic>
+        <p:nvPicPr>
+          <p:cNvPr id="5" name="图片 4"/>
+          <p:cNvPicPr>
+            <a:picLocks noChangeAspect="1"/>
+          </p:cNvPicPr>
+          <p:nvPr/>
+        </p:nvPicPr>
+        <p:blipFill>
+          <a:blip r:embed="rId3"/>
+          <a:stretch>
+            <a:fillRect/>
+          </a:stretch>
+        </p:blipFill>
+        <p:spPr>
+          <a:xfrm>
+            <a:off x="4800758" y="4046882"/>
+            <a:ext cx="2133600" cy="1054100"/>
+          </a:xfrm>
+          <a:prstGeom prst="rect">
+            <a:avLst/>
+          </a:prstGeom>
+        </p:spPr>
+      </p:pic>
+      <p:pic>
+        <p:nvPicPr>
+          <p:cNvPr id="6" name="图片 5"/>
+          <p:cNvPicPr>
+            <a:picLocks noChangeAspect="1"/>
+          </p:cNvPicPr>
+          <p:nvPr/>
+        </p:nvPicPr>
+        <p:blipFill>
+          <a:blip r:embed="rId4"/>
+          <a:stretch>
+            <a:fillRect/>
+          </a:stretch>
+        </p:blipFill>
+        <p:spPr>
+          <a:xfrm>
+            <a:off x="7384795" y="3375503"/>
+            <a:ext cx="3566753" cy="2396857"/>
+          </a:xfrm>
+          <a:prstGeom prst="rect">
+            <a:avLst/>
+          </a:prstGeom>
+        </p:spPr>
+      </p:pic>
+    </p:spTree>
+    <p:extLst>
+      <p:ext uri="{BB962C8B-B14F-4D97-AF65-F5344CB8AC3E}">
+        <p14:creationId xmlns:p14="http://schemas.microsoft.com/office/powerpoint/2010/main" val="2516142813"/>
+      </p:ext>
+    </p:extLst>
+  </p:cSld>
+  <p:clrMapOvr>
+    <a:masterClrMapping/>
+  </p:clrMapOvr>
+</p:sld>
+</file>
+
+<file path=ppt/slides/slide7.xml><?xml version="1.0" encoding="utf-8"?>
+<p:sld xmlns:a="http://schemas.openxmlformats.org/drawingml/2006/main" xmlns:r="http://schemas.openxmlformats.org/officeDocument/2006/relationships" xmlns:p="http://schemas.openxmlformats.org/presentationml/2006/main">
+  <p:cSld>
+    <p:spTree>
+      <p:nvGrpSpPr>
+        <p:cNvPr id="1" name=""/>
+        <p:cNvGrpSpPr/>
+        <p:nvPr/>
+      </p:nvGrpSpPr>
+      <p:grpSpPr>
+        <a:xfrm>
+          <a:off x="0" y="0"/>
+          <a:ext cx="0" cy="0"/>
+          <a:chOff x="0" y="0"/>
+          <a:chExt cx="0" cy="0"/>
+        </a:xfrm>
+      </p:grpSpPr>
+      <p:sp>
+        <p:nvSpPr>
+          <p:cNvPr id="2" name="标题 1"/>
+          <p:cNvSpPr>
+            <a:spLocks noGrp="1"/>
+          </p:cNvSpPr>
+          <p:nvPr>
+            <p:ph type="title"/>
+          </p:nvPr>
+        </p:nvSpPr>
+        <p:spPr/>
+        <p:txBody>
+          <a:bodyPr/>
+          <a:lstStyle/>
+          <a:p>
+            <a:r>
+              <a:rPr lang="zh-CN" altLang="en-US" dirty="0" smtClean="0"/>
+              <a:t>思考：</a:t>
+            </a:r>
+            <a:endParaRPr lang="zh-CN" altLang="en-US" dirty="0"/>
+          </a:p>
+        </p:txBody>
+      </p:sp>
+      <p:sp>
+        <p:nvSpPr>
+          <p:cNvPr id="3" name="内容占位符 2"/>
+          <p:cNvSpPr>
+            <a:spLocks noGrp="1"/>
+          </p:cNvSpPr>
+          <p:nvPr>
+            <p:ph idx="1"/>
+          </p:nvPr>
+        </p:nvSpPr>
+        <p:spPr/>
+        <p:txBody>
+          <a:bodyPr/>
+          <a:lstStyle/>
+          <a:p>
+            <a:r>
+              <a:rPr lang="zh-CN" altLang="en-US" dirty="0" smtClean="0"/>
+              <a:t>如果现在</a:t>
+            </a:r>
+            <a:r>
+              <a:rPr lang="zh-CN" altLang="en-US" b="1" u="sng" dirty="0" smtClean="0">
+                <a:solidFill>
+                  <a:srgbClr val="FF0000"/>
+                </a:solidFill>
+              </a:rPr>
+              <a:t>已知</a:t>
+            </a:r>
+            <a:r>
+              <a:rPr lang="zh-CN" altLang="en-US" dirty="0" smtClean="0"/>
+              <a:t>该学校学生</a:t>
+            </a:r>
+            <a:r>
+              <a:rPr lang="en-US" altLang="zh-CN" dirty="0" smtClean="0"/>
+              <a:t>IQ</a:t>
+            </a:r>
+            <a:r>
+              <a:rPr lang="zh-CN" altLang="en-US" dirty="0" smtClean="0"/>
+              <a:t>的</a:t>
+            </a:r>
+            <a:r>
+              <a:rPr lang="zh-CN" altLang="en-US" b="1" u="sng" dirty="0" smtClean="0"/>
+              <a:t>标准差是</a:t>
+            </a:r>
+            <a:r>
+              <a:rPr lang="en-US" altLang="zh-CN" b="1" u="sng" dirty="0" smtClean="0"/>
+              <a:t>10</a:t>
+            </a:r>
+          </a:p>
+          <a:p>
+            <a:r>
+              <a:rPr lang="zh-CN" altLang="en-US" dirty="0"/>
+              <a:t>本</a:t>
+            </a:r>
+            <a:r>
+              <a:rPr lang="zh-CN" altLang="en-US" dirty="0" smtClean="0"/>
+              <a:t>次抽样所得</a:t>
+            </a:r>
+            <a:r>
+              <a:rPr lang="en-US" altLang="zh-CN" dirty="0" smtClean="0"/>
+              <a:t>5</a:t>
+            </a:r>
+            <a:r>
+              <a:rPr lang="zh-CN" altLang="en-US" dirty="0" smtClean="0"/>
+              <a:t>个学生的</a:t>
+            </a:r>
+            <a:r>
+              <a:rPr lang="en-US" altLang="zh-CN" dirty="0" smtClean="0"/>
+              <a:t>IQ</a:t>
+            </a:r>
+            <a:r>
+              <a:rPr lang="zh-CN" altLang="en-US" dirty="0" smtClean="0"/>
+              <a:t>平均分是</a:t>
+            </a:r>
+            <a:r>
+              <a:rPr lang="en-US" altLang="zh-CN" dirty="0" smtClean="0"/>
+              <a:t>108</a:t>
+            </a:r>
+          </a:p>
+          <a:p>
+            <a:r>
+              <a:rPr lang="zh-CN" altLang="en-US" dirty="0" smtClean="0"/>
+              <a:t>那么在</a:t>
+            </a:r>
+            <a:r>
+              <a:rPr lang="en-US" altLang="zh-CN" dirty="0" smtClean="0"/>
+              <a:t>0.05</a:t>
+            </a:r>
+            <a:r>
+              <a:rPr lang="zh-CN" altLang="en-US" dirty="0" smtClean="0"/>
+              <a:t>的水平上，总体的平均值落在什么区间里？</a:t>
+            </a:r>
+            <a:endParaRPr lang="zh-CN" altLang="en-US" dirty="0"/>
+          </a:p>
+        </p:txBody>
+      </p:sp>
+    </p:spTree>
+    <p:extLst>
+      <p:ext uri="{BB962C8B-B14F-4D97-AF65-F5344CB8AC3E}">
+        <p14:creationId xmlns:p14="http://schemas.microsoft.com/office/powerpoint/2010/main" val="2321970461"/>
+      </p:ext>
+    </p:extLst>
+  </p:cSld>
+  <p:clrMapOvr>
+    <a:masterClrMapping/>
+  </p:clrMapOvr>
+</p:sld>
+</file>
+
+<file path=ppt/slides/slide8.xml><?xml version="1.0" encoding="utf-8"?>
+<p:sld xmlns:a="http://schemas.openxmlformats.org/drawingml/2006/main" xmlns:r="http://schemas.openxmlformats.org/officeDocument/2006/relationships" xmlns:p="http://schemas.openxmlformats.org/presentationml/2006/main">
+  <p:cSld>
+    <p:spTree>
+      <p:nvGrpSpPr>
+        <p:cNvPr id="1" name=""/>
+        <p:cNvGrpSpPr/>
+        <p:nvPr/>
+      </p:nvGrpSpPr>
+      <p:grpSpPr>
+        <a:xfrm>
+          <a:off x="0" y="0"/>
+          <a:ext cx="0" cy="0"/>
+          <a:chOff x="0" y="0"/>
+          <a:chExt cx="0" cy="0"/>
+        </a:xfrm>
+      </p:grpSpPr>
+      <p:sp>
+        <p:nvSpPr>
+          <p:cNvPr id="2" name="标题 1"/>
+          <p:cNvSpPr>
+            <a:spLocks noGrp="1"/>
+          </p:cNvSpPr>
+          <p:nvPr>
+            <p:ph type="title"/>
+          </p:nvPr>
+        </p:nvSpPr>
+        <p:spPr/>
+        <p:txBody>
+          <a:bodyPr/>
+          <a:lstStyle/>
+          <a:p>
+            <a:r>
+              <a:rPr lang="zh-CN" altLang="en-US" dirty="0" smtClean="0"/>
+              <a:t>如何估计总体的标准差？</a:t>
+            </a:r>
+            <a:endParaRPr lang="zh-CN" altLang="en-US" dirty="0"/>
+          </a:p>
+        </p:txBody>
+      </p:sp>
+      <p:sp>
+        <p:nvSpPr>
+          <p:cNvPr id="3" name="内容占位符 2"/>
+          <p:cNvSpPr>
+            <a:spLocks noGrp="1"/>
+          </p:cNvSpPr>
+          <p:nvPr>
+            <p:ph idx="1"/>
+          </p:nvPr>
+        </p:nvSpPr>
+        <p:spPr/>
+        <p:txBody>
+          <a:bodyPr/>
+          <a:lstStyle/>
+          <a:p>
+            <a:r>
+              <a:rPr lang="zh-CN" altLang="en-US" dirty="0" smtClean="0"/>
+              <a:t>如果现在</a:t>
+            </a:r>
+            <a:r>
+              <a:rPr lang="zh-CN" altLang="en-US" b="1" u="sng" dirty="0" smtClean="0">
+                <a:solidFill>
+                  <a:srgbClr val="FF0000"/>
+                </a:solidFill>
+              </a:rPr>
+              <a:t>不知道</a:t>
+            </a:r>
+            <a:r>
+              <a:rPr lang="zh-CN" altLang="en-US" dirty="0" smtClean="0"/>
+              <a:t>该校学生</a:t>
+            </a:r>
+            <a:r>
+              <a:rPr lang="en-US" altLang="zh-CN" dirty="0" smtClean="0"/>
+              <a:t>IQ</a:t>
+            </a:r>
+            <a:r>
+              <a:rPr lang="zh-CN" altLang="en-US" dirty="0" smtClean="0"/>
+              <a:t>的标准差</a:t>
+            </a:r>
+            <a:endParaRPr lang="en-US" altLang="zh-CN" dirty="0" smtClean="0"/>
+          </a:p>
+          <a:p>
+            <a:r>
+              <a:rPr lang="zh-CN" altLang="en-US" dirty="0"/>
+              <a:t>本</a:t>
+            </a:r>
+            <a:r>
+              <a:rPr lang="zh-CN" altLang="en-US" dirty="0" smtClean="0"/>
+              <a:t>次抽样的</a:t>
+            </a:r>
+            <a:r>
+              <a:rPr lang="en-US" altLang="zh-CN" dirty="0" smtClean="0"/>
+              <a:t>5</a:t>
+            </a:r>
+            <a:r>
+              <a:rPr lang="zh-CN" altLang="en-US" dirty="0" smtClean="0"/>
+              <a:t>个学生</a:t>
+            </a:r>
+            <a:r>
+              <a:rPr lang="en-US" altLang="zh-CN" dirty="0" smtClean="0"/>
+              <a:t>IQ</a:t>
+            </a:r>
+            <a:r>
+              <a:rPr lang="zh-CN" altLang="en-US" dirty="0" smtClean="0"/>
+              <a:t>分别是</a:t>
+            </a:r>
+            <a:r>
+              <a:rPr lang="en-US" altLang="zh-CN" dirty="0"/>
+              <a:t>90,100,105,145</a:t>
+            </a:r>
+            <a:r>
+              <a:rPr lang="zh-CN" altLang="en-US" dirty="0"/>
+              <a:t>和</a:t>
+            </a:r>
+            <a:r>
+              <a:rPr lang="en-US" altLang="zh-CN" dirty="0" smtClean="0"/>
+              <a:t>100</a:t>
+            </a:r>
+          </a:p>
+          <a:p>
+            <a:r>
+              <a:rPr lang="zh-CN" altLang="en-US" dirty="0" smtClean="0"/>
+              <a:t>如何估计总体标准差？</a:t>
+            </a:r>
+            <a:endParaRPr lang="en-US" altLang="zh-CN" dirty="0" smtClean="0"/>
+          </a:p>
+          <a:p>
+            <a:r>
+              <a:rPr lang="zh-CN" altLang="en-US" dirty="0" smtClean="0"/>
+              <a:t>如何估计在</a:t>
+            </a:r>
+            <a:r>
+              <a:rPr lang="en-US" altLang="zh-CN" dirty="0" smtClean="0"/>
+              <a:t>0.05</a:t>
+            </a:r>
+            <a:r>
+              <a:rPr lang="zh-CN" altLang="en-US" dirty="0" smtClean="0"/>
+              <a:t>水平上，总体平均值？</a:t>
+            </a:r>
+            <a:endParaRPr lang="en-US" altLang="zh-CN" dirty="0" smtClean="0"/>
+          </a:p>
+          <a:p>
+            <a:endParaRPr lang="zh-CN" altLang="en-US" dirty="0"/>
+          </a:p>
+        </p:txBody>
+      </p:sp>
+    </p:spTree>
+    <p:extLst>
+      <p:ext uri="{BB962C8B-B14F-4D97-AF65-F5344CB8AC3E}">
+        <p14:creationId xmlns:p14="http://schemas.microsoft.com/office/powerpoint/2010/main" val="4203080474"/>
+      </p:ext>
+    </p:extLst>
+  </p:cSld>
+  <p:clrMapOvr>
+    <a:masterClrMapping/>
+  </p:clrMapOvr>
+</p:sld>
+</file>
+
+<file path=ppt/slides/slide9.xml><?xml version="1.0" encoding="utf-8"?>
+<p:sld xmlns:a="http://schemas.openxmlformats.org/drawingml/2006/main" xmlns:r="http://schemas.openxmlformats.org/officeDocument/2006/relationships" xmlns:p="http://schemas.openxmlformats.org/presentationml/2006/main">
+  <p:cSld>
+    <p:spTree>
+      <p:nvGrpSpPr>
+        <p:cNvPr id="1" name=""/>
+        <p:cNvGrpSpPr/>
+        <p:nvPr/>
+      </p:nvGrpSpPr>
+      <p:grpSpPr>
+        <a:xfrm>
+          <a:off x="0" y="0"/>
+          <a:ext cx="0" cy="0"/>
+          <a:chOff x="0" y="0"/>
+          <a:chExt cx="0" cy="0"/>
+        </a:xfrm>
+      </p:grpSpPr>
+      <p:sp>
+        <p:nvSpPr>
+          <p:cNvPr id="2" name="标题 1"/>
+          <p:cNvSpPr>
+            <a:spLocks noGrp="1"/>
+          </p:cNvSpPr>
+          <p:nvPr>
+            <p:ph type="title"/>
+          </p:nvPr>
+        </p:nvSpPr>
+        <p:spPr/>
+        <p:txBody>
+          <a:bodyPr/>
+          <a:lstStyle/>
+          <a:p>
+            <a:r>
+              <a:rPr lang="zh-CN" altLang="en-US" dirty="0" smtClean="0"/>
+              <a:t>估计总体标准差</a:t>
+            </a:r>
+            <a:endParaRPr lang="zh-CN" altLang="en-US" dirty="0"/>
+          </a:p>
+        </p:txBody>
+      </p:sp>
+      <p:sp>
+        <p:nvSpPr>
+          <p:cNvPr id="3" name="内容占位符 2"/>
+          <p:cNvSpPr>
+            <a:spLocks noGrp="1"/>
+          </p:cNvSpPr>
+          <p:nvPr>
+            <p:ph idx="1"/>
+          </p:nvPr>
+        </p:nvSpPr>
+        <p:spPr/>
+        <p:txBody>
+          <a:bodyPr/>
+          <a:lstStyle/>
+          <a:p>
+            <a:r>
+              <a:rPr lang="zh-CN" altLang="en-US" dirty="0"/>
+              <a:t>能不能用样本的标准差作为总体标准差的估计</a:t>
+            </a:r>
+            <a:r>
+              <a:rPr lang="zh-CN" altLang="en-US" dirty="0" smtClean="0"/>
+              <a:t>？</a:t>
+            </a:r>
+            <a:endParaRPr lang="en-US" altLang="zh-CN" dirty="0" smtClean="0"/>
+          </a:p>
+          <a:p>
+            <a:r>
+              <a:rPr lang="zh-CN" altLang="en-US" dirty="0" smtClean="0"/>
+              <a:t>用样本标准差作为总体标准差的估计是否是无偏的？</a:t>
+            </a:r>
+            <a:endParaRPr lang="en-US" altLang="zh-CN" dirty="0" smtClean="0"/>
+          </a:p>
+          <a:p>
+            <a:pPr lvl="1"/>
+            <a:r>
+              <a:rPr lang="zh-CN" altLang="en-US" dirty="0" smtClean="0"/>
+              <a:t>知道总体平均值</a:t>
+            </a:r>
+            <a:r>
+              <a:rPr lang="en-US" altLang="zh-CN" dirty="0" smtClean="0"/>
+              <a:t>\mu</a:t>
+            </a:r>
+            <a:r>
+              <a:rPr lang="zh-CN" altLang="en-US" dirty="0" smtClean="0"/>
+              <a:t>的时候</a:t>
+            </a:r>
+            <a:endParaRPr lang="en-US" altLang="zh-CN" dirty="0" smtClean="0"/>
+          </a:p>
+          <a:p>
+            <a:pPr lvl="1"/>
+            <a:r>
+              <a:rPr lang="zh-CN" altLang="en-US" dirty="0" smtClean="0"/>
+              <a:t>不知道总体平均值</a:t>
+            </a:r>
+            <a:r>
+              <a:rPr lang="en-US" altLang="zh-CN" dirty="0" smtClean="0"/>
+              <a:t>\mu</a:t>
+            </a:r>
+            <a:r>
+              <a:rPr lang="zh-CN" altLang="en-US" dirty="0" smtClean="0"/>
+              <a:t>的时候</a:t>
+            </a:r>
+            <a:endParaRPr lang="zh-CN" altLang="en-US" dirty="0"/>
+          </a:p>
+        </p:txBody>
+      </p:sp>
+    </p:spTree>
+    <p:extLst>
+      <p:ext uri="{BB962C8B-B14F-4D97-AF65-F5344CB8AC3E}">
+        <p14:creationId xmlns:p14="http://schemas.microsoft.com/office/powerpoint/2010/main" val="455732557"/>
+      </p:ext>
+    </p:extLst>
+  </p:cSld>
+  <p:clrMapOvr>
+    <a:masterClrMapping/>
+  </p:clrMapOvr>
 </p:sld>
 </file>
 

--- a/lect-2/lect-2.pptx
+++ b/lect-2/lect-2.pptx
@@ -5,7 +5,7 @@
     <p:sldMasterId id="2147483648" r:id="rId1"/>
   </p:sldMasterIdLst>
   <p:notesMasterIdLst>
-    <p:notesMasterId r:id="rId18"/>
+    <p:notesMasterId r:id="rId26"/>
   </p:notesMasterIdLst>
   <p:sldIdLst>
     <p:sldId id="256" r:id="rId2"/>
@@ -19,11 +19,19 @@
     <p:sldId id="300" r:id="rId10"/>
     <p:sldId id="301" r:id="rId11"/>
     <p:sldId id="303" r:id="rId12"/>
-    <p:sldId id="302" r:id="rId13"/>
-    <p:sldId id="304" r:id="rId14"/>
-    <p:sldId id="305" r:id="rId15"/>
-    <p:sldId id="306" r:id="rId16"/>
-    <p:sldId id="307" r:id="rId17"/>
+    <p:sldId id="309" r:id="rId13"/>
+    <p:sldId id="302" r:id="rId14"/>
+    <p:sldId id="304" r:id="rId15"/>
+    <p:sldId id="305" r:id="rId16"/>
+    <p:sldId id="306" r:id="rId17"/>
+    <p:sldId id="307" r:id="rId18"/>
+    <p:sldId id="315" r:id="rId19"/>
+    <p:sldId id="310" r:id="rId20"/>
+    <p:sldId id="308" r:id="rId21"/>
+    <p:sldId id="311" r:id="rId22"/>
+    <p:sldId id="312" r:id="rId23"/>
+    <p:sldId id="314" r:id="rId24"/>
+    <p:sldId id="313" r:id="rId25"/>
   </p:sldIdLst>
   <p:sldSz cx="12192000" cy="6858000"/>
   <p:notesSz cx="6858000" cy="9144000"/>
@@ -4892,7 +4900,7 @@
       </p:grpSpPr>
       <p:sp>
         <p:nvSpPr>
-          <p:cNvPr id="2" name="标题 1"/>
+          <p:cNvPr id="4" name="标题 3"/>
           <p:cNvSpPr>
             <a:spLocks noGrp="1"/>
           </p:cNvSpPr>
@@ -4906,16 +4914,12 @@
           <a:lstStyle/>
           <a:p>
             <a:r>
-              <a:rPr lang="zh-CN" altLang="en-US" dirty="0" smtClean="0"/>
-              <a:t>为什么</a:t>
-            </a:r>
-            <a:r>
               <a:rPr lang="en-US" altLang="zh-CN" dirty="0" smtClean="0"/>
-              <a:t>n-1</a:t>
-            </a:r>
-            <a:r>
-              <a:rPr lang="zh-CN" altLang="en-US" dirty="0" smtClean="0"/>
-              <a:t>就是无偏的？</a:t>
+              <a:t>2. </a:t>
+            </a:r>
+            <a:r>
+              <a:rPr lang="zh-CN" altLang="en-US" dirty="0" smtClean="0"/>
+              <a:t>自由度</a:t>
             </a:r>
             <a:endParaRPr lang="zh-CN" altLang="en-US" dirty="0"/>
           </a:p>
@@ -4923,147 +4927,27 @@
       </p:sp>
       <p:sp>
         <p:nvSpPr>
-          <p:cNvPr id="3" name="内容占位符 2"/>
-          <p:cNvSpPr>
-            <a:spLocks noGrp="1"/>
-          </p:cNvSpPr>
-          <p:nvPr>
-            <p:ph idx="1"/>
-          </p:nvPr>
-        </p:nvSpPr>
-        <p:spPr>
-          <a:xfrm>
-            <a:off x="1371600" y="1731085"/>
-            <a:ext cx="9601200" cy="4336339"/>
-          </a:xfrm>
-        </p:spPr>
-        <p:txBody>
-          <a:bodyPr>
-            <a:normAutofit/>
-          </a:bodyPr>
+          <p:cNvPr id="5" name="文本占位符 4"/>
+          <p:cNvSpPr>
+            <a:spLocks noGrp="1"/>
+          </p:cNvSpPr>
+          <p:nvPr>
+            <p:ph type="body" idx="1"/>
+          </p:nvPr>
+        </p:nvSpPr>
+        <p:spPr/>
+        <p:txBody>
+          <a:bodyPr/>
           <a:lstStyle/>
           <a:p>
-            <a:r>
-              <a:rPr lang="zh-CN" altLang="en-US" b="1" dirty="0"/>
-              <a:t>自由度的概念</a:t>
-            </a:r>
-          </a:p>
-          <a:p>
-            <a:r>
-              <a:rPr lang="zh-CN" altLang="en-US" dirty="0"/>
-              <a:t>现在有这样一条包含</a:t>
-            </a:r>
-            <a:r>
-              <a:rPr lang="en-US" altLang="zh-CN" dirty="0"/>
-              <a:t>3</a:t>
-            </a:r>
-            <a:r>
-              <a:rPr lang="zh-CN" altLang="en-US" dirty="0"/>
-              <a:t>个事件的信息</a:t>
-            </a:r>
-            <a:r>
-              <a:rPr lang="zh-CN" altLang="en-US" dirty="0" smtClean="0"/>
-              <a:t>：</a:t>
-            </a:r>
-            <a:endParaRPr lang="en-US" altLang="zh-CN" dirty="0" smtClean="0"/>
-          </a:p>
-          <a:p>
-            <a:pPr lvl="1"/>
-            <a:r>
-              <a:rPr lang="zh-CN" altLang="en-US" dirty="0" smtClean="0"/>
-              <a:t>小张</a:t>
-            </a:r>
-            <a:r>
-              <a:rPr lang="zh-CN" altLang="en-US" dirty="0"/>
-              <a:t>考试得了</a:t>
-            </a:r>
-            <a:r>
-              <a:rPr lang="en-US" altLang="zh-CN" dirty="0"/>
-              <a:t>72</a:t>
-            </a:r>
-            <a:r>
-              <a:rPr lang="zh-CN" altLang="en-US" dirty="0" smtClean="0"/>
-              <a:t>分</a:t>
-            </a:r>
-            <a:endParaRPr lang="en-US" altLang="zh-CN" dirty="0" smtClean="0"/>
-          </a:p>
-          <a:p>
-            <a:pPr lvl="1"/>
-            <a:r>
-              <a:rPr lang="zh-CN" altLang="en-US" dirty="0" smtClean="0"/>
-              <a:t>他</a:t>
-            </a:r>
-            <a:r>
-              <a:rPr lang="zh-CN" altLang="en-US" dirty="0"/>
-              <a:t>被扣了</a:t>
-            </a:r>
-            <a:r>
-              <a:rPr lang="en-US" altLang="zh-CN" dirty="0"/>
-              <a:t>28</a:t>
-            </a:r>
-            <a:r>
-              <a:rPr lang="zh-CN" altLang="en-US" dirty="0" smtClean="0"/>
-              <a:t>分</a:t>
-            </a:r>
-            <a:endParaRPr lang="en-US" altLang="zh-CN" dirty="0" smtClean="0"/>
-          </a:p>
-          <a:p>
-            <a:pPr lvl="1"/>
-            <a:r>
-              <a:rPr lang="zh-CN" altLang="en-US" dirty="0" smtClean="0"/>
-              <a:t>满分</a:t>
-            </a:r>
-            <a:r>
-              <a:rPr lang="zh-CN" altLang="en-US" dirty="0"/>
-              <a:t>是</a:t>
-            </a:r>
-            <a:r>
-              <a:rPr lang="en-US" altLang="zh-CN" dirty="0"/>
-              <a:t>100</a:t>
-            </a:r>
-            <a:r>
-              <a:rPr lang="zh-CN" altLang="en-US" dirty="0" smtClean="0"/>
-              <a:t>分</a:t>
-            </a:r>
-            <a:endParaRPr lang="en-US" altLang="zh-CN" dirty="0" smtClean="0"/>
-          </a:p>
-          <a:p>
-            <a:r>
-              <a:rPr lang="zh-CN" altLang="en-US" dirty="0" smtClean="0"/>
-              <a:t>实际上拿掉其中任何以一个，我们都能用剩下的两个把这条信息推算出来</a:t>
-            </a:r>
-            <a:endParaRPr lang="zh-CN" altLang="en-US" dirty="0"/>
-          </a:p>
-        </p:txBody>
-      </p:sp>
-      <p:pic>
-        <p:nvPicPr>
-          <p:cNvPr id="4" name="图片 3"/>
-          <p:cNvPicPr>
-            <a:picLocks noChangeAspect="1"/>
-          </p:cNvPicPr>
-          <p:nvPr/>
-        </p:nvPicPr>
-        <p:blipFill>
-          <a:blip r:embed="rId2"/>
-          <a:stretch>
-            <a:fillRect/>
-          </a:stretch>
-        </p:blipFill>
-        <p:spPr>
-          <a:xfrm>
-            <a:off x="8982075" y="428426"/>
-            <a:ext cx="1990725" cy="1057275"/>
-          </a:xfrm>
-          <a:prstGeom prst="rect">
-            <a:avLst/>
-          </a:prstGeom>
-        </p:spPr>
-      </p:pic>
+            <a:endParaRPr lang="zh-CN" altLang="en-US"/>
+          </a:p>
+        </p:txBody>
+      </p:sp>
     </p:spTree>
     <p:extLst>
       <p:ext uri="{BB962C8B-B14F-4D97-AF65-F5344CB8AC3E}">
-        <p14:creationId xmlns:p14="http://schemas.microsoft.com/office/powerpoint/2010/main" val="1110118036"/>
+        <p14:creationId xmlns:p14="http://schemas.microsoft.com/office/powerpoint/2010/main" val="3360592136"/>
       </p:ext>
     </p:extLst>
   </p:cSld>
@@ -5107,30 +4991,51 @@
           <a:p>
             <a:r>
               <a:rPr lang="zh-CN" altLang="en-US" dirty="0" smtClean="0"/>
+              <a:t>为什么</a:t>
+            </a:r>
+            <a:r>
+              <a:rPr lang="en-US" altLang="zh-CN" dirty="0" smtClean="0"/>
+              <a:t>n-1</a:t>
+            </a:r>
+            <a:r>
+              <a:rPr lang="zh-CN" altLang="en-US" dirty="0" smtClean="0"/>
+              <a:t>就是无偏的？</a:t>
+            </a:r>
+            <a:endParaRPr lang="zh-CN" altLang="en-US" dirty="0"/>
+          </a:p>
+        </p:txBody>
+      </p:sp>
+      <p:sp>
+        <p:nvSpPr>
+          <p:cNvPr id="3" name="内容占位符 2"/>
+          <p:cNvSpPr>
+            <a:spLocks noGrp="1"/>
+          </p:cNvSpPr>
+          <p:nvPr>
+            <p:ph idx="1"/>
+          </p:nvPr>
+        </p:nvSpPr>
+        <p:spPr>
+          <a:xfrm>
+            <a:off x="1371600" y="1731085"/>
+            <a:ext cx="9601200" cy="4336339"/>
+          </a:xfrm>
+        </p:spPr>
+        <p:txBody>
+          <a:bodyPr>
+            <a:normAutofit/>
+          </a:bodyPr>
+          <a:lstStyle/>
+          <a:p>
+            <a:r>
+              <a:rPr lang="zh-CN" altLang="en-US" b="1" dirty="0"/>
               <a:t>自由度的概念</a:t>
             </a:r>
-            <a:endParaRPr lang="zh-CN" altLang="en-US" dirty="0"/>
-          </a:p>
-        </p:txBody>
-      </p:sp>
-      <p:sp>
-        <p:nvSpPr>
-          <p:cNvPr id="3" name="内容占位符 2"/>
-          <p:cNvSpPr>
-            <a:spLocks noGrp="1"/>
-          </p:cNvSpPr>
-          <p:nvPr>
-            <p:ph idx="1"/>
-          </p:nvPr>
-        </p:nvSpPr>
-        <p:spPr/>
-        <p:txBody>
-          <a:bodyPr/>
-          <a:lstStyle/>
+          </a:p>
           <a:p>
             <a:r>
               <a:rPr lang="zh-CN" altLang="en-US" dirty="0"/>
-              <a:t>虽然给出了</a:t>
+              <a:t>现在有这样一条包含</a:t>
             </a:r>
             <a:r>
               <a:rPr lang="en-US" altLang="zh-CN" dirty="0"/>
@@ -5138,11 +5043,11 @@
             </a:r>
             <a:r>
               <a:rPr lang="zh-CN" altLang="en-US" dirty="0"/>
-              <a:t>个</a:t>
-            </a:r>
-            <a:r>
-              <a:rPr lang="zh-CN" altLang="en-US" dirty="0" smtClean="0"/>
-              <a:t>事件</a:t>
+              <a:t>个事件的信息</a:t>
+            </a:r>
+            <a:r>
+              <a:rPr lang="zh-CN" altLang="en-US" dirty="0" smtClean="0"/>
+              <a:t>：</a:t>
             </a:r>
             <a:endParaRPr lang="en-US" altLang="zh-CN" dirty="0" smtClean="0"/>
           </a:p>
@@ -5150,19 +5055,19 @@
             <a:pPr lvl="1"/>
             <a:r>
               <a:rPr lang="zh-CN" altLang="en-US" dirty="0" smtClean="0"/>
-              <a:t>但是</a:t>
+              <a:t>小张</a:t>
             </a:r>
             <a:r>
               <a:rPr lang="zh-CN" altLang="en-US" dirty="0"/>
-              <a:t>只有两个事件是彼此独立的（</a:t>
+              <a:t>考试得了</a:t>
             </a:r>
             <a:r>
               <a:rPr lang="en-US" altLang="zh-CN" dirty="0"/>
-              <a:t>independent</a:t>
-            </a:r>
-            <a:r>
-              <a:rPr lang="zh-CN" altLang="en-US" dirty="0" smtClean="0"/>
-              <a:t>）</a:t>
+              <a:t>72</a:t>
+            </a:r>
+            <a:r>
+              <a:rPr lang="zh-CN" altLang="en-US" dirty="0" smtClean="0"/>
+              <a:t>分</a:t>
             </a:r>
             <a:endParaRPr lang="en-US" altLang="zh-CN" dirty="0" smtClean="0"/>
           </a:p>
@@ -5170,51 +5075,79 @@
             <a:pPr lvl="1"/>
             <a:r>
               <a:rPr lang="zh-CN" altLang="en-US" dirty="0" smtClean="0"/>
-              <a:t>第三</a:t>
+              <a:t>他</a:t>
             </a:r>
             <a:r>
               <a:rPr lang="zh-CN" altLang="en-US" dirty="0"/>
-              <a:t>个事件和其他两个事件就是相互依赖的了（</a:t>
+              <a:t>被扣了</a:t>
             </a:r>
             <a:r>
               <a:rPr lang="en-US" altLang="zh-CN" dirty="0"/>
-              <a:t>dependent</a:t>
-            </a:r>
-            <a:r>
-              <a:rPr lang="zh-CN" altLang="en-US" dirty="0" smtClean="0"/>
-              <a:t>）</a:t>
+              <a:t>28</a:t>
+            </a:r>
+            <a:r>
+              <a:rPr lang="zh-CN" altLang="en-US" dirty="0" smtClean="0"/>
+              <a:t>分</a:t>
             </a:r>
             <a:endParaRPr lang="en-US" altLang="zh-CN" dirty="0" smtClean="0"/>
           </a:p>
           <a:p>
-            <a:r>
-              <a:rPr lang="zh-CN" altLang="en-US" dirty="0" smtClean="0"/>
-              <a:t>所以</a:t>
+            <a:pPr lvl="1"/>
+            <a:r>
+              <a:rPr lang="zh-CN" altLang="en-US" dirty="0" smtClean="0"/>
+              <a:t>满分</a:t>
             </a:r>
             <a:r>
               <a:rPr lang="zh-CN" altLang="en-US" dirty="0"/>
-              <a:t>在这个例子里面，自由度，也就是彼此独立的事件</a:t>
+              <a:t>是</a:t>
             </a:r>
             <a:r>
               <a:rPr lang="en-US" altLang="zh-CN" dirty="0"/>
-              <a:t>/</a:t>
-            </a:r>
-            <a:r>
-              <a:rPr lang="zh-CN" altLang="en-US" dirty="0"/>
-              <a:t>样本，是</a:t>
-            </a:r>
-            <a:r>
-              <a:rPr lang="en-US" altLang="zh-CN" dirty="0"/>
-              <a:t>2</a:t>
+              <a:t>100</a:t>
+            </a:r>
+            <a:r>
+              <a:rPr lang="zh-CN" altLang="en-US" dirty="0" smtClean="0"/>
+              <a:t>分</a:t>
+            </a:r>
+            <a:endParaRPr lang="en-US" altLang="zh-CN" dirty="0" smtClean="0"/>
+          </a:p>
+          <a:p>
+            <a:r>
+              <a:rPr lang="zh-CN" altLang="en-US" dirty="0" smtClean="0"/>
+              <a:t>实际上拿掉其中任何以一个，我们都能用剩下的两个把这条信息推算出来</a:t>
             </a:r>
             <a:endParaRPr lang="zh-CN" altLang="en-US" dirty="0"/>
           </a:p>
         </p:txBody>
       </p:sp>
+      <p:pic>
+        <p:nvPicPr>
+          <p:cNvPr id="4" name="图片 3"/>
+          <p:cNvPicPr>
+            <a:picLocks noChangeAspect="1"/>
+          </p:cNvPicPr>
+          <p:nvPr/>
+        </p:nvPicPr>
+        <p:blipFill>
+          <a:blip r:embed="rId2"/>
+          <a:stretch>
+            <a:fillRect/>
+          </a:stretch>
+        </p:blipFill>
+        <p:spPr>
+          <a:xfrm>
+            <a:off x="8982075" y="428426"/>
+            <a:ext cx="1990725" cy="1057275"/>
+          </a:xfrm>
+          <a:prstGeom prst="rect">
+            <a:avLst/>
+          </a:prstGeom>
+        </p:spPr>
+      </p:pic>
     </p:spTree>
     <p:extLst>
       <p:ext uri="{BB962C8B-B14F-4D97-AF65-F5344CB8AC3E}">
-        <p14:creationId xmlns:p14="http://schemas.microsoft.com/office/powerpoint/2010/main" val="2152409961"/>
+        <p14:creationId xmlns:p14="http://schemas.microsoft.com/office/powerpoint/2010/main" val="1110118036"/>
       </p:ext>
     </p:extLst>
   </p:cSld>
@@ -5258,7 +5191,7 @@
           <a:p>
             <a:r>
               <a:rPr lang="zh-CN" altLang="en-US" dirty="0" smtClean="0"/>
-              <a:t>已知总体平均值的时候</a:t>
+              <a:t>自由度的概念</a:t>
             </a:r>
             <a:endParaRPr lang="zh-CN" altLang="en-US" dirty="0"/>
           </a:p>
@@ -5281,87 +5214,91 @@
           <a:p>
             <a:r>
               <a:rPr lang="zh-CN" altLang="en-US" dirty="0"/>
-              <a:t>比如对一组样本有五个学生的</a:t>
+              <a:t>虽然给出了</a:t>
             </a:r>
             <a:r>
               <a:rPr lang="en-US" altLang="zh-CN" dirty="0"/>
-              <a:t>IQ</a:t>
+              <a:t>3</a:t>
             </a:r>
             <a:r>
               <a:rPr lang="zh-CN" altLang="en-US" dirty="0"/>
-              <a:t>值：</a:t>
-            </a:r>
-            <a:r>
-              <a:rPr lang="en-US" altLang="zh-CN" dirty="0" smtClean="0"/>
-              <a:t>120,125,133,115,95</a:t>
-            </a:r>
-          </a:p>
-          <a:p>
-            <a:r>
-              <a:rPr lang="zh-CN" altLang="en-US" dirty="0" smtClean="0"/>
-              <a:t>总体平均值</a:t>
-            </a:r>
-            <a:r>
-              <a:rPr lang="en-US" altLang="zh-CN" dirty="0" smtClean="0"/>
-              <a:t>138</a:t>
-            </a:r>
-          </a:p>
-          <a:p>
-            <a:r>
-              <a:rPr lang="zh-CN" altLang="en-US" dirty="0" smtClean="0"/>
-              <a:t>使用</a:t>
+              <a:t>个</a:t>
+            </a:r>
+            <a:r>
+              <a:rPr lang="zh-CN" altLang="en-US" dirty="0" smtClean="0"/>
+              <a:t>事件</a:t>
+            </a:r>
+            <a:endParaRPr lang="en-US" altLang="zh-CN" dirty="0" smtClean="0"/>
+          </a:p>
+          <a:p>
+            <a:pPr lvl="1"/>
+            <a:r>
+              <a:rPr lang="zh-CN" altLang="en-US" dirty="0" smtClean="0"/>
+              <a:t>但是</a:t>
             </a:r>
             <a:r>
               <a:rPr lang="zh-CN" altLang="en-US" dirty="0"/>
-              <a:t>这些条件我们就能利用上式估计总体方差</a:t>
-            </a:r>
-            <a:r>
-              <a:rPr lang="zh-CN" altLang="en-US" dirty="0" smtClean="0"/>
-              <a:t>。</a:t>
+              <a:t>只有两个事件是彼此独立的（</a:t>
+            </a:r>
+            <a:r>
+              <a:rPr lang="en-US" altLang="zh-CN" dirty="0"/>
+              <a:t>independent</a:t>
+            </a:r>
+            <a:r>
+              <a:rPr lang="zh-CN" altLang="en-US" dirty="0" smtClean="0"/>
+              <a:t>）</a:t>
             </a:r>
             <a:endParaRPr lang="en-US" altLang="zh-CN" dirty="0" smtClean="0"/>
           </a:p>
           <a:p>
-            <a:r>
-              <a:rPr lang="zh-CN" altLang="en-US" dirty="0" smtClean="0"/>
-              <a:t>这里</a:t>
+            <a:pPr lvl="1"/>
+            <a:r>
+              <a:rPr lang="zh-CN" altLang="en-US" dirty="0" smtClean="0"/>
+              <a:t>第三</a:t>
             </a:r>
             <a:r>
               <a:rPr lang="zh-CN" altLang="en-US" dirty="0"/>
-              <a:t>有几个互相独立的数据呢？</a:t>
+              <a:t>个事件和其他两个事件就是相互依赖的了（</a:t>
+            </a:r>
+            <a:r>
+              <a:rPr lang="en-US" altLang="zh-CN" dirty="0"/>
+              <a:t>dependent</a:t>
+            </a:r>
+            <a:r>
+              <a:rPr lang="zh-CN" altLang="en-US" dirty="0" smtClean="0"/>
+              <a:t>）</a:t>
+            </a:r>
+            <a:endParaRPr lang="en-US" altLang="zh-CN" dirty="0" smtClean="0"/>
+          </a:p>
+          <a:p>
+            <a:r>
+              <a:rPr lang="zh-CN" altLang="en-US" dirty="0" smtClean="0"/>
+              <a:t>所以</a:t>
+            </a:r>
+            <a:r>
+              <a:rPr lang="zh-CN" altLang="en-US" dirty="0"/>
+              <a:t>在这个例子里面，自由度，也就是彼此独立的事件</a:t>
+            </a:r>
+            <a:r>
+              <a:rPr lang="en-US" altLang="zh-CN" dirty="0"/>
+              <a:t>/</a:t>
+            </a:r>
+            <a:r>
+              <a:rPr lang="zh-CN" altLang="en-US" dirty="0"/>
+              <a:t>样本，是</a:t>
+            </a:r>
+            <a:r>
+              <a:rPr lang="en-US" altLang="zh-CN" dirty="0"/>
+              <a:t>2</a:t>
             </a:r>
             <a:endParaRPr lang="zh-CN" altLang="en-US" dirty="0"/>
           </a:p>
         </p:txBody>
       </p:sp>
-      <p:pic>
-        <p:nvPicPr>
-          <p:cNvPr id="4" name="图片 3"/>
-          <p:cNvPicPr>
-            <a:picLocks noChangeAspect="1"/>
-          </p:cNvPicPr>
-          <p:nvPr/>
-        </p:nvPicPr>
-        <p:blipFill>
-          <a:blip r:embed="rId2"/>
-          <a:stretch>
-            <a:fillRect/>
-          </a:stretch>
-        </p:blipFill>
-        <p:spPr>
-          <a:xfrm>
-            <a:off x="8915400" y="214114"/>
-            <a:ext cx="1981200" cy="1019175"/>
-          </a:xfrm>
-          <a:prstGeom prst="rect">
-            <a:avLst/>
-          </a:prstGeom>
-        </p:spPr>
-      </p:pic>
     </p:spTree>
     <p:extLst>
       <p:ext uri="{BB962C8B-B14F-4D97-AF65-F5344CB8AC3E}">
-        <p14:creationId xmlns:p14="http://schemas.microsoft.com/office/powerpoint/2010/main" val="423362764"/>
+        <p14:creationId xmlns:p14="http://schemas.microsoft.com/office/powerpoint/2010/main" val="2152409961"/>
       </p:ext>
     </p:extLst>
   </p:cSld>
@@ -5405,7 +5342,7 @@
           <a:p>
             <a:r>
               <a:rPr lang="zh-CN" altLang="en-US" dirty="0" smtClean="0"/>
-              <a:t>总体平均值未知的时候</a:t>
+              <a:t>已知总体平均值的时候</a:t>
             </a:r>
             <a:endParaRPr lang="zh-CN" altLang="en-US" dirty="0"/>
           </a:p>
@@ -5428,7 +5365,7 @@
           <a:p>
             <a:r>
               <a:rPr lang="zh-CN" altLang="en-US" dirty="0"/>
-              <a:t>对一组样本有五个学生的</a:t>
+              <a:t>比如对一组样本有五个学生的</a:t>
             </a:r>
             <a:r>
               <a:rPr lang="en-US" altLang="zh-CN" dirty="0"/>
@@ -5446,49 +5383,69 @@
           <a:p>
             <a:r>
               <a:rPr lang="zh-CN" altLang="en-US" dirty="0" smtClean="0"/>
-              <a:t>样本均值</a:t>
+              <a:t>总体平均值</a:t>
             </a:r>
             <a:r>
               <a:rPr lang="en-US" altLang="zh-CN" dirty="0" smtClean="0"/>
-              <a:t>117.6</a:t>
-            </a:r>
-          </a:p>
-          <a:p>
-            <a:r>
-              <a:rPr lang="zh-CN" altLang="en-US" dirty="0" smtClean="0"/>
-              <a:t>并且</a:t>
+              <a:t>138</a:t>
+            </a:r>
+          </a:p>
+          <a:p>
+            <a:r>
+              <a:rPr lang="zh-CN" altLang="en-US" dirty="0" smtClean="0"/>
+              <a:t>使用</a:t>
             </a:r>
             <a:r>
               <a:rPr lang="zh-CN" altLang="en-US" dirty="0"/>
-              <a:t>估计总体均值在样本均值两侧</a:t>
-            </a:r>
-            <a:r>
-              <a:rPr lang="en-US" altLang="zh-CN" dirty="0"/>
-              <a:t>95%</a:t>
+              <a:t>这些条件我们就能利用上式估计总体方差</a:t>
+            </a:r>
+            <a:r>
+              <a:rPr lang="zh-CN" altLang="en-US" dirty="0" smtClean="0"/>
+              <a:t>。</a:t>
+            </a:r>
+            <a:endParaRPr lang="en-US" altLang="zh-CN" dirty="0" smtClean="0"/>
+          </a:p>
+          <a:p>
+            <a:r>
+              <a:rPr lang="zh-CN" altLang="en-US" dirty="0" smtClean="0"/>
+              <a:t>这里</a:t>
             </a:r>
             <a:r>
               <a:rPr lang="zh-CN" altLang="en-US" dirty="0"/>
-              <a:t>置信区间</a:t>
-            </a:r>
-            <a:r>
-              <a:rPr lang="zh-CN" altLang="en-US" dirty="0" smtClean="0"/>
-              <a:t>以内</a:t>
-            </a:r>
-            <a:endParaRPr lang="en-US" altLang="zh-CN" dirty="0" smtClean="0"/>
-          </a:p>
-          <a:p>
-            <a:r>
-              <a:rPr lang="zh-CN" altLang="en-US" dirty="0" smtClean="0"/>
-              <a:t>现在相互独立的数据有多少？</a:t>
+              <a:t>有几个互相独立的数据呢？</a:t>
             </a:r>
             <a:endParaRPr lang="zh-CN" altLang="en-US" dirty="0"/>
           </a:p>
         </p:txBody>
       </p:sp>
+      <p:pic>
+        <p:nvPicPr>
+          <p:cNvPr id="4" name="图片 3"/>
+          <p:cNvPicPr>
+            <a:picLocks noChangeAspect="1"/>
+          </p:cNvPicPr>
+          <p:nvPr/>
+        </p:nvPicPr>
+        <p:blipFill>
+          <a:blip r:embed="rId2"/>
+          <a:stretch>
+            <a:fillRect/>
+          </a:stretch>
+        </p:blipFill>
+        <p:spPr>
+          <a:xfrm>
+            <a:off x="8915400" y="214114"/>
+            <a:ext cx="1981200" cy="1019175"/>
+          </a:xfrm>
+          <a:prstGeom prst="rect">
+            <a:avLst/>
+          </a:prstGeom>
+        </p:spPr>
+      </p:pic>
     </p:spTree>
     <p:extLst>
       <p:ext uri="{BB962C8B-B14F-4D97-AF65-F5344CB8AC3E}">
-        <p14:creationId xmlns:p14="http://schemas.microsoft.com/office/powerpoint/2010/main" val="1958770324"/>
+        <p14:creationId xmlns:p14="http://schemas.microsoft.com/office/powerpoint/2010/main" val="423362764"/>
       </p:ext>
     </p:extLst>
   </p:cSld>
@@ -5530,6 +5487,133 @@
           <a:bodyPr/>
           <a:lstStyle/>
           <a:p>
+            <a:r>
+              <a:rPr lang="zh-CN" altLang="en-US" dirty="0" smtClean="0"/>
+              <a:t>总体平均值未知的时候</a:t>
+            </a:r>
+            <a:endParaRPr lang="zh-CN" altLang="en-US" dirty="0"/>
+          </a:p>
+        </p:txBody>
+      </p:sp>
+      <p:sp>
+        <p:nvSpPr>
+          <p:cNvPr id="3" name="内容占位符 2"/>
+          <p:cNvSpPr>
+            <a:spLocks noGrp="1"/>
+          </p:cNvSpPr>
+          <p:nvPr>
+            <p:ph idx="1"/>
+          </p:nvPr>
+        </p:nvSpPr>
+        <p:spPr/>
+        <p:txBody>
+          <a:bodyPr/>
+          <a:lstStyle/>
+          <a:p>
+            <a:r>
+              <a:rPr lang="zh-CN" altLang="en-US" dirty="0"/>
+              <a:t>对一组样本有五个学生的</a:t>
+            </a:r>
+            <a:r>
+              <a:rPr lang="en-US" altLang="zh-CN" dirty="0"/>
+              <a:t>IQ</a:t>
+            </a:r>
+            <a:r>
+              <a:rPr lang="zh-CN" altLang="en-US" dirty="0"/>
+              <a:t>值：</a:t>
+            </a:r>
+            <a:r>
+              <a:rPr lang="en-US" altLang="zh-CN" dirty="0" smtClean="0"/>
+              <a:t>120,125,133,115,95</a:t>
+            </a:r>
+          </a:p>
+          <a:p>
+            <a:r>
+              <a:rPr lang="zh-CN" altLang="en-US" dirty="0" smtClean="0"/>
+              <a:t>样本均值</a:t>
+            </a:r>
+            <a:r>
+              <a:rPr lang="en-US" altLang="zh-CN" dirty="0" smtClean="0"/>
+              <a:t>117.6</a:t>
+            </a:r>
+          </a:p>
+          <a:p>
+            <a:r>
+              <a:rPr lang="zh-CN" altLang="en-US" dirty="0" smtClean="0"/>
+              <a:t>并且</a:t>
+            </a:r>
+            <a:r>
+              <a:rPr lang="zh-CN" altLang="en-US" dirty="0"/>
+              <a:t>估计总体均值在样本均值两侧</a:t>
+            </a:r>
+            <a:r>
+              <a:rPr lang="en-US" altLang="zh-CN" dirty="0"/>
+              <a:t>95%</a:t>
+            </a:r>
+            <a:r>
+              <a:rPr lang="zh-CN" altLang="en-US" dirty="0"/>
+              <a:t>置信区间</a:t>
+            </a:r>
+            <a:r>
+              <a:rPr lang="zh-CN" altLang="en-US" dirty="0" smtClean="0"/>
+              <a:t>以内</a:t>
+            </a:r>
+            <a:endParaRPr lang="en-US" altLang="zh-CN" dirty="0" smtClean="0"/>
+          </a:p>
+          <a:p>
+            <a:r>
+              <a:rPr lang="zh-CN" altLang="en-US" dirty="0" smtClean="0"/>
+              <a:t>现在相互独立的数据有多少？</a:t>
+            </a:r>
+            <a:endParaRPr lang="zh-CN" altLang="en-US" dirty="0"/>
+          </a:p>
+        </p:txBody>
+      </p:sp>
+    </p:spTree>
+    <p:extLst>
+      <p:ext uri="{BB962C8B-B14F-4D97-AF65-F5344CB8AC3E}">
+        <p14:creationId xmlns:p14="http://schemas.microsoft.com/office/powerpoint/2010/main" val="1958770324"/>
+      </p:ext>
+    </p:extLst>
+  </p:cSld>
+  <p:clrMapOvr>
+    <a:masterClrMapping/>
+  </p:clrMapOvr>
+</p:sld>
+</file>
+
+<file path=ppt/slides/slide17.xml><?xml version="1.0" encoding="utf-8"?>
+<p:sld xmlns:a="http://schemas.openxmlformats.org/drawingml/2006/main" xmlns:r="http://schemas.openxmlformats.org/officeDocument/2006/relationships" xmlns:p="http://schemas.openxmlformats.org/presentationml/2006/main">
+  <p:cSld>
+    <p:spTree>
+      <p:nvGrpSpPr>
+        <p:cNvPr id="1" name=""/>
+        <p:cNvGrpSpPr/>
+        <p:nvPr/>
+      </p:nvGrpSpPr>
+      <p:grpSpPr>
+        <a:xfrm>
+          <a:off x="0" y="0"/>
+          <a:ext cx="0" cy="0"/>
+          <a:chOff x="0" y="0"/>
+          <a:chExt cx="0" cy="0"/>
+        </a:xfrm>
+      </p:grpSpPr>
+      <p:sp>
+        <p:nvSpPr>
+          <p:cNvPr id="2" name="标题 1"/>
+          <p:cNvSpPr>
+            <a:spLocks noGrp="1"/>
+          </p:cNvSpPr>
+          <p:nvPr>
+            <p:ph type="title"/>
+          </p:nvPr>
+        </p:nvSpPr>
+        <p:spPr/>
+        <p:txBody>
+          <a:bodyPr/>
+          <a:lstStyle/>
+          <a:p>
             <a:endParaRPr lang="zh-CN" altLang="en-US"/>
           </a:p>
         </p:txBody>
@@ -5609,6 +5693,250 @@
     <p:extLst>
       <p:ext uri="{BB962C8B-B14F-4D97-AF65-F5344CB8AC3E}">
         <p14:creationId xmlns:p14="http://schemas.microsoft.com/office/powerpoint/2010/main" val="3186155980"/>
+      </p:ext>
+    </p:extLst>
+  </p:cSld>
+  <p:clrMapOvr>
+    <a:masterClrMapping/>
+  </p:clrMapOvr>
+</p:sld>
+</file>
+
+<file path=ppt/slides/slide18.xml><?xml version="1.0" encoding="utf-8"?>
+<p:sld xmlns:a="http://schemas.openxmlformats.org/drawingml/2006/main" xmlns:r="http://schemas.openxmlformats.org/officeDocument/2006/relationships" xmlns:p="http://schemas.openxmlformats.org/presentationml/2006/main">
+  <p:cSld>
+    <p:spTree>
+      <p:nvGrpSpPr>
+        <p:cNvPr id="1" name=""/>
+        <p:cNvGrpSpPr/>
+        <p:nvPr/>
+      </p:nvGrpSpPr>
+      <p:grpSpPr>
+        <a:xfrm>
+          <a:off x="0" y="0"/>
+          <a:ext cx="0" cy="0"/>
+          <a:chOff x="0" y="0"/>
+          <a:chExt cx="0" cy="0"/>
+        </a:xfrm>
+      </p:grpSpPr>
+      <p:sp>
+        <p:nvSpPr>
+          <p:cNvPr id="2" name="标题 1"/>
+          <p:cNvSpPr>
+            <a:spLocks noGrp="1"/>
+          </p:cNvSpPr>
+          <p:nvPr>
+            <p:ph type="title"/>
+          </p:nvPr>
+        </p:nvSpPr>
+        <p:spPr/>
+        <p:txBody>
+          <a:bodyPr/>
+          <a:lstStyle/>
+          <a:p>
+            <a:r>
+              <a:rPr lang="zh-CN" altLang="en-US" dirty="0" smtClean="0"/>
+              <a:t>关于</a:t>
+            </a:r>
+            <a:r>
+              <a:rPr lang="en-US" altLang="zh-CN" dirty="0" smtClean="0"/>
+              <a:t>N-1</a:t>
+            </a:r>
+            <a:endParaRPr lang="zh-CN" altLang="en-US" dirty="0"/>
+          </a:p>
+        </p:txBody>
+      </p:sp>
+      <p:pic>
+        <p:nvPicPr>
+          <p:cNvPr id="4" name="sigma_n_1">
+            <a:hlinkClick r:id="" action="ppaction://media"/>
+          </p:cNvPr>
+          <p:cNvPicPr>
+            <a:picLocks noGrp="1" noChangeAspect="1"/>
+          </p:cNvPicPr>
+          <p:nvPr>
+            <p:ph idx="1"/>
+            <a:videoFile r:link="rId2"/>
+            <p:extLst>
+              <p:ext uri="{DAA4B4D4-6D71-4841-9C94-3DE7FCFB9230}">
+                <p14:media xmlns:p14="http://schemas.microsoft.com/office/powerpoint/2010/main" r:link="rId1"/>
+              </p:ext>
+            </p:extLst>
+          </p:nvPr>
+        </p:nvPicPr>
+        <p:blipFill>
+          <a:blip r:embed="rId4"/>
+          <a:stretch>
+            <a:fillRect/>
+          </a:stretch>
+        </p:blipFill>
+        <p:spPr>
+          <a:xfrm>
+            <a:off x="1444625" y="1111250"/>
+            <a:ext cx="9261475" cy="5209146"/>
+          </a:xfrm>
+        </p:spPr>
+      </p:pic>
+    </p:spTree>
+    <p:extLst>
+      <p:ext uri="{BB962C8B-B14F-4D97-AF65-F5344CB8AC3E}">
+        <p14:creationId xmlns:p14="http://schemas.microsoft.com/office/powerpoint/2010/main" val="3931685061"/>
+      </p:ext>
+    </p:extLst>
+  </p:cSld>
+  <p:clrMapOvr>
+    <a:masterClrMapping/>
+  </p:clrMapOvr>
+  <p:timing>
+    <p:tnLst>
+      <p:par>
+        <p:cTn id="1" dur="indefinite" restart="never" nodeType="tmRoot">
+          <p:childTnLst>
+            <p:seq concurrent="1" nextAc="seek">
+              <p:cTn id="2" restart="whenNotActive" fill="hold" evtFilter="cancelBubble" nodeType="interactiveSeq">
+                <p:stCondLst>
+                  <p:cond evt="onClick" delay="0">
+                    <p:tgtEl>
+                      <p:spTgt spid="4"/>
+                    </p:tgtEl>
+                  </p:cond>
+                </p:stCondLst>
+                <p:endSync evt="end" delay="0">
+                  <p:rtn val="all"/>
+                </p:endSync>
+                <p:childTnLst>
+                  <p:par>
+                    <p:cTn id="3" fill="hold">
+                      <p:stCondLst>
+                        <p:cond delay="0"/>
+                      </p:stCondLst>
+                      <p:childTnLst>
+                        <p:par>
+                          <p:cTn id="4" fill="hold">
+                            <p:stCondLst>
+                              <p:cond delay="0"/>
+                            </p:stCondLst>
+                            <p:childTnLst>
+                              <p:par>
+                                <p:cTn id="5" presetID="2" presetClass="mediacall" presetSubtype="0" fill="hold" nodeType="clickEffect">
+                                  <p:stCondLst>
+                                    <p:cond delay="0"/>
+                                  </p:stCondLst>
+                                  <p:childTnLst>
+                                    <p:cmd type="call" cmd="togglePause">
+                                      <p:cBhvr>
+                                        <p:cTn id="6" dur="1" fill="hold"/>
+                                        <p:tgtEl>
+                                          <p:spTgt spid="4"/>
+                                        </p:tgtEl>
+                                      </p:cBhvr>
+                                    </p:cmd>
+                                  </p:childTnLst>
+                                </p:cTn>
+                              </p:par>
+                            </p:childTnLst>
+                          </p:cTn>
+                        </p:par>
+                      </p:childTnLst>
+                    </p:cTn>
+                  </p:par>
+                </p:childTnLst>
+              </p:cTn>
+              <p:nextCondLst>
+                <p:cond evt="onClick" delay="0">
+                  <p:tgtEl>
+                    <p:spTgt spid="4"/>
+                  </p:tgtEl>
+                </p:cond>
+              </p:nextCondLst>
+            </p:seq>
+            <p:video>
+              <p:cMediaNode vol="80000">
+                <p:cTn id="7" fill="hold" display="0">
+                  <p:stCondLst>
+                    <p:cond delay="indefinite"/>
+                  </p:stCondLst>
+                </p:cTn>
+                <p:tgtEl>
+                  <p:spTgt spid="4"/>
+                </p:tgtEl>
+              </p:cMediaNode>
+            </p:video>
+          </p:childTnLst>
+        </p:cTn>
+      </p:par>
+    </p:tnLst>
+  </p:timing>
+</p:sld>
+</file>
+
+<file path=ppt/slides/slide19.xml><?xml version="1.0" encoding="utf-8"?>
+<p:sld xmlns:a="http://schemas.openxmlformats.org/drawingml/2006/main" xmlns:r="http://schemas.openxmlformats.org/officeDocument/2006/relationships" xmlns:p="http://schemas.openxmlformats.org/presentationml/2006/main">
+  <p:cSld>
+    <p:spTree>
+      <p:nvGrpSpPr>
+        <p:cNvPr id="1" name=""/>
+        <p:cNvGrpSpPr/>
+        <p:nvPr/>
+      </p:nvGrpSpPr>
+      <p:grpSpPr>
+        <a:xfrm>
+          <a:off x="0" y="0"/>
+          <a:ext cx="0" cy="0"/>
+          <a:chOff x="0" y="0"/>
+          <a:chExt cx="0" cy="0"/>
+        </a:xfrm>
+      </p:grpSpPr>
+      <p:sp>
+        <p:nvSpPr>
+          <p:cNvPr id="4" name="标题 3"/>
+          <p:cNvSpPr>
+            <a:spLocks noGrp="1"/>
+          </p:cNvSpPr>
+          <p:nvPr>
+            <p:ph type="title"/>
+          </p:nvPr>
+        </p:nvSpPr>
+        <p:spPr/>
+        <p:txBody>
+          <a:bodyPr/>
+          <a:lstStyle/>
+          <a:p>
+            <a:r>
+              <a:rPr lang="en-US" altLang="zh-CN" dirty="0" smtClean="0"/>
+              <a:t>3. </a:t>
+            </a:r>
+            <a:r>
+              <a:rPr lang="zh-CN" altLang="en-US" dirty="0" smtClean="0"/>
+              <a:t>置信区间</a:t>
+            </a:r>
+            <a:endParaRPr lang="zh-CN" altLang="en-US" dirty="0"/>
+          </a:p>
+        </p:txBody>
+      </p:sp>
+      <p:sp>
+        <p:nvSpPr>
+          <p:cNvPr id="5" name="文本占位符 4"/>
+          <p:cNvSpPr>
+            <a:spLocks noGrp="1"/>
+          </p:cNvSpPr>
+          <p:nvPr>
+            <p:ph type="body" idx="1"/>
+          </p:nvPr>
+        </p:nvSpPr>
+        <p:spPr/>
+        <p:txBody>
+          <a:bodyPr/>
+          <a:lstStyle/>
+          <a:p>
+            <a:endParaRPr lang="zh-CN" altLang="en-US"/>
+          </a:p>
+        </p:txBody>
+      </p:sp>
+    </p:spTree>
+    <p:extLst>
+      <p:ext uri="{BB962C8B-B14F-4D97-AF65-F5344CB8AC3E}">
+        <p14:creationId xmlns:p14="http://schemas.microsoft.com/office/powerpoint/2010/main" val="2620056849"/>
       </p:ext>
     </p:extLst>
   </p:cSld>
@@ -5698,6 +6026,1119 @@
       </p:par>
     </p:tnLst>
   </p:timing>
+</p:sld>
+</file>
+
+<file path=ppt/slides/slide20.xml><?xml version="1.0" encoding="utf-8"?>
+<p:sld xmlns:a="http://schemas.openxmlformats.org/drawingml/2006/main" xmlns:r="http://schemas.openxmlformats.org/officeDocument/2006/relationships" xmlns:p="http://schemas.openxmlformats.org/presentationml/2006/main">
+  <p:cSld>
+    <p:spTree>
+      <p:nvGrpSpPr>
+        <p:cNvPr id="1" name=""/>
+        <p:cNvGrpSpPr/>
+        <p:nvPr/>
+      </p:nvGrpSpPr>
+      <p:grpSpPr>
+        <a:xfrm>
+          <a:off x="0" y="0"/>
+          <a:ext cx="0" cy="0"/>
+          <a:chOff x="0" y="0"/>
+          <a:chExt cx="0" cy="0"/>
+        </a:xfrm>
+      </p:grpSpPr>
+      <p:sp>
+        <p:nvSpPr>
+          <p:cNvPr id="2" name="标题 1"/>
+          <p:cNvSpPr>
+            <a:spLocks noGrp="1"/>
+          </p:cNvSpPr>
+          <p:nvPr>
+            <p:ph type="title"/>
+          </p:nvPr>
+        </p:nvSpPr>
+        <p:spPr/>
+        <p:txBody>
+          <a:bodyPr/>
+          <a:lstStyle/>
+          <a:p>
+            <a:r>
+              <a:rPr lang="zh-CN" altLang="en-US" dirty="0" smtClean="0"/>
+              <a:t>如何估计均值的置信区间？</a:t>
+            </a:r>
+            <a:endParaRPr lang="zh-CN" altLang="en-US" dirty="0"/>
+          </a:p>
+        </p:txBody>
+      </p:sp>
+      <p:sp>
+        <p:nvSpPr>
+          <p:cNvPr id="3" name="内容占位符 2"/>
+          <p:cNvSpPr>
+            <a:spLocks noGrp="1"/>
+          </p:cNvSpPr>
+          <p:nvPr>
+            <p:ph idx="1"/>
+          </p:nvPr>
+        </p:nvSpPr>
+        <p:spPr/>
+        <p:txBody>
+          <a:bodyPr/>
+          <a:lstStyle/>
+          <a:p>
+            <a:r>
+              <a:rPr lang="zh-CN" altLang="en-US" dirty="0" smtClean="0"/>
+              <a:t>本次抽样的</a:t>
+            </a:r>
+            <a:r>
+              <a:rPr lang="en-US" altLang="zh-CN" dirty="0" smtClean="0"/>
+              <a:t>5</a:t>
+            </a:r>
+            <a:r>
+              <a:rPr lang="zh-CN" altLang="en-US" dirty="0" smtClean="0"/>
+              <a:t>个学生</a:t>
+            </a:r>
+            <a:r>
+              <a:rPr lang="en-US" altLang="zh-CN" dirty="0" smtClean="0"/>
+              <a:t>IQ</a:t>
+            </a:r>
+            <a:r>
+              <a:rPr lang="zh-CN" altLang="en-US" dirty="0" smtClean="0"/>
+              <a:t>分别是</a:t>
+            </a:r>
+            <a:r>
+              <a:rPr lang="en-US" altLang="zh-CN" dirty="0"/>
+              <a:t>90,100,105,145</a:t>
+            </a:r>
+            <a:r>
+              <a:rPr lang="zh-CN" altLang="en-US" dirty="0"/>
+              <a:t>和</a:t>
+            </a:r>
+            <a:r>
+              <a:rPr lang="en-US" altLang="zh-CN" dirty="0" smtClean="0"/>
+              <a:t>100</a:t>
+            </a:r>
+          </a:p>
+          <a:p>
+            <a:r>
+              <a:rPr lang="zh-CN" altLang="en-US" dirty="0" smtClean="0"/>
+              <a:t>假如我们已知总体的标准差是</a:t>
+            </a:r>
+            <a:r>
+              <a:rPr lang="en-US" altLang="zh-CN" dirty="0" smtClean="0"/>
+              <a:t>15</a:t>
+            </a:r>
+          </a:p>
+          <a:p>
+            <a:r>
+              <a:rPr lang="zh-CN" altLang="en-US" dirty="0" smtClean="0"/>
+              <a:t>如何估计在</a:t>
+            </a:r>
+            <a:r>
+              <a:rPr lang="en-US" altLang="zh-CN" dirty="0" smtClean="0"/>
+              <a:t>0.05</a:t>
+            </a:r>
+            <a:r>
+              <a:rPr lang="zh-CN" altLang="en-US" dirty="0" smtClean="0"/>
+              <a:t>水平上，总体平均值？</a:t>
+            </a:r>
+            <a:endParaRPr lang="en-US" altLang="zh-CN" dirty="0" smtClean="0"/>
+          </a:p>
+          <a:p>
+            <a:endParaRPr lang="zh-CN" altLang="en-US" dirty="0"/>
+          </a:p>
+        </p:txBody>
+      </p:sp>
+    </p:spTree>
+    <p:extLst>
+      <p:ext uri="{BB962C8B-B14F-4D97-AF65-F5344CB8AC3E}">
+        <p14:creationId xmlns:p14="http://schemas.microsoft.com/office/powerpoint/2010/main" val="2344369067"/>
+      </p:ext>
+    </p:extLst>
+  </p:cSld>
+  <p:clrMapOvr>
+    <a:masterClrMapping/>
+  </p:clrMapOvr>
+</p:sld>
+</file>
+
+<file path=ppt/slides/slide21.xml><?xml version="1.0" encoding="utf-8"?>
+<p:sld xmlns:a="http://schemas.openxmlformats.org/drawingml/2006/main" xmlns:r="http://schemas.openxmlformats.org/officeDocument/2006/relationships" xmlns:p="http://schemas.openxmlformats.org/presentationml/2006/main">
+  <p:cSld>
+    <p:spTree>
+      <p:nvGrpSpPr>
+        <p:cNvPr id="1" name=""/>
+        <p:cNvGrpSpPr/>
+        <p:nvPr/>
+      </p:nvGrpSpPr>
+      <p:grpSpPr>
+        <a:xfrm>
+          <a:off x="0" y="0"/>
+          <a:ext cx="0" cy="0"/>
+          <a:chOff x="0" y="0"/>
+          <a:chExt cx="0" cy="0"/>
+        </a:xfrm>
+      </p:grpSpPr>
+      <p:sp>
+        <p:nvSpPr>
+          <p:cNvPr id="2" name="标题 1"/>
+          <p:cNvSpPr>
+            <a:spLocks noGrp="1"/>
+          </p:cNvSpPr>
+          <p:nvPr>
+            <p:ph type="title"/>
+          </p:nvPr>
+        </p:nvSpPr>
+        <p:spPr/>
+        <p:txBody>
+          <a:bodyPr/>
+          <a:lstStyle/>
+          <a:p>
+            <a:r>
+              <a:rPr lang="zh-CN" altLang="en-US" dirty="0" smtClean="0"/>
+              <a:t>已知总体平均值，如何计算正常值范围？</a:t>
+            </a:r>
+            <a:endParaRPr lang="zh-CN" altLang="en-US" dirty="0"/>
+          </a:p>
+        </p:txBody>
+      </p:sp>
+      <p:sp>
+        <p:nvSpPr>
+          <p:cNvPr id="3" name="内容占位符 2"/>
+          <p:cNvSpPr>
+            <a:spLocks noGrp="1"/>
+          </p:cNvSpPr>
+          <p:nvPr>
+            <p:ph idx="1"/>
+          </p:nvPr>
+        </p:nvSpPr>
+        <p:spPr/>
+        <p:txBody>
+          <a:bodyPr/>
+          <a:lstStyle/>
+          <a:p>
+            <a:r>
+              <a:rPr lang="en-US" altLang="zh-CN" dirty="0"/>
+              <a:t>IQ</a:t>
+            </a:r>
+            <a:r>
+              <a:rPr lang="zh-CN" altLang="en-US" dirty="0"/>
+              <a:t>平均值</a:t>
+            </a:r>
+            <a:r>
+              <a:rPr lang="en-US" altLang="zh-CN" dirty="0"/>
+              <a:t>138</a:t>
+            </a:r>
+            <a:r>
+              <a:rPr lang="zh-CN" altLang="en-US" dirty="0"/>
+              <a:t>，标准差</a:t>
+            </a:r>
+            <a:r>
+              <a:rPr lang="en-US" altLang="zh-CN" dirty="0" smtClean="0"/>
+              <a:t>15</a:t>
+            </a:r>
+            <a:r>
+              <a:rPr lang="zh-CN" altLang="en-US" dirty="0" smtClean="0"/>
+              <a:t>，随机抽样</a:t>
+            </a:r>
+            <a:r>
+              <a:rPr lang="en-US" altLang="zh-CN" dirty="0" smtClean="0"/>
+              <a:t>5</a:t>
+            </a:r>
+            <a:r>
+              <a:rPr lang="zh-CN" altLang="en-US" dirty="0" smtClean="0"/>
+              <a:t>人，</a:t>
+            </a:r>
+            <a:r>
+              <a:rPr lang="en-US" altLang="zh-CN" dirty="0" smtClean="0"/>
+              <a:t>0.05</a:t>
+            </a:r>
+            <a:r>
+              <a:rPr lang="zh-CN" altLang="en-US" dirty="0" smtClean="0"/>
+              <a:t>水平下，样本平均值的范围是什么？</a:t>
+            </a:r>
+            <a:endParaRPr lang="en-US" altLang="zh-CN" dirty="0" smtClean="0"/>
+          </a:p>
+          <a:p>
+            <a:r>
+              <a:rPr lang="zh-CN" altLang="en-US" dirty="0" smtClean="0"/>
+              <a:t>假设总体符合正态分布</a:t>
+            </a:r>
+            <a:endParaRPr lang="en-US" altLang="zh-CN" dirty="0" smtClean="0"/>
+          </a:p>
+          <a:p>
+            <a:r>
+              <a:rPr lang="zh-CN" altLang="en-US" dirty="0" smtClean="0"/>
+              <a:t>样本均值渐进正态分布，均值等于总体均值，标准差等于</a:t>
+            </a:r>
+            <a:endParaRPr lang="en-US" altLang="zh-CN" dirty="0" smtClean="0"/>
+          </a:p>
+          <a:p>
+            <a:r>
+              <a:rPr lang="en-US" altLang="zh-CN" dirty="0" smtClean="0"/>
+              <a:t>0.05</a:t>
+            </a:r>
+            <a:r>
+              <a:rPr lang="zh-CN" altLang="en-US" dirty="0" smtClean="0"/>
+              <a:t>水平的双侧检验对应的</a:t>
+            </a:r>
+            <a:r>
+              <a:rPr lang="en-US" altLang="zh-CN" dirty="0" smtClean="0"/>
+              <a:t>z</a:t>
+            </a:r>
+            <a:r>
+              <a:rPr lang="zh-CN" altLang="en-US" dirty="0" smtClean="0"/>
+              <a:t>临界值是</a:t>
+            </a:r>
+            <a:r>
+              <a:rPr lang="en-US" altLang="zh-CN" dirty="0" smtClean="0"/>
+              <a:t>1.96</a:t>
+            </a:r>
+            <a:endParaRPr lang="zh-CN" altLang="en-US" dirty="0"/>
+          </a:p>
+        </p:txBody>
+      </p:sp>
+      <p:pic>
+        <p:nvPicPr>
+          <p:cNvPr id="4" name="图片 3"/>
+          <p:cNvPicPr>
+            <a:picLocks noChangeAspect="1"/>
+          </p:cNvPicPr>
+          <p:nvPr/>
+        </p:nvPicPr>
+        <p:blipFill>
+          <a:blip r:embed="rId2"/>
+          <a:stretch>
+            <a:fillRect/>
+          </a:stretch>
+        </p:blipFill>
+        <p:spPr>
+          <a:xfrm>
+            <a:off x="10848975" y="3521786"/>
+            <a:ext cx="762000" cy="819150"/>
+          </a:xfrm>
+          <a:prstGeom prst="rect">
+            <a:avLst/>
+          </a:prstGeom>
+        </p:spPr>
+      </p:pic>
+      <p:pic>
+        <p:nvPicPr>
+          <p:cNvPr id="5" name="图片 4"/>
+          <p:cNvPicPr>
+            <a:picLocks noChangeAspect="1"/>
+          </p:cNvPicPr>
+          <p:nvPr/>
+        </p:nvPicPr>
+        <p:blipFill>
+          <a:blip r:embed="rId3"/>
+          <a:stretch>
+            <a:fillRect/>
+          </a:stretch>
+        </p:blipFill>
+        <p:spPr>
+          <a:xfrm>
+            <a:off x="5410200" y="5214937"/>
+            <a:ext cx="1524000" cy="714375"/>
+          </a:xfrm>
+          <a:prstGeom prst="rect">
+            <a:avLst/>
+          </a:prstGeom>
+        </p:spPr>
+      </p:pic>
+      <p:pic>
+        <p:nvPicPr>
+          <p:cNvPr id="6" name="图片 5"/>
+          <p:cNvPicPr>
+            <a:picLocks noChangeAspect="1"/>
+          </p:cNvPicPr>
+          <p:nvPr/>
+        </p:nvPicPr>
+        <p:blipFill>
+          <a:blip r:embed="rId4">
+            <a:extLst>
+              <a:ext uri="{28A0092B-C50C-407E-A947-70E740481C1C}">
+                <a14:useLocalDpi xmlns:a14="http://schemas.microsoft.com/office/drawing/2010/main" val="0"/>
+              </a:ext>
+            </a:extLst>
+          </a:blip>
+          <a:stretch>
+            <a:fillRect/>
+          </a:stretch>
+        </p:blipFill>
+        <p:spPr>
+          <a:xfrm>
+            <a:off x="7634287" y="4858899"/>
+            <a:ext cx="2638425" cy="1524000"/>
+          </a:xfrm>
+          <a:prstGeom prst="rect">
+            <a:avLst/>
+          </a:prstGeom>
+        </p:spPr>
+      </p:pic>
+      <p:cxnSp>
+        <p:nvCxnSpPr>
+          <p:cNvPr id="8" name="直接连接符 7"/>
+          <p:cNvCxnSpPr/>
+          <p:nvPr/>
+        </p:nvCxnSpPr>
+        <p:spPr>
+          <a:xfrm flipV="1">
+            <a:off x="8372475" y="5010150"/>
+            <a:ext cx="0" cy="1162050"/>
+          </a:xfrm>
+          <a:prstGeom prst="line">
+            <a:avLst/>
+          </a:prstGeom>
+          <a:ln w="28575">
+            <a:solidFill>
+              <a:schemeClr val="tx1"/>
+            </a:solidFill>
+          </a:ln>
+        </p:spPr>
+        <p:style>
+          <a:lnRef idx="1">
+            <a:schemeClr val="accent1"/>
+          </a:lnRef>
+          <a:fillRef idx="0">
+            <a:schemeClr val="accent1"/>
+          </a:fillRef>
+          <a:effectRef idx="0">
+            <a:schemeClr val="accent1"/>
+          </a:effectRef>
+          <a:fontRef idx="minor">
+            <a:schemeClr val="tx1"/>
+          </a:fontRef>
+        </p:style>
+      </p:cxnSp>
+      <p:cxnSp>
+        <p:nvCxnSpPr>
+          <p:cNvPr id="9" name="直接连接符 8"/>
+          <p:cNvCxnSpPr/>
+          <p:nvPr/>
+        </p:nvCxnSpPr>
+        <p:spPr>
+          <a:xfrm flipV="1">
+            <a:off x="9563100" y="5010150"/>
+            <a:ext cx="0" cy="1162050"/>
+          </a:xfrm>
+          <a:prstGeom prst="line">
+            <a:avLst/>
+          </a:prstGeom>
+          <a:ln w="28575">
+            <a:solidFill>
+              <a:schemeClr val="tx1"/>
+            </a:solidFill>
+          </a:ln>
+        </p:spPr>
+        <p:style>
+          <a:lnRef idx="1">
+            <a:schemeClr val="accent1"/>
+          </a:lnRef>
+          <a:fillRef idx="0">
+            <a:schemeClr val="accent1"/>
+          </a:fillRef>
+          <a:effectRef idx="0">
+            <a:schemeClr val="accent1"/>
+          </a:effectRef>
+          <a:fontRef idx="minor">
+            <a:schemeClr val="tx1"/>
+          </a:fontRef>
+        </p:style>
+      </p:cxnSp>
+    </p:spTree>
+    <p:extLst>
+      <p:ext uri="{BB962C8B-B14F-4D97-AF65-F5344CB8AC3E}">
+        <p14:creationId xmlns:p14="http://schemas.microsoft.com/office/powerpoint/2010/main" val="330752611"/>
+      </p:ext>
+    </p:extLst>
+  </p:cSld>
+  <p:clrMapOvr>
+    <a:masterClrMapping/>
+  </p:clrMapOvr>
+</p:sld>
+</file>
+
+<file path=ppt/slides/slide22.xml><?xml version="1.0" encoding="utf-8"?>
+<p:sld xmlns:a="http://schemas.openxmlformats.org/drawingml/2006/main" xmlns:r="http://schemas.openxmlformats.org/officeDocument/2006/relationships" xmlns:p="http://schemas.openxmlformats.org/presentationml/2006/main">
+  <p:cSld>
+    <p:spTree>
+      <p:nvGrpSpPr>
+        <p:cNvPr id="1" name=""/>
+        <p:cNvGrpSpPr/>
+        <p:nvPr/>
+      </p:nvGrpSpPr>
+      <p:grpSpPr>
+        <a:xfrm>
+          <a:off x="0" y="0"/>
+          <a:ext cx="0" cy="0"/>
+          <a:chOff x="0" y="0"/>
+          <a:chExt cx="0" cy="0"/>
+        </a:xfrm>
+      </p:grpSpPr>
+      <p:sp>
+        <p:nvSpPr>
+          <p:cNvPr id="2" name="标题 1"/>
+          <p:cNvSpPr>
+            <a:spLocks noGrp="1"/>
+          </p:cNvSpPr>
+          <p:nvPr>
+            <p:ph type="title"/>
+          </p:nvPr>
+        </p:nvSpPr>
+        <p:spPr/>
+        <p:txBody>
+          <a:bodyPr/>
+          <a:lstStyle/>
+          <a:p>
+            <a:r>
+              <a:rPr lang="zh-CN" altLang="en-US" dirty="0" smtClean="0"/>
+              <a:t>现在反过来，已经知道样本均值：</a:t>
+            </a:r>
+            <a:endParaRPr lang="zh-CN" altLang="en-US" dirty="0"/>
+          </a:p>
+        </p:txBody>
+      </p:sp>
+      <p:sp>
+        <p:nvSpPr>
+          <p:cNvPr id="3" name="内容占位符 2"/>
+          <p:cNvSpPr>
+            <a:spLocks noGrp="1"/>
+          </p:cNvSpPr>
+          <p:nvPr>
+            <p:ph idx="1"/>
+          </p:nvPr>
+        </p:nvSpPr>
+        <p:spPr>
+          <a:xfrm>
+            <a:off x="1371600" y="1731086"/>
+            <a:ext cx="9601200" cy="2678989"/>
+          </a:xfrm>
+        </p:spPr>
+        <p:txBody>
+          <a:bodyPr/>
+          <a:lstStyle/>
+          <a:p>
+            <a:r>
+              <a:rPr lang="en-US" altLang="zh-CN" dirty="0"/>
+              <a:t>IQ</a:t>
+            </a:r>
+            <a:r>
+              <a:rPr lang="zh-CN" altLang="en-US" dirty="0" smtClean="0"/>
+              <a:t>平均值未知，</a:t>
+            </a:r>
+            <a:r>
+              <a:rPr lang="zh-CN" altLang="en-US" dirty="0"/>
+              <a:t>标准差</a:t>
+            </a:r>
+            <a:r>
+              <a:rPr lang="en-US" altLang="zh-CN" dirty="0"/>
+              <a:t>15</a:t>
+            </a:r>
+            <a:r>
+              <a:rPr lang="zh-CN" altLang="en-US" dirty="0"/>
+              <a:t>，随机抽样</a:t>
+            </a:r>
+            <a:r>
+              <a:rPr lang="en-US" altLang="zh-CN" dirty="0"/>
+              <a:t>5</a:t>
+            </a:r>
+            <a:r>
+              <a:rPr lang="zh-CN" altLang="en-US" dirty="0" smtClean="0"/>
+              <a:t>人得到平均值是</a:t>
+            </a:r>
+            <a:r>
+              <a:rPr lang="en-US" altLang="zh-CN" dirty="0" smtClean="0"/>
+              <a:t>108</a:t>
+            </a:r>
+            <a:r>
+              <a:rPr lang="zh-CN" altLang="en-US" dirty="0" smtClean="0"/>
+              <a:t>，</a:t>
+            </a:r>
+            <a:r>
+              <a:rPr lang="en-US" altLang="zh-CN" dirty="0"/>
+              <a:t>0.05</a:t>
+            </a:r>
+            <a:r>
+              <a:rPr lang="zh-CN" altLang="en-US" dirty="0"/>
+              <a:t>水平下</a:t>
+            </a:r>
+            <a:r>
+              <a:rPr lang="zh-CN" altLang="en-US" dirty="0" smtClean="0"/>
+              <a:t>，总体平均值的</a:t>
+            </a:r>
+            <a:r>
+              <a:rPr lang="zh-CN" altLang="en-US" dirty="0"/>
+              <a:t>范围是什么</a:t>
+            </a:r>
+            <a:r>
+              <a:rPr lang="zh-CN" altLang="en-US" dirty="0" smtClean="0"/>
+              <a:t>？</a:t>
+            </a:r>
+            <a:endParaRPr lang="en-US" altLang="zh-CN" dirty="0" smtClean="0"/>
+          </a:p>
+          <a:p>
+            <a:r>
+              <a:rPr lang="zh-CN" altLang="en-US" dirty="0" smtClean="0"/>
+              <a:t>总体平均值是什么的时候，样本平均值</a:t>
+            </a:r>
+            <a:r>
+              <a:rPr lang="en-US" altLang="zh-CN" dirty="0" smtClean="0"/>
+              <a:t>108</a:t>
+            </a:r>
+            <a:r>
+              <a:rPr lang="zh-CN" altLang="en-US" dirty="0" smtClean="0"/>
+              <a:t>也能够落在正负</a:t>
+            </a:r>
+            <a:r>
+              <a:rPr lang="en-US" altLang="zh-CN" dirty="0" smtClean="0"/>
+              <a:t>1.96</a:t>
+            </a:r>
+            <a:r>
+              <a:rPr lang="zh-CN" altLang="en-US" dirty="0" smtClean="0"/>
+              <a:t>这个范围里？</a:t>
+            </a:r>
+            <a:endParaRPr lang="en-US" altLang="zh-CN" dirty="0"/>
+          </a:p>
+          <a:p>
+            <a:endParaRPr lang="zh-CN" altLang="en-US" dirty="0"/>
+          </a:p>
+        </p:txBody>
+      </p:sp>
+      <p:sp>
+        <p:nvSpPr>
+          <p:cNvPr id="4" name="AutoShape 2" descr="Image result for normal distribution curve"/>
+          <p:cNvSpPr>
+            <a:spLocks noChangeAspect="1" noChangeArrowheads="1"/>
+          </p:cNvSpPr>
+          <p:nvPr/>
+        </p:nvSpPr>
+        <p:spPr bwMode="auto">
+          <a:xfrm>
+            <a:off x="155575" y="-144463"/>
+            <a:ext cx="304800" cy="304801"/>
+          </a:xfrm>
+          <a:prstGeom prst="rect">
+            <a:avLst/>
+          </a:prstGeom>
+          <a:noFill/>
+          <a:extLst>
+            <a:ext uri="{909E8E84-426E-40DD-AFC4-6F175D3DCCD1}">
+              <a14:hiddenFill xmlns:a14="http://schemas.microsoft.com/office/drawing/2010/main">
+                <a:solidFill>
+                  <a:srgbClr val="FFFFFF"/>
+                </a:solidFill>
+              </a14:hiddenFill>
+            </a:ext>
+          </a:extLst>
+        </p:spPr>
+        <p:txBody>
+          <a:bodyPr vert="horz" wrap="square" lIns="91440" tIns="45720" rIns="91440" bIns="45720" numCol="1" anchor="t" anchorCtr="0" compatLnSpc="1">
+            <a:prstTxWarp prst="textNoShape">
+              <a:avLst/>
+            </a:prstTxWarp>
+          </a:bodyPr>
+          <a:lstStyle/>
+          <a:p>
+            <a:endParaRPr lang="zh-CN" altLang="en-US"/>
+          </a:p>
+        </p:txBody>
+      </p:sp>
+      <p:sp>
+        <p:nvSpPr>
+          <p:cNvPr id="5" name="AutoShape 4" descr="Image result for normal distribution curve"/>
+          <p:cNvSpPr>
+            <a:spLocks noChangeAspect="1" noChangeArrowheads="1"/>
+          </p:cNvSpPr>
+          <p:nvPr/>
+        </p:nvSpPr>
+        <p:spPr bwMode="auto">
+          <a:xfrm>
+            <a:off x="155575" y="-731838"/>
+            <a:ext cx="2952750" cy="1524001"/>
+          </a:xfrm>
+          <a:prstGeom prst="rect">
+            <a:avLst/>
+          </a:prstGeom>
+          <a:noFill/>
+          <a:extLst>
+            <a:ext uri="{909E8E84-426E-40DD-AFC4-6F175D3DCCD1}">
+              <a14:hiddenFill xmlns:a14="http://schemas.microsoft.com/office/drawing/2010/main">
+                <a:solidFill>
+                  <a:srgbClr val="FFFFFF"/>
+                </a:solidFill>
+              </a14:hiddenFill>
+            </a:ext>
+          </a:extLst>
+        </p:spPr>
+        <p:txBody>
+          <a:bodyPr vert="horz" wrap="square" lIns="91440" tIns="45720" rIns="91440" bIns="45720" numCol="1" anchor="t" anchorCtr="0" compatLnSpc="1">
+            <a:prstTxWarp prst="textNoShape">
+              <a:avLst/>
+            </a:prstTxWarp>
+          </a:bodyPr>
+          <a:lstStyle/>
+          <a:p>
+            <a:endParaRPr lang="zh-CN" altLang="en-US"/>
+          </a:p>
+        </p:txBody>
+      </p:sp>
+      <p:pic>
+        <p:nvPicPr>
+          <p:cNvPr id="8" name="图片 7"/>
+          <p:cNvPicPr>
+            <a:picLocks noChangeAspect="1"/>
+          </p:cNvPicPr>
+          <p:nvPr/>
+        </p:nvPicPr>
+        <p:blipFill>
+          <a:blip r:embed="rId2">
+            <a:extLst>
+              <a:ext uri="{28A0092B-C50C-407E-A947-70E740481C1C}">
+                <a14:useLocalDpi xmlns:a14="http://schemas.microsoft.com/office/drawing/2010/main" val="0"/>
+              </a:ext>
+            </a:extLst>
+          </a:blip>
+          <a:stretch>
+            <a:fillRect/>
+          </a:stretch>
+        </p:blipFill>
+        <p:spPr>
+          <a:xfrm>
+            <a:off x="4862512" y="4410075"/>
+            <a:ext cx="2638425" cy="1524000"/>
+          </a:xfrm>
+          <a:prstGeom prst="rect">
+            <a:avLst/>
+          </a:prstGeom>
+        </p:spPr>
+      </p:pic>
+      <p:cxnSp>
+        <p:nvCxnSpPr>
+          <p:cNvPr id="9" name="直接连接符 8"/>
+          <p:cNvCxnSpPr/>
+          <p:nvPr/>
+        </p:nvCxnSpPr>
+        <p:spPr>
+          <a:xfrm flipV="1">
+            <a:off x="6181725" y="4561326"/>
+            <a:ext cx="0" cy="1162050"/>
+          </a:xfrm>
+          <a:prstGeom prst="line">
+            <a:avLst/>
+          </a:prstGeom>
+          <a:ln w="28575">
+            <a:solidFill>
+              <a:schemeClr val="tx1"/>
+            </a:solidFill>
+          </a:ln>
+        </p:spPr>
+        <p:style>
+          <a:lnRef idx="1">
+            <a:schemeClr val="accent1"/>
+          </a:lnRef>
+          <a:fillRef idx="0">
+            <a:schemeClr val="accent1"/>
+          </a:fillRef>
+          <a:effectRef idx="0">
+            <a:schemeClr val="accent1"/>
+          </a:effectRef>
+          <a:fontRef idx="minor">
+            <a:schemeClr val="tx1"/>
+          </a:fontRef>
+        </p:style>
+      </p:cxnSp>
+      <p:cxnSp>
+        <p:nvCxnSpPr>
+          <p:cNvPr id="10" name="直接连接符 9"/>
+          <p:cNvCxnSpPr/>
+          <p:nvPr/>
+        </p:nvCxnSpPr>
+        <p:spPr>
+          <a:xfrm flipV="1">
+            <a:off x="6791325" y="4561326"/>
+            <a:ext cx="0" cy="1162050"/>
+          </a:xfrm>
+          <a:prstGeom prst="line">
+            <a:avLst/>
+          </a:prstGeom>
+          <a:ln w="28575">
+            <a:solidFill>
+              <a:schemeClr val="tx1"/>
+            </a:solidFill>
+          </a:ln>
+        </p:spPr>
+        <p:style>
+          <a:lnRef idx="1">
+            <a:schemeClr val="accent1"/>
+          </a:lnRef>
+          <a:fillRef idx="0">
+            <a:schemeClr val="accent1"/>
+          </a:fillRef>
+          <a:effectRef idx="0">
+            <a:schemeClr val="accent1"/>
+          </a:effectRef>
+          <a:fontRef idx="minor">
+            <a:schemeClr val="tx1"/>
+          </a:fontRef>
+        </p:style>
+      </p:cxnSp>
+      <p:pic>
+        <p:nvPicPr>
+          <p:cNvPr id="11" name="图片 10"/>
+          <p:cNvPicPr>
+            <a:picLocks noChangeAspect="1"/>
+          </p:cNvPicPr>
+          <p:nvPr/>
+        </p:nvPicPr>
+        <p:blipFill>
+          <a:blip r:embed="rId3">
+            <a:extLst>
+              <a:ext uri="{BEBA8EAE-BF5A-486C-A8C5-ECC9F3942E4B}">
+                <a14:imgProps xmlns:a14="http://schemas.microsoft.com/office/drawing/2010/main">
+                  <a14:imgLayer r:embed="rId4">
+                    <a14:imgEffect>
+                      <a14:backgroundRemoval t="5000" b="99375" l="0" r="100000"/>
+                    </a14:imgEffect>
+                  </a14:imgLayer>
+                </a14:imgProps>
+              </a:ext>
+              <a:ext uri="{28A0092B-C50C-407E-A947-70E740481C1C}">
+                <a14:useLocalDpi xmlns:a14="http://schemas.microsoft.com/office/drawing/2010/main" val="0"/>
+              </a:ext>
+            </a:extLst>
+          </a:blip>
+          <a:stretch>
+            <a:fillRect/>
+          </a:stretch>
+        </p:blipFill>
+        <p:spPr>
+          <a:xfrm>
+            <a:off x="6053137" y="4410075"/>
+            <a:ext cx="2638425" cy="1524000"/>
+          </a:xfrm>
+          <a:prstGeom prst="rect">
+            <a:avLst/>
+          </a:prstGeom>
+        </p:spPr>
+      </p:pic>
+      <p:cxnSp>
+        <p:nvCxnSpPr>
+          <p:cNvPr id="12" name="直接连接符 11"/>
+          <p:cNvCxnSpPr/>
+          <p:nvPr/>
+        </p:nvCxnSpPr>
+        <p:spPr>
+          <a:xfrm flipV="1">
+            <a:off x="6791325" y="4561326"/>
+            <a:ext cx="0" cy="1162050"/>
+          </a:xfrm>
+          <a:prstGeom prst="line">
+            <a:avLst/>
+          </a:prstGeom>
+          <a:ln w="28575">
+            <a:solidFill>
+              <a:schemeClr val="tx1"/>
+            </a:solidFill>
+          </a:ln>
+        </p:spPr>
+        <p:style>
+          <a:lnRef idx="1">
+            <a:schemeClr val="accent1"/>
+          </a:lnRef>
+          <a:fillRef idx="0">
+            <a:schemeClr val="accent1"/>
+          </a:fillRef>
+          <a:effectRef idx="0">
+            <a:schemeClr val="accent1"/>
+          </a:effectRef>
+          <a:fontRef idx="minor">
+            <a:schemeClr val="tx1"/>
+          </a:fontRef>
+        </p:style>
+      </p:cxnSp>
+      <p:cxnSp>
+        <p:nvCxnSpPr>
+          <p:cNvPr id="16" name="直接连接符 15"/>
+          <p:cNvCxnSpPr/>
+          <p:nvPr/>
+        </p:nvCxnSpPr>
+        <p:spPr>
+          <a:xfrm flipV="1">
+            <a:off x="7362825" y="4561326"/>
+            <a:ext cx="0" cy="1162050"/>
+          </a:xfrm>
+          <a:prstGeom prst="line">
+            <a:avLst/>
+          </a:prstGeom>
+          <a:ln w="28575">
+            <a:solidFill>
+              <a:schemeClr val="tx1"/>
+            </a:solidFill>
+          </a:ln>
+        </p:spPr>
+        <p:style>
+          <a:lnRef idx="1">
+            <a:schemeClr val="accent1"/>
+          </a:lnRef>
+          <a:fillRef idx="0">
+            <a:schemeClr val="accent1"/>
+          </a:fillRef>
+          <a:effectRef idx="0">
+            <a:schemeClr val="accent1"/>
+          </a:effectRef>
+          <a:fontRef idx="minor">
+            <a:schemeClr val="tx1"/>
+          </a:fontRef>
+        </p:style>
+      </p:cxnSp>
+    </p:spTree>
+    <p:extLst>
+      <p:ext uri="{BB962C8B-B14F-4D97-AF65-F5344CB8AC3E}">
+        <p14:creationId xmlns:p14="http://schemas.microsoft.com/office/powerpoint/2010/main" val="3437218936"/>
+      </p:ext>
+    </p:extLst>
+  </p:cSld>
+  <p:clrMapOvr>
+    <a:masterClrMapping/>
+  </p:clrMapOvr>
+</p:sld>
+</file>
+
+<file path=ppt/slides/slide23.xml><?xml version="1.0" encoding="utf-8"?>
+<p:sld xmlns:a="http://schemas.openxmlformats.org/drawingml/2006/main" xmlns:r="http://schemas.openxmlformats.org/officeDocument/2006/relationships" xmlns:p="http://schemas.openxmlformats.org/presentationml/2006/main">
+  <p:cSld>
+    <p:spTree>
+      <p:nvGrpSpPr>
+        <p:cNvPr id="1" name=""/>
+        <p:cNvGrpSpPr/>
+        <p:nvPr/>
+      </p:nvGrpSpPr>
+      <p:grpSpPr>
+        <a:xfrm>
+          <a:off x="0" y="0"/>
+          <a:ext cx="0" cy="0"/>
+          <a:chOff x="0" y="0"/>
+          <a:chExt cx="0" cy="0"/>
+        </a:xfrm>
+      </p:grpSpPr>
+      <p:sp>
+        <p:nvSpPr>
+          <p:cNvPr id="2" name="标题 1"/>
+          <p:cNvSpPr>
+            <a:spLocks noGrp="1"/>
+          </p:cNvSpPr>
+          <p:nvPr>
+            <p:ph type="title"/>
+          </p:nvPr>
+        </p:nvSpPr>
+        <p:spPr/>
+        <p:txBody>
+          <a:bodyPr/>
+          <a:lstStyle/>
+          <a:p>
+            <a:r>
+              <a:rPr lang="zh-CN" altLang="en-US" dirty="0"/>
+              <a:t>练习题</a:t>
+            </a:r>
+          </a:p>
+        </p:txBody>
+      </p:sp>
+      <p:sp>
+        <p:nvSpPr>
+          <p:cNvPr id="3" name="内容占位符 2"/>
+          <p:cNvSpPr>
+            <a:spLocks noGrp="1"/>
+          </p:cNvSpPr>
+          <p:nvPr>
+            <p:ph idx="1"/>
+          </p:nvPr>
+        </p:nvSpPr>
+        <p:spPr/>
+        <p:txBody>
+          <a:bodyPr/>
+          <a:lstStyle/>
+          <a:p>
+            <a:r>
+              <a:rPr lang="zh-CN" altLang="en-US" dirty="0" smtClean="0"/>
+              <a:t>已知某校三年级学生英语期末考成绩标准分的标准差是</a:t>
+            </a:r>
+            <a:r>
+              <a:rPr lang="en-US" altLang="zh-CN" dirty="0" smtClean="0"/>
+              <a:t>15</a:t>
+            </a:r>
+            <a:r>
+              <a:rPr lang="zh-CN" altLang="en-US" dirty="0" smtClean="0"/>
+              <a:t>分，现在从该群体中随机抽取</a:t>
+            </a:r>
+            <a:r>
+              <a:rPr lang="en-US" altLang="zh-CN" dirty="0" smtClean="0"/>
+              <a:t>50</a:t>
+            </a:r>
+            <a:r>
+              <a:rPr lang="zh-CN" altLang="en-US" dirty="0" smtClean="0"/>
+              <a:t>人，成绩见附表。请计算该校三年级学生英语期末考试成绩标准分</a:t>
+            </a:r>
+            <a:r>
+              <a:rPr lang="en-US" altLang="zh-CN" dirty="0" smtClean="0"/>
+              <a:t>95%</a:t>
+            </a:r>
+            <a:r>
+              <a:rPr lang="zh-CN" altLang="en-US" smtClean="0"/>
+              <a:t>的置信区间。</a:t>
+            </a:r>
+            <a:endParaRPr lang="zh-CN" altLang="en-US"/>
+          </a:p>
+        </p:txBody>
+      </p:sp>
+    </p:spTree>
+    <p:extLst>
+      <p:ext uri="{BB962C8B-B14F-4D97-AF65-F5344CB8AC3E}">
+        <p14:creationId xmlns:p14="http://schemas.microsoft.com/office/powerpoint/2010/main" val="991959458"/>
+      </p:ext>
+    </p:extLst>
+  </p:cSld>
+  <p:clrMapOvr>
+    <a:masterClrMapping/>
+  </p:clrMapOvr>
+</p:sld>
+</file>
+
+<file path=ppt/slides/slide24.xml><?xml version="1.0" encoding="utf-8"?>
+<p:sld xmlns:a="http://schemas.openxmlformats.org/drawingml/2006/main" xmlns:r="http://schemas.openxmlformats.org/officeDocument/2006/relationships" xmlns:p="http://schemas.openxmlformats.org/presentationml/2006/main">
+  <p:cSld>
+    <p:spTree>
+      <p:nvGrpSpPr>
+        <p:cNvPr id="1" name=""/>
+        <p:cNvGrpSpPr/>
+        <p:nvPr/>
+      </p:nvGrpSpPr>
+      <p:grpSpPr>
+        <a:xfrm>
+          <a:off x="0" y="0"/>
+          <a:ext cx="0" cy="0"/>
+          <a:chOff x="0" y="0"/>
+          <a:chExt cx="0" cy="0"/>
+        </a:xfrm>
+      </p:grpSpPr>
+      <p:sp>
+        <p:nvSpPr>
+          <p:cNvPr id="2" name="标题 1"/>
+          <p:cNvSpPr>
+            <a:spLocks noGrp="1"/>
+          </p:cNvSpPr>
+          <p:nvPr>
+            <p:ph type="title"/>
+          </p:nvPr>
+        </p:nvSpPr>
+        <p:spPr/>
+        <p:txBody>
+          <a:bodyPr/>
+          <a:lstStyle/>
+          <a:p>
+            <a:r>
+              <a:rPr lang="zh-CN" altLang="en-US" dirty="0" smtClean="0"/>
+              <a:t>如何估计均值的置信区间？</a:t>
+            </a:r>
+            <a:endParaRPr lang="zh-CN" altLang="en-US" dirty="0"/>
+          </a:p>
+        </p:txBody>
+      </p:sp>
+      <p:sp>
+        <p:nvSpPr>
+          <p:cNvPr id="3" name="内容占位符 2"/>
+          <p:cNvSpPr>
+            <a:spLocks noGrp="1"/>
+          </p:cNvSpPr>
+          <p:nvPr>
+            <p:ph idx="1"/>
+          </p:nvPr>
+        </p:nvSpPr>
+        <p:spPr/>
+        <p:txBody>
+          <a:bodyPr/>
+          <a:lstStyle/>
+          <a:p>
+            <a:r>
+              <a:rPr lang="zh-CN" altLang="en-US" dirty="0" smtClean="0"/>
+              <a:t>本次抽样的</a:t>
+            </a:r>
+            <a:r>
+              <a:rPr lang="en-US" altLang="zh-CN" dirty="0" smtClean="0"/>
+              <a:t>5</a:t>
+            </a:r>
+            <a:r>
+              <a:rPr lang="zh-CN" altLang="en-US" dirty="0" smtClean="0"/>
+              <a:t>个学生</a:t>
+            </a:r>
+            <a:r>
+              <a:rPr lang="en-US" altLang="zh-CN" dirty="0" smtClean="0"/>
+              <a:t>IQ</a:t>
+            </a:r>
+            <a:r>
+              <a:rPr lang="zh-CN" altLang="en-US" dirty="0" smtClean="0"/>
+              <a:t>分别是</a:t>
+            </a:r>
+            <a:r>
+              <a:rPr lang="en-US" altLang="zh-CN" dirty="0"/>
+              <a:t>90,100,105,145</a:t>
+            </a:r>
+            <a:r>
+              <a:rPr lang="zh-CN" altLang="en-US" dirty="0"/>
+              <a:t>和</a:t>
+            </a:r>
+            <a:r>
+              <a:rPr lang="en-US" altLang="zh-CN" dirty="0" smtClean="0"/>
+              <a:t>100</a:t>
+            </a:r>
+          </a:p>
+          <a:p>
+            <a:r>
+              <a:rPr lang="zh-CN" altLang="en-US" dirty="0" smtClean="0"/>
+              <a:t>如果我们</a:t>
+            </a:r>
+            <a:r>
+              <a:rPr lang="zh-CN" altLang="en-US" b="1" u="sng" dirty="0" smtClean="0">
+                <a:solidFill>
+                  <a:srgbClr val="FF0000"/>
+                </a:solidFill>
+              </a:rPr>
+              <a:t>不知道总体</a:t>
+            </a:r>
+            <a:r>
+              <a:rPr lang="zh-CN" altLang="en-US" dirty="0" smtClean="0"/>
+              <a:t>的标准差</a:t>
+            </a:r>
+            <a:endParaRPr lang="en-US" altLang="zh-CN" dirty="0" smtClean="0"/>
+          </a:p>
+          <a:p>
+            <a:r>
+              <a:rPr lang="zh-CN" altLang="en-US" dirty="0" smtClean="0"/>
+              <a:t>如何估计在</a:t>
+            </a:r>
+            <a:r>
+              <a:rPr lang="en-US" altLang="zh-CN" dirty="0" smtClean="0"/>
+              <a:t>0.05</a:t>
+            </a:r>
+            <a:r>
+              <a:rPr lang="zh-CN" altLang="en-US" dirty="0" smtClean="0"/>
+              <a:t>水平上，总体平均值？</a:t>
+            </a:r>
+            <a:endParaRPr lang="en-US" altLang="zh-CN" dirty="0" smtClean="0"/>
+          </a:p>
+          <a:p>
+            <a:endParaRPr lang="zh-CN" altLang="en-US" dirty="0"/>
+          </a:p>
+        </p:txBody>
+      </p:sp>
+    </p:spTree>
+    <p:extLst>
+      <p:ext uri="{BB962C8B-B14F-4D97-AF65-F5344CB8AC3E}">
+        <p14:creationId xmlns:p14="http://schemas.microsoft.com/office/powerpoint/2010/main" val="1785758615"/>
+      </p:ext>
+    </p:extLst>
+  </p:cSld>
+  <p:clrMapOvr>
+    <a:masterClrMapping/>
+  </p:clrMapOvr>
 </p:sld>
 </file>
 

--- a/lect-2/lect-2.pptx
+++ b/lect-2/lect-2.pptx
@@ -5,7 +5,7 @@
     <p:sldMasterId id="2147483648" r:id="rId1"/>
   </p:sldMasterIdLst>
   <p:notesMasterIdLst>
-    <p:notesMasterId r:id="rId26"/>
+    <p:notesMasterId r:id="rId39"/>
   </p:notesMasterIdLst>
   <p:sldIdLst>
     <p:sldId id="256" r:id="rId2"/>
@@ -32,6 +32,19 @@
     <p:sldId id="312" r:id="rId23"/>
     <p:sldId id="314" r:id="rId24"/>
     <p:sldId id="313" r:id="rId25"/>
+    <p:sldId id="316" r:id="rId26"/>
+    <p:sldId id="323" r:id="rId27"/>
+    <p:sldId id="317" r:id="rId28"/>
+    <p:sldId id="318" r:id="rId29"/>
+    <p:sldId id="319" r:id="rId30"/>
+    <p:sldId id="321" r:id="rId31"/>
+    <p:sldId id="322" r:id="rId32"/>
+    <p:sldId id="320" r:id="rId33"/>
+    <p:sldId id="324" r:id="rId34"/>
+    <p:sldId id="325" r:id="rId35"/>
+    <p:sldId id="326" r:id="rId36"/>
+    <p:sldId id="328" r:id="rId37"/>
+    <p:sldId id="327" r:id="rId38"/>
   </p:sldIdLst>
   <p:sldSz cx="12192000" cy="6858000"/>
   <p:notesSz cx="6858000" cy="9144000"/>
@@ -6982,10 +6995,10 @@
               <a:t>95%</a:t>
             </a:r>
             <a:r>
-              <a:rPr lang="zh-CN" altLang="en-US" smtClean="0"/>
+              <a:rPr lang="zh-CN" altLang="en-US" dirty="0" smtClean="0"/>
               <a:t>的置信区间。</a:t>
             </a:r>
-            <a:endParaRPr lang="zh-CN" altLang="en-US"/>
+            <a:endParaRPr lang="zh-CN" altLang="en-US" dirty="0"/>
           </a:p>
         </p:txBody>
       </p:sp>
@@ -7142,6 +7155,967 @@
 </p:sld>
 </file>
 
+<file path=ppt/slides/slide25.xml><?xml version="1.0" encoding="utf-8"?>
+<p:sld xmlns:a="http://schemas.openxmlformats.org/drawingml/2006/main" xmlns:r="http://schemas.openxmlformats.org/officeDocument/2006/relationships" xmlns:p="http://schemas.openxmlformats.org/presentationml/2006/main">
+  <p:cSld>
+    <p:spTree>
+      <p:nvGrpSpPr>
+        <p:cNvPr id="1" name=""/>
+        <p:cNvGrpSpPr/>
+        <p:nvPr/>
+      </p:nvGrpSpPr>
+      <p:grpSpPr>
+        <a:xfrm>
+          <a:off x="0" y="0"/>
+          <a:ext cx="0" cy="0"/>
+          <a:chOff x="0" y="0"/>
+          <a:chExt cx="0" cy="0"/>
+        </a:xfrm>
+      </p:grpSpPr>
+      <p:sp>
+        <p:nvSpPr>
+          <p:cNvPr id="2" name="标题 1"/>
+          <p:cNvSpPr>
+            <a:spLocks noGrp="1"/>
+          </p:cNvSpPr>
+          <p:nvPr>
+            <p:ph type="title"/>
+          </p:nvPr>
+        </p:nvSpPr>
+        <p:spPr/>
+        <p:txBody>
+          <a:bodyPr/>
+          <a:lstStyle/>
+          <a:p>
+            <a:r>
+              <a:rPr lang="zh-CN" altLang="en-US" dirty="0" smtClean="0"/>
+              <a:t>总体标准差未知，用 </a:t>
+            </a:r>
+            <a:r>
+              <a:rPr lang="en-US" altLang="zh-CN" dirty="0" smtClean="0"/>
+              <a:t>s </a:t>
+            </a:r>
+            <a:r>
+              <a:rPr lang="zh-CN" altLang="en-US" dirty="0" smtClean="0"/>
+              <a:t>作为估计</a:t>
+            </a:r>
+            <a:endParaRPr lang="zh-CN" altLang="en-US" dirty="0"/>
+          </a:p>
+        </p:txBody>
+      </p:sp>
+      <p:sp>
+        <p:nvSpPr>
+          <p:cNvPr id="3" name="内容占位符 2"/>
+          <p:cNvSpPr>
+            <a:spLocks noGrp="1"/>
+          </p:cNvSpPr>
+          <p:nvPr>
+            <p:ph idx="1"/>
+          </p:nvPr>
+        </p:nvSpPr>
+        <p:spPr>
+          <a:xfrm>
+            <a:off x="1371600" y="2771774"/>
+            <a:ext cx="9601200" cy="3752851"/>
+          </a:xfrm>
+        </p:spPr>
+        <p:txBody>
+          <a:bodyPr>
+            <a:normAutofit/>
+          </a:bodyPr>
+          <a:lstStyle/>
+          <a:p>
+            <a:r>
+              <a:rPr lang="zh-CN" altLang="en-US" dirty="0" smtClean="0"/>
+              <a:t>均值分布的标准差因此就是</a:t>
+            </a:r>
+            <a:endParaRPr lang="en-US" altLang="zh-CN" dirty="0" smtClean="0"/>
+          </a:p>
+          <a:p>
+            <a:endParaRPr lang="en-US" altLang="zh-CN" dirty="0"/>
+          </a:p>
+          <a:p>
+            <a:endParaRPr lang="en-US" altLang="zh-CN" dirty="0" smtClean="0"/>
+          </a:p>
+          <a:p>
+            <a:r>
+              <a:rPr lang="zh-CN" altLang="en-US" dirty="0" smtClean="0"/>
+              <a:t>但是这样一来均值分布不再符合正态分布，新的分布叫做</a:t>
+            </a:r>
+            <a:r>
+              <a:rPr lang="en-US" altLang="zh-CN" dirty="0" smtClean="0"/>
+              <a:t/>
+            </a:r>
+            <a:br>
+              <a:rPr lang="en-US" altLang="zh-CN" dirty="0" smtClean="0"/>
+            </a:br>
+            <a:r>
+              <a:rPr lang="en-US" altLang="zh-CN" b="1" u="sng" dirty="0" smtClean="0">
+                <a:solidFill>
+                  <a:srgbClr val="FF0000"/>
+                </a:solidFill>
+              </a:rPr>
+              <a:t>t</a:t>
+            </a:r>
+            <a:r>
+              <a:rPr lang="zh-CN" altLang="en-US" b="1" u="sng" dirty="0" smtClean="0">
+                <a:solidFill>
+                  <a:srgbClr val="FF0000"/>
+                </a:solidFill>
+              </a:rPr>
+              <a:t>分布</a:t>
+            </a:r>
+            <a:endParaRPr lang="zh-CN" altLang="en-US" b="1" u="sng" dirty="0">
+              <a:solidFill>
+                <a:srgbClr val="FF0000"/>
+              </a:solidFill>
+            </a:endParaRPr>
+          </a:p>
+        </p:txBody>
+      </p:sp>
+      <p:pic>
+        <p:nvPicPr>
+          <p:cNvPr id="4" name="图片 3"/>
+          <p:cNvPicPr>
+            <a:picLocks noChangeAspect="1"/>
+          </p:cNvPicPr>
+          <p:nvPr/>
+        </p:nvPicPr>
+        <p:blipFill>
+          <a:blip r:embed="rId2"/>
+          <a:stretch>
+            <a:fillRect/>
+          </a:stretch>
+        </p:blipFill>
+        <p:spPr>
+          <a:xfrm>
+            <a:off x="4972050" y="1700014"/>
+            <a:ext cx="2400300" cy="933450"/>
+          </a:xfrm>
+          <a:prstGeom prst="rect">
+            <a:avLst/>
+          </a:prstGeom>
+        </p:spPr>
+      </p:pic>
+      <p:pic>
+        <p:nvPicPr>
+          <p:cNvPr id="5" name="图片 4"/>
+          <p:cNvPicPr>
+            <a:picLocks noChangeAspect="1"/>
+          </p:cNvPicPr>
+          <p:nvPr/>
+        </p:nvPicPr>
+        <p:blipFill>
+          <a:blip r:embed="rId3"/>
+          <a:stretch>
+            <a:fillRect/>
+          </a:stretch>
+        </p:blipFill>
+        <p:spPr>
+          <a:xfrm>
+            <a:off x="4229100" y="3429000"/>
+            <a:ext cx="3886200" cy="1104900"/>
+          </a:xfrm>
+          <a:prstGeom prst="rect">
+            <a:avLst/>
+          </a:prstGeom>
+        </p:spPr>
+      </p:pic>
+      <p:pic>
+        <p:nvPicPr>
+          <p:cNvPr id="6" name="图片 5"/>
+          <p:cNvPicPr>
+            <a:picLocks noChangeAspect="1"/>
+          </p:cNvPicPr>
+          <p:nvPr/>
+        </p:nvPicPr>
+        <p:blipFill>
+          <a:blip r:embed="rId4"/>
+          <a:stretch>
+            <a:fillRect/>
+          </a:stretch>
+        </p:blipFill>
+        <p:spPr>
+          <a:xfrm>
+            <a:off x="5324475" y="5710435"/>
+            <a:ext cx="1695450" cy="952500"/>
+          </a:xfrm>
+          <a:prstGeom prst="rect">
+            <a:avLst/>
+          </a:prstGeom>
+        </p:spPr>
+      </p:pic>
+    </p:spTree>
+    <p:extLst>
+      <p:ext uri="{BB962C8B-B14F-4D97-AF65-F5344CB8AC3E}">
+        <p14:creationId xmlns:p14="http://schemas.microsoft.com/office/powerpoint/2010/main" val="860597523"/>
+      </p:ext>
+    </p:extLst>
+  </p:cSld>
+  <p:clrMapOvr>
+    <a:masterClrMapping/>
+  </p:clrMapOvr>
+</p:sld>
+</file>
+
+<file path=ppt/slides/slide26.xml><?xml version="1.0" encoding="utf-8"?>
+<p:sld xmlns:a="http://schemas.openxmlformats.org/drawingml/2006/main" xmlns:r="http://schemas.openxmlformats.org/officeDocument/2006/relationships" xmlns:p="http://schemas.openxmlformats.org/presentationml/2006/main">
+  <p:cSld>
+    <p:spTree>
+      <p:nvGrpSpPr>
+        <p:cNvPr id="1" name=""/>
+        <p:cNvGrpSpPr/>
+        <p:nvPr/>
+      </p:nvGrpSpPr>
+      <p:grpSpPr>
+        <a:xfrm>
+          <a:off x="0" y="0"/>
+          <a:ext cx="0" cy="0"/>
+          <a:chOff x="0" y="0"/>
+          <a:chExt cx="0" cy="0"/>
+        </a:xfrm>
+      </p:grpSpPr>
+      <p:sp>
+        <p:nvSpPr>
+          <p:cNvPr id="4" name="标题 3"/>
+          <p:cNvSpPr>
+            <a:spLocks noGrp="1"/>
+          </p:cNvSpPr>
+          <p:nvPr>
+            <p:ph type="title"/>
+          </p:nvPr>
+        </p:nvSpPr>
+        <p:spPr/>
+        <p:txBody>
+          <a:bodyPr/>
+          <a:lstStyle/>
+          <a:p>
+            <a:r>
+              <a:rPr lang="en-US" altLang="zh-CN" dirty="0" smtClean="0"/>
+              <a:t>4. T</a:t>
+            </a:r>
+            <a:r>
+              <a:rPr lang="zh-CN" altLang="en-US" dirty="0" smtClean="0"/>
+              <a:t>检验</a:t>
+            </a:r>
+            <a:endParaRPr lang="zh-CN" altLang="en-US" dirty="0"/>
+          </a:p>
+        </p:txBody>
+      </p:sp>
+      <p:sp>
+        <p:nvSpPr>
+          <p:cNvPr id="5" name="文本占位符 4"/>
+          <p:cNvSpPr>
+            <a:spLocks noGrp="1"/>
+          </p:cNvSpPr>
+          <p:nvPr>
+            <p:ph type="body" idx="1"/>
+          </p:nvPr>
+        </p:nvSpPr>
+        <p:spPr/>
+        <p:txBody>
+          <a:bodyPr/>
+          <a:lstStyle/>
+          <a:p>
+            <a:endParaRPr lang="zh-CN" altLang="en-US"/>
+          </a:p>
+        </p:txBody>
+      </p:sp>
+    </p:spTree>
+    <p:extLst>
+      <p:ext uri="{BB962C8B-B14F-4D97-AF65-F5344CB8AC3E}">
+        <p14:creationId xmlns:p14="http://schemas.microsoft.com/office/powerpoint/2010/main" val="4187069849"/>
+      </p:ext>
+    </p:extLst>
+  </p:cSld>
+  <p:clrMapOvr>
+    <a:masterClrMapping/>
+  </p:clrMapOvr>
+</p:sld>
+</file>
+
+<file path=ppt/slides/slide27.xml><?xml version="1.0" encoding="utf-8"?>
+<p:sld xmlns:a="http://schemas.openxmlformats.org/drawingml/2006/main" xmlns:r="http://schemas.openxmlformats.org/officeDocument/2006/relationships" xmlns:p="http://schemas.openxmlformats.org/presentationml/2006/main">
+  <p:cSld>
+    <p:spTree>
+      <p:nvGrpSpPr>
+        <p:cNvPr id="1" name=""/>
+        <p:cNvGrpSpPr/>
+        <p:nvPr/>
+      </p:nvGrpSpPr>
+      <p:grpSpPr>
+        <a:xfrm>
+          <a:off x="0" y="0"/>
+          <a:ext cx="0" cy="0"/>
+          <a:chOff x="0" y="0"/>
+          <a:chExt cx="0" cy="0"/>
+        </a:xfrm>
+      </p:grpSpPr>
+      <p:sp>
+        <p:nvSpPr>
+          <p:cNvPr id="2" name="标题 1"/>
+          <p:cNvSpPr>
+            <a:spLocks noGrp="1"/>
+          </p:cNvSpPr>
+          <p:nvPr>
+            <p:ph type="title"/>
+          </p:nvPr>
+        </p:nvSpPr>
+        <p:spPr/>
+        <p:txBody>
+          <a:bodyPr/>
+          <a:lstStyle/>
+          <a:p>
+            <a:r>
+              <a:rPr lang="zh-CN" altLang="en-US" dirty="0" smtClean="0"/>
+              <a:t>单样本</a:t>
+            </a:r>
+            <a:r>
+              <a:rPr lang="en-US" altLang="zh-CN" dirty="0" smtClean="0"/>
+              <a:t>T</a:t>
+            </a:r>
+            <a:r>
+              <a:rPr lang="zh-CN" altLang="en-US" dirty="0" smtClean="0"/>
+              <a:t>检验的步骤</a:t>
+            </a:r>
+            <a:endParaRPr lang="zh-CN" altLang="en-US" dirty="0"/>
+          </a:p>
+        </p:txBody>
+      </p:sp>
+      <p:sp>
+        <p:nvSpPr>
+          <p:cNvPr id="3" name="内容占位符 2"/>
+          <p:cNvSpPr>
+            <a:spLocks noGrp="1"/>
+          </p:cNvSpPr>
+          <p:nvPr>
+            <p:ph idx="1"/>
+          </p:nvPr>
+        </p:nvSpPr>
+        <p:spPr>
+          <a:xfrm>
+            <a:off x="1371600" y="1731085"/>
+            <a:ext cx="9601200" cy="4926889"/>
+          </a:xfrm>
+        </p:spPr>
+        <p:txBody>
+          <a:bodyPr>
+            <a:normAutofit/>
+          </a:bodyPr>
+          <a:lstStyle/>
+          <a:p>
+            <a:r>
+              <a:rPr lang="zh-CN" altLang="en-US" dirty="0"/>
+              <a:t>零假设：样本抽取自总体</a:t>
+            </a:r>
+            <a:r>
+              <a:rPr lang="en-US" altLang="zh-CN" dirty="0"/>
+              <a:t>P</a:t>
+            </a:r>
+            <a:r>
+              <a:rPr lang="zh-CN" altLang="en-US" dirty="0"/>
+              <a:t>，其平均值为</a:t>
+            </a:r>
+            <a:r>
+              <a:rPr lang="en-US" altLang="zh-CN" dirty="0" smtClean="0"/>
+              <a:t>μ</a:t>
+            </a:r>
+            <a:endParaRPr lang="en-US" altLang="zh-CN" dirty="0"/>
+          </a:p>
+          <a:p>
+            <a:r>
+              <a:rPr lang="zh-CN" altLang="en-US" dirty="0"/>
+              <a:t>备择假设：样本不来自总体</a:t>
+            </a:r>
+            <a:r>
+              <a:rPr lang="en-US" altLang="zh-CN" dirty="0" smtClean="0"/>
+              <a:t>P</a:t>
+            </a:r>
+          </a:p>
+          <a:p>
+            <a:r>
+              <a:rPr lang="en-US" altLang="zh-CN" dirty="0" smtClean="0"/>
+              <a:t>1. </a:t>
+            </a:r>
+            <a:r>
+              <a:rPr lang="zh-CN" altLang="en-US" dirty="0" smtClean="0"/>
+              <a:t>计算自由度</a:t>
+            </a:r>
+            <a:endParaRPr lang="en-US" altLang="zh-CN" dirty="0" smtClean="0"/>
+          </a:p>
+          <a:p>
+            <a:r>
+              <a:rPr lang="en-US" altLang="zh-CN" dirty="0" smtClean="0"/>
+              <a:t>2.</a:t>
+            </a:r>
+            <a:r>
+              <a:rPr lang="zh-CN" altLang="en-US" dirty="0" smtClean="0"/>
+              <a:t>总体标准差的估计，平均值分布的标准误</a:t>
+            </a:r>
+            <a:endParaRPr lang="en-US" altLang="zh-CN" dirty="0" smtClean="0"/>
+          </a:p>
+          <a:p>
+            <a:r>
+              <a:rPr lang="en-US" altLang="zh-CN" dirty="0" smtClean="0"/>
+              <a:t>3.</a:t>
+            </a:r>
+            <a:r>
+              <a:rPr lang="zh-CN" altLang="en-US" dirty="0" smtClean="0"/>
+              <a:t>计算检验水平下的</a:t>
+            </a:r>
+            <a:r>
+              <a:rPr lang="en-US" altLang="zh-CN" dirty="0" smtClean="0"/>
+              <a:t>t</a:t>
+            </a:r>
+            <a:r>
+              <a:rPr lang="zh-CN" altLang="en-US" dirty="0" smtClean="0"/>
+              <a:t>临界值</a:t>
+            </a:r>
+            <a:endParaRPr lang="en-US" altLang="zh-CN" dirty="0" smtClean="0"/>
+          </a:p>
+          <a:p>
+            <a:r>
+              <a:rPr lang="en-US" altLang="zh-CN" dirty="0" smtClean="0"/>
+              <a:t>4.</a:t>
+            </a:r>
+            <a:r>
+              <a:rPr lang="zh-CN" altLang="en-US" dirty="0" smtClean="0"/>
+              <a:t>利用零假设的平均值作为</a:t>
+            </a:r>
+            <a:r>
+              <a:rPr lang="zh-CN" altLang="zh-CN" dirty="0" smtClean="0">
+                <a:solidFill>
+                  <a:srgbClr val="000000"/>
+                </a:solidFill>
+                <a:latin typeface="Arial" panose="020B0604020202020204" pitchFamily="34" charset="0"/>
+                <a:ea typeface="STIXMathJax_Main-italic"/>
+              </a:rPr>
+              <a:t>μ</a:t>
+            </a:r>
+            <a:r>
+              <a:rPr lang="zh-CN" altLang="en-US" dirty="0" smtClean="0">
+                <a:solidFill>
+                  <a:srgbClr val="000000"/>
+                </a:solidFill>
+                <a:latin typeface="Arial" panose="020B0604020202020204" pitchFamily="34" charset="0"/>
+                <a:ea typeface="STIXMathJax_Main-italic"/>
+              </a:rPr>
+              <a:t>，计算</a:t>
+            </a:r>
+            <a:r>
+              <a:rPr lang="en-US" altLang="zh-CN" dirty="0" smtClean="0">
+                <a:solidFill>
+                  <a:srgbClr val="000000"/>
+                </a:solidFill>
+                <a:latin typeface="Arial" panose="020B0604020202020204" pitchFamily="34" charset="0"/>
+                <a:ea typeface="STIXMathJax_Main-italic"/>
+              </a:rPr>
+              <a:t>t</a:t>
+            </a:r>
+            <a:r>
+              <a:rPr lang="zh-CN" altLang="en-US" dirty="0" smtClean="0">
+                <a:solidFill>
+                  <a:srgbClr val="000000"/>
+                </a:solidFill>
+                <a:latin typeface="Arial" panose="020B0604020202020204" pitchFamily="34" charset="0"/>
+                <a:ea typeface="STIXMathJax_Main-italic"/>
+              </a:rPr>
+              <a:t>值，与临界值</a:t>
+            </a:r>
+            <a:r>
+              <a:rPr lang="en-US" altLang="zh-CN" dirty="0" smtClean="0">
+                <a:solidFill>
+                  <a:srgbClr val="000000"/>
+                </a:solidFill>
+                <a:latin typeface="Arial" panose="020B0604020202020204" pitchFamily="34" charset="0"/>
+                <a:ea typeface="STIXMathJax_Main-italic"/>
+              </a:rPr>
+              <a:t>t</a:t>
+            </a:r>
+            <a:r>
+              <a:rPr lang="zh-CN" altLang="en-US" dirty="0" smtClean="0">
+                <a:solidFill>
+                  <a:srgbClr val="000000"/>
+                </a:solidFill>
+                <a:latin typeface="Arial" panose="020B0604020202020204" pitchFamily="34" charset="0"/>
+                <a:ea typeface="STIXMathJax_Main-italic"/>
+              </a:rPr>
+              <a:t>比较</a:t>
+            </a:r>
+            <a:endParaRPr lang="en-US" altLang="zh-CN" dirty="0"/>
+          </a:p>
+          <a:p>
+            <a:endParaRPr lang="zh-CN" altLang="en-US" dirty="0"/>
+          </a:p>
+        </p:txBody>
+      </p:sp>
+    </p:spTree>
+    <p:extLst>
+      <p:ext uri="{BB962C8B-B14F-4D97-AF65-F5344CB8AC3E}">
+        <p14:creationId xmlns:p14="http://schemas.microsoft.com/office/powerpoint/2010/main" val="1533005813"/>
+      </p:ext>
+    </p:extLst>
+  </p:cSld>
+  <p:clrMapOvr>
+    <a:masterClrMapping/>
+  </p:clrMapOvr>
+  <p:timing>
+    <p:tnLst>
+      <p:par>
+        <p:cTn id="1" dur="indefinite" restart="never" nodeType="tmRoot"/>
+      </p:par>
+    </p:tnLst>
+  </p:timing>
+</p:sld>
+</file>
+
+<file path=ppt/slides/slide28.xml><?xml version="1.0" encoding="utf-8"?>
+<p:sld xmlns:a="http://schemas.openxmlformats.org/drawingml/2006/main" xmlns:r="http://schemas.openxmlformats.org/officeDocument/2006/relationships" xmlns:p="http://schemas.openxmlformats.org/presentationml/2006/main">
+  <p:cSld>
+    <p:spTree>
+      <p:nvGrpSpPr>
+        <p:cNvPr id="1" name=""/>
+        <p:cNvGrpSpPr/>
+        <p:nvPr/>
+      </p:nvGrpSpPr>
+      <p:grpSpPr>
+        <a:xfrm>
+          <a:off x="0" y="0"/>
+          <a:ext cx="0" cy="0"/>
+          <a:chOff x="0" y="0"/>
+          <a:chExt cx="0" cy="0"/>
+        </a:xfrm>
+      </p:grpSpPr>
+      <p:sp>
+        <p:nvSpPr>
+          <p:cNvPr id="2" name="标题 1"/>
+          <p:cNvSpPr>
+            <a:spLocks noGrp="1"/>
+          </p:cNvSpPr>
+          <p:nvPr>
+            <p:ph type="title"/>
+          </p:nvPr>
+        </p:nvSpPr>
+        <p:spPr/>
+        <p:txBody>
+          <a:bodyPr/>
+          <a:lstStyle/>
+          <a:p>
+            <a:r>
+              <a:rPr lang="zh-CN" altLang="en-US" dirty="0" smtClean="0"/>
+              <a:t>练习题</a:t>
+            </a:r>
+            <a:endParaRPr lang="zh-CN" altLang="en-US" dirty="0"/>
+          </a:p>
+        </p:txBody>
+      </p:sp>
+      <p:sp>
+        <p:nvSpPr>
+          <p:cNvPr id="3" name="内容占位符 2"/>
+          <p:cNvSpPr>
+            <a:spLocks noGrp="1"/>
+          </p:cNvSpPr>
+          <p:nvPr>
+            <p:ph idx="1"/>
+          </p:nvPr>
+        </p:nvSpPr>
+        <p:spPr/>
+        <p:txBody>
+          <a:bodyPr/>
+          <a:lstStyle/>
+          <a:p>
+            <a:r>
+              <a:rPr lang="zh-CN" altLang="en-US" dirty="0"/>
+              <a:t>已知某区人群平均体重为</a:t>
+            </a:r>
+            <a:r>
+              <a:rPr lang="en-US" altLang="zh-CN" dirty="0"/>
+              <a:t>95kg</a:t>
+            </a:r>
+            <a:r>
+              <a:rPr lang="zh-CN" altLang="en-US" dirty="0"/>
+              <a:t>，现在从该区每天步数在</a:t>
+            </a:r>
+            <a:r>
+              <a:rPr lang="en-US" altLang="zh-CN" dirty="0"/>
+              <a:t>10000</a:t>
+            </a:r>
+            <a:r>
+              <a:rPr lang="zh-CN" altLang="en-US" dirty="0"/>
+              <a:t>步以上的人群中抽取</a:t>
+            </a:r>
+            <a:r>
+              <a:rPr lang="en-US" altLang="zh-CN" dirty="0"/>
+              <a:t>100</a:t>
+            </a:r>
+            <a:r>
+              <a:rPr lang="zh-CN" altLang="en-US" dirty="0"/>
+              <a:t>人测量体重，体重测量</a:t>
+            </a:r>
+            <a:r>
+              <a:rPr lang="zh-CN" altLang="en-US" dirty="0" smtClean="0"/>
+              <a:t>值见工作表“体重”</a:t>
+            </a:r>
+            <a:endParaRPr lang="en-US" altLang="zh-CN" dirty="0" smtClean="0"/>
+          </a:p>
+          <a:p>
+            <a:r>
+              <a:rPr lang="zh-CN" altLang="en-US" dirty="0" smtClean="0"/>
+              <a:t>请判断每天步数</a:t>
+            </a:r>
+            <a:r>
+              <a:rPr lang="en-US" altLang="zh-CN" dirty="0" smtClean="0"/>
+              <a:t>10000</a:t>
+            </a:r>
+            <a:r>
+              <a:rPr lang="zh-CN" altLang="en-US" dirty="0" smtClean="0"/>
+              <a:t>步以上的人群体重和该地区人群体重之间是否存在差异？（以</a:t>
+            </a:r>
+            <a:r>
+              <a:rPr lang="en-US" altLang="zh-CN" dirty="0" smtClean="0"/>
+              <a:t>p&lt;0.05</a:t>
+            </a:r>
+            <a:r>
+              <a:rPr lang="zh-CN" altLang="en-US" dirty="0" smtClean="0"/>
+              <a:t>作为有统计学差异）</a:t>
+            </a:r>
+            <a:endParaRPr lang="zh-CN" altLang="en-US" dirty="0"/>
+          </a:p>
+        </p:txBody>
+      </p:sp>
+    </p:spTree>
+    <p:extLst>
+      <p:ext uri="{BB962C8B-B14F-4D97-AF65-F5344CB8AC3E}">
+        <p14:creationId xmlns:p14="http://schemas.microsoft.com/office/powerpoint/2010/main" val="185801644"/>
+      </p:ext>
+    </p:extLst>
+  </p:cSld>
+  <p:clrMapOvr>
+    <a:masterClrMapping/>
+  </p:clrMapOvr>
+</p:sld>
+</file>
+
+<file path=ppt/slides/slide29.xml><?xml version="1.0" encoding="utf-8"?>
+<p:sld xmlns:a="http://schemas.openxmlformats.org/drawingml/2006/main" xmlns:r="http://schemas.openxmlformats.org/officeDocument/2006/relationships" xmlns:p="http://schemas.openxmlformats.org/presentationml/2006/main">
+  <p:cSld>
+    <p:spTree>
+      <p:nvGrpSpPr>
+        <p:cNvPr id="1" name=""/>
+        <p:cNvGrpSpPr/>
+        <p:nvPr/>
+      </p:nvGrpSpPr>
+      <p:grpSpPr>
+        <a:xfrm>
+          <a:off x="0" y="0"/>
+          <a:ext cx="0" cy="0"/>
+          <a:chOff x="0" y="0"/>
+          <a:chExt cx="0" cy="0"/>
+        </a:xfrm>
+      </p:grpSpPr>
+      <p:sp>
+        <p:nvSpPr>
+          <p:cNvPr id="2" name="标题 1"/>
+          <p:cNvSpPr>
+            <a:spLocks noGrp="1"/>
+          </p:cNvSpPr>
+          <p:nvPr>
+            <p:ph type="title"/>
+          </p:nvPr>
+        </p:nvSpPr>
+        <p:spPr/>
+        <p:txBody>
+          <a:bodyPr/>
+          <a:lstStyle/>
+          <a:p>
+            <a:r>
+              <a:rPr lang="zh-CN" altLang="en-US" dirty="0" smtClean="0"/>
+              <a:t>配对样本的</a:t>
+            </a:r>
+            <a:r>
+              <a:rPr lang="en-US" altLang="zh-CN" dirty="0" smtClean="0"/>
+              <a:t>T</a:t>
+            </a:r>
+            <a:r>
+              <a:rPr lang="zh-CN" altLang="en-US" dirty="0" smtClean="0"/>
+              <a:t>检验</a:t>
+            </a:r>
+            <a:endParaRPr lang="zh-CN" altLang="en-US" dirty="0"/>
+          </a:p>
+        </p:txBody>
+      </p:sp>
+      <mc:AlternateContent xmlns:mc="http://schemas.openxmlformats.org/markup-compatibility/2006">
+        <mc:Choice xmlns:a14="http://schemas.microsoft.com/office/drawing/2010/main" Requires="a14">
+          <p:sp>
+            <p:nvSpPr>
+              <p:cNvPr id="3" name="内容占位符 2"/>
+              <p:cNvSpPr>
+                <a:spLocks noGrp="1"/>
+              </p:cNvSpPr>
+              <p:nvPr>
+                <p:ph idx="1"/>
+              </p:nvPr>
+            </p:nvSpPr>
+            <p:spPr>
+              <a:xfrm>
+                <a:off x="1371600" y="1731085"/>
+                <a:ext cx="9601200" cy="4622089"/>
+              </a:xfrm>
+            </p:spPr>
+            <p:txBody>
+              <a:bodyPr>
+                <a:normAutofit/>
+              </a:bodyPr>
+              <a:lstStyle/>
+              <a:p>
+                <a:r>
+                  <a:rPr lang="zh-CN" altLang="en-US" dirty="0" smtClean="0"/>
+                  <a:t>常见于治疗前后的比较</a:t>
+                </a:r>
+                <a:endParaRPr lang="en-US" altLang="zh-CN" dirty="0" smtClean="0"/>
+              </a:p>
+              <a:p>
+                <a:r>
+                  <a:rPr lang="zh-CN" altLang="en-US" dirty="0" smtClean="0"/>
+                  <a:t>以治疗后数值记为</a:t>
+                </a:r>
+                <a:r>
+                  <a:rPr lang="en-US" altLang="zh-CN" dirty="0" err="1" smtClean="0"/>
+                  <a:t>x</a:t>
+                </a:r>
+                <a:r>
+                  <a:rPr lang="en-US" altLang="zh-CN" baseline="-25000" dirty="0" err="1" smtClean="0"/>
+                  <a:t>post</a:t>
+                </a:r>
+                <a:r>
+                  <a:rPr lang="en-US" altLang="zh-CN" dirty="0" smtClean="0"/>
+                  <a:t>,</a:t>
+                </a:r>
+                <a:r>
+                  <a:rPr lang="zh-CN" altLang="en-US" dirty="0" smtClean="0"/>
+                  <a:t>治疗前数值记为</a:t>
+                </a:r>
+                <a:r>
+                  <a:rPr lang="en-US" altLang="zh-CN" dirty="0" err="1" smtClean="0"/>
+                  <a:t>x</a:t>
+                </a:r>
+                <a:r>
+                  <a:rPr lang="en-US" altLang="zh-CN" baseline="-25000" dirty="0" err="1" smtClean="0"/>
+                  <a:t>pre</a:t>
+                </a:r>
+                <a:r>
+                  <a:rPr lang="en-US" altLang="zh-CN" dirty="0" smtClean="0"/>
+                  <a:t>, </a:t>
+                </a:r>
+                <a:r>
+                  <a:rPr lang="zh-CN" altLang="en-US" dirty="0" smtClean="0"/>
+                  <a:t>则有：</a:t>
+                </a:r>
+                <a:endParaRPr lang="en-US" altLang="zh-CN" dirty="0" smtClean="0"/>
+              </a:p>
+              <a:p>
+                <a14:m>
+                  <m:oMath xmlns:m="http://schemas.openxmlformats.org/officeDocument/2006/math">
+                    <m:r>
+                      <a:rPr lang="en-US" altLang="zh-CN" b="0" i="1" smtClean="0">
+                        <a:latin typeface="Cambria Math" panose="02040503050406030204" pitchFamily="18" charset="0"/>
+                      </a:rPr>
+                      <m:t>𝑑</m:t>
+                    </m:r>
+                    <m:r>
+                      <a:rPr lang="en-US" altLang="zh-CN" b="0" i="1" smtClean="0">
+                        <a:latin typeface="Cambria Math" panose="02040503050406030204" pitchFamily="18" charset="0"/>
+                      </a:rPr>
+                      <m:t>=</m:t>
+                    </m:r>
+                    <m:sSub>
+                      <m:sSubPr>
+                        <m:ctrlPr>
+                          <a:rPr lang="en-US" altLang="zh-CN" b="0" i="1" smtClean="0">
+                            <a:latin typeface="Cambria Math" panose="02040503050406030204" pitchFamily="18" charset="0"/>
+                          </a:rPr>
+                        </m:ctrlPr>
+                      </m:sSubPr>
+                      <m:e>
+                        <m:r>
+                          <a:rPr lang="en-US" altLang="zh-CN" b="0" i="1" smtClean="0">
+                            <a:latin typeface="Cambria Math" panose="02040503050406030204" pitchFamily="18" charset="0"/>
+                          </a:rPr>
+                          <m:t>𝑥</m:t>
+                        </m:r>
+                      </m:e>
+                      <m:sub>
+                        <m:r>
+                          <a:rPr lang="en-US" altLang="zh-CN" b="0" i="1" smtClean="0">
+                            <a:latin typeface="Cambria Math" panose="02040503050406030204" pitchFamily="18" charset="0"/>
+                          </a:rPr>
+                          <m:t>𝑝𝑜𝑠𝑡</m:t>
+                        </m:r>
+                      </m:sub>
+                    </m:sSub>
+                    <m:r>
+                      <a:rPr lang="en-US" altLang="zh-CN" b="0" i="1" smtClean="0">
+                        <a:latin typeface="Cambria Math" panose="02040503050406030204" pitchFamily="18" charset="0"/>
+                      </a:rPr>
+                      <m:t>−</m:t>
+                    </m:r>
+                    <m:sSub>
+                      <m:sSubPr>
+                        <m:ctrlPr>
+                          <a:rPr lang="en-US" altLang="zh-CN" b="0" i="1" smtClean="0">
+                            <a:latin typeface="Cambria Math" panose="02040503050406030204" pitchFamily="18" charset="0"/>
+                          </a:rPr>
+                        </m:ctrlPr>
+                      </m:sSubPr>
+                      <m:e>
+                        <m:r>
+                          <a:rPr lang="en-US" altLang="zh-CN" b="0" i="1" smtClean="0">
+                            <a:latin typeface="Cambria Math" panose="02040503050406030204" pitchFamily="18" charset="0"/>
+                          </a:rPr>
+                          <m:t>𝑥</m:t>
+                        </m:r>
+                      </m:e>
+                      <m:sub>
+                        <m:r>
+                          <a:rPr lang="en-US" altLang="zh-CN" b="0" i="1" smtClean="0">
+                            <a:latin typeface="Cambria Math" panose="02040503050406030204" pitchFamily="18" charset="0"/>
+                          </a:rPr>
+                          <m:t>𝑝𝑟𝑒</m:t>
+                        </m:r>
+                      </m:sub>
+                    </m:sSub>
+                  </m:oMath>
+                </a14:m>
+                <a:endParaRPr lang="en-US" altLang="zh-CN" dirty="0" smtClean="0"/>
+              </a:p>
+              <a:p>
+                <a:r>
+                  <a:rPr lang="zh-CN" altLang="en-US" dirty="0"/>
+                  <a:t>零假设</a:t>
+                </a:r>
+                <a:r>
+                  <a:rPr lang="zh-CN" altLang="en-US" dirty="0" smtClean="0"/>
+                  <a:t>：</a:t>
+                </a:r>
+                <a:r>
+                  <a:rPr lang="en-US" altLang="zh-CN" dirty="0" smtClean="0"/>
+                  <a:t>d</a:t>
+                </a:r>
+                <a:r>
+                  <a:rPr lang="zh-CN" altLang="en-US" dirty="0" smtClean="0"/>
+                  <a:t>来自自</a:t>
+                </a:r>
+                <a:r>
+                  <a:rPr lang="zh-CN" altLang="en-US" dirty="0"/>
+                  <a:t>总体</a:t>
+                </a:r>
+                <a:r>
+                  <a:rPr lang="en-US" altLang="zh-CN" dirty="0"/>
+                  <a:t>P</a:t>
+                </a:r>
+                <a:r>
+                  <a:rPr lang="zh-CN" altLang="en-US" dirty="0"/>
+                  <a:t>，其</a:t>
+                </a:r>
+                <a:r>
+                  <a:rPr lang="zh-CN" altLang="en-US" b="1" u="sng" dirty="0"/>
+                  <a:t>平均值</a:t>
+                </a:r>
+                <a:r>
+                  <a:rPr lang="zh-CN" altLang="en-US" b="1" u="sng" dirty="0" smtClean="0"/>
+                  <a:t>为</a:t>
+                </a:r>
+                <a:r>
+                  <a:rPr lang="en-US" altLang="zh-CN" b="1" u="sng" dirty="0" smtClean="0"/>
+                  <a:t>0</a:t>
+                </a:r>
+                <a:endParaRPr lang="en-US" altLang="zh-CN" b="1" u="sng" dirty="0"/>
+              </a:p>
+              <a:p>
+                <a:r>
+                  <a:rPr lang="zh-CN" altLang="en-US" dirty="0"/>
+                  <a:t>备择假设：样本不来自总体</a:t>
+                </a:r>
+                <a:r>
+                  <a:rPr lang="en-US" altLang="zh-CN" dirty="0" smtClean="0"/>
+                  <a:t>P</a:t>
+                </a:r>
+              </a:p>
+              <a:p>
+                <a:r>
+                  <a:rPr lang="zh-CN" altLang="en-US" dirty="0" smtClean="0"/>
+                  <a:t>这样就可以转化成单样本</a:t>
+                </a:r>
+                <a:r>
+                  <a:rPr lang="en-US" altLang="zh-CN" dirty="0" smtClean="0"/>
+                  <a:t>T</a:t>
+                </a:r>
+                <a:r>
+                  <a:rPr lang="zh-CN" altLang="en-US" dirty="0" smtClean="0"/>
+                  <a:t>检验了</a:t>
+                </a:r>
+                <a:endParaRPr lang="en-US" altLang="zh-CN" dirty="0"/>
+              </a:p>
+              <a:p>
+                <a:pPr marL="0" indent="0">
+                  <a:buNone/>
+                </a:pPr>
+                <a:endParaRPr lang="zh-CN" altLang="en-US" dirty="0"/>
+              </a:p>
+            </p:txBody>
+          </p:sp>
+        </mc:Choice>
+        <mc:Fallback>
+          <p:sp>
+            <p:nvSpPr>
+              <p:cNvPr id="3" name="内容占位符 2"/>
+              <p:cNvSpPr>
+                <a:spLocks noGrp="1" noRot="1" noChangeAspect="1" noMove="1" noResize="1" noEditPoints="1" noAdjustHandles="1" noChangeArrowheads="1" noChangeShapeType="1" noTextEdit="1"/>
+              </p:cNvSpPr>
+              <p:nvPr>
+                <p:ph idx="1"/>
+              </p:nvPr>
+            </p:nvSpPr>
+            <p:spPr>
+              <a:xfrm>
+                <a:off x="1371600" y="1731085"/>
+                <a:ext cx="9601200" cy="4622089"/>
+              </a:xfrm>
+              <a:blipFill rotWithShape="0">
+                <a:blip r:embed="rId2"/>
+                <a:stretch>
+                  <a:fillRect l="-1143" t="-528"/>
+                </a:stretch>
+              </a:blipFill>
+            </p:spPr>
+            <p:txBody>
+              <a:bodyPr/>
+              <a:lstStyle/>
+              <a:p>
+                <a:r>
+                  <a:rPr lang="zh-CN" altLang="en-US">
+                    <a:noFill/>
+                  </a:rPr>
+                  <a:t> </a:t>
+                </a:r>
+              </a:p>
+            </p:txBody>
+          </p:sp>
+        </mc:Fallback>
+      </mc:AlternateContent>
+    </p:spTree>
+    <p:extLst>
+      <p:ext uri="{BB962C8B-B14F-4D97-AF65-F5344CB8AC3E}">
+        <p14:creationId xmlns:p14="http://schemas.microsoft.com/office/powerpoint/2010/main" val="49251310"/>
+      </p:ext>
+    </p:extLst>
+  </p:cSld>
+  <p:clrMapOvr>
+    <a:masterClrMapping/>
+  </p:clrMapOvr>
+</p:sld>
+</file>
+
 <file path=ppt/slides/slide3.xml><?xml version="1.0" encoding="utf-8"?>
 <p:sld xmlns:a="http://schemas.openxmlformats.org/drawingml/2006/main" xmlns:r="http://schemas.openxmlformats.org/officeDocument/2006/relationships" xmlns:p="http://schemas.openxmlformats.org/presentationml/2006/main">
   <p:cSld>
@@ -7252,6 +8226,1440 @@
       </p:par>
     </p:tnLst>
   </p:timing>
+</p:sld>
+</file>
+
+<file path=ppt/slides/slide30.xml><?xml version="1.0" encoding="utf-8"?>
+<p:sld xmlns:a="http://schemas.openxmlformats.org/drawingml/2006/main" xmlns:r="http://schemas.openxmlformats.org/officeDocument/2006/relationships" xmlns:p="http://schemas.openxmlformats.org/presentationml/2006/main">
+  <p:cSld>
+    <p:spTree>
+      <p:nvGrpSpPr>
+        <p:cNvPr id="1" name=""/>
+        <p:cNvGrpSpPr/>
+        <p:nvPr/>
+      </p:nvGrpSpPr>
+      <p:grpSpPr>
+        <a:xfrm>
+          <a:off x="0" y="0"/>
+          <a:ext cx="0" cy="0"/>
+          <a:chOff x="0" y="0"/>
+          <a:chExt cx="0" cy="0"/>
+        </a:xfrm>
+      </p:grpSpPr>
+      <p:sp>
+        <p:nvSpPr>
+          <p:cNvPr id="2" name="标题 1"/>
+          <p:cNvSpPr>
+            <a:spLocks noGrp="1"/>
+          </p:cNvSpPr>
+          <p:nvPr>
+            <p:ph type="title"/>
+          </p:nvPr>
+        </p:nvSpPr>
+        <p:spPr/>
+        <p:txBody>
+          <a:bodyPr/>
+          <a:lstStyle/>
+          <a:p>
+            <a:r>
+              <a:rPr lang="zh-CN" altLang="en-US" dirty="0" smtClean="0"/>
+              <a:t>练习题</a:t>
+            </a:r>
+            <a:endParaRPr lang="zh-CN" altLang="en-US" dirty="0"/>
+          </a:p>
+        </p:txBody>
+      </p:sp>
+      <p:sp>
+        <p:nvSpPr>
+          <p:cNvPr id="3" name="内容占位符 2"/>
+          <p:cNvSpPr>
+            <a:spLocks noGrp="1"/>
+          </p:cNvSpPr>
+          <p:nvPr>
+            <p:ph idx="1"/>
+          </p:nvPr>
+        </p:nvSpPr>
+        <p:spPr/>
+        <p:txBody>
+          <a:bodyPr/>
+          <a:lstStyle/>
+          <a:p>
+            <a:r>
+              <a:rPr lang="zh-CN" altLang="en-US" dirty="0" smtClean="0"/>
+              <a:t>有一组病人，共</a:t>
+            </a:r>
+            <a:r>
+              <a:rPr lang="en-US" altLang="zh-CN" dirty="0" smtClean="0"/>
+              <a:t>16</a:t>
+            </a:r>
+            <a:r>
+              <a:rPr lang="zh-CN" altLang="en-US" dirty="0" smtClean="0"/>
+              <a:t>人，吃药治疗甘油三酯偏高。服药前与服药后的甘油三酯水平如工作表“甘油三酯”所示。请判断在</a:t>
+            </a:r>
+            <a:r>
+              <a:rPr lang="en-US" altLang="zh-CN" dirty="0" smtClean="0"/>
+              <a:t>0.01</a:t>
+            </a:r>
+            <a:r>
+              <a:rPr lang="zh-CN" altLang="en-US" dirty="0" smtClean="0"/>
+              <a:t>检验水平，能否认为该药有效？</a:t>
+            </a:r>
+            <a:endParaRPr lang="zh-CN" altLang="en-US" dirty="0"/>
+          </a:p>
+        </p:txBody>
+      </p:sp>
+    </p:spTree>
+    <p:extLst>
+      <p:ext uri="{BB962C8B-B14F-4D97-AF65-F5344CB8AC3E}">
+        <p14:creationId xmlns:p14="http://schemas.microsoft.com/office/powerpoint/2010/main" val="192041036"/>
+      </p:ext>
+    </p:extLst>
+  </p:cSld>
+  <p:clrMapOvr>
+    <a:masterClrMapping/>
+  </p:clrMapOvr>
+</p:sld>
+</file>
+
+<file path=ppt/slides/slide31.xml><?xml version="1.0" encoding="utf-8"?>
+<p:sld xmlns:a="http://schemas.openxmlformats.org/drawingml/2006/main" xmlns:r="http://schemas.openxmlformats.org/officeDocument/2006/relationships" xmlns:p="http://schemas.openxmlformats.org/presentationml/2006/main">
+  <p:cSld>
+    <p:spTree>
+      <p:nvGrpSpPr>
+        <p:cNvPr id="1" name=""/>
+        <p:cNvGrpSpPr/>
+        <p:nvPr/>
+      </p:nvGrpSpPr>
+      <p:grpSpPr>
+        <a:xfrm>
+          <a:off x="0" y="0"/>
+          <a:ext cx="0" cy="0"/>
+          <a:chOff x="0" y="0"/>
+          <a:chExt cx="0" cy="0"/>
+        </a:xfrm>
+      </p:grpSpPr>
+      <p:sp>
+        <p:nvSpPr>
+          <p:cNvPr id="2" name="标题 1"/>
+          <p:cNvSpPr>
+            <a:spLocks noGrp="1"/>
+          </p:cNvSpPr>
+          <p:nvPr>
+            <p:ph type="title"/>
+          </p:nvPr>
+        </p:nvSpPr>
+        <p:spPr/>
+        <p:txBody>
+          <a:bodyPr/>
+          <a:lstStyle/>
+          <a:p>
+            <a:r>
+              <a:rPr lang="zh-CN" altLang="en-US" dirty="0" smtClean="0"/>
+              <a:t>标准差的性质</a:t>
+            </a:r>
+            <a:endParaRPr lang="zh-CN" altLang="en-US" dirty="0"/>
+          </a:p>
+        </p:txBody>
+      </p:sp>
+      <p:sp>
+        <p:nvSpPr>
+          <p:cNvPr id="3" name="内容占位符 2"/>
+          <p:cNvSpPr>
+            <a:spLocks noGrp="1"/>
+          </p:cNvSpPr>
+          <p:nvPr>
+            <p:ph idx="1"/>
+          </p:nvPr>
+        </p:nvSpPr>
+        <p:spPr>
+          <a:xfrm>
+            <a:off x="1371600" y="4295775"/>
+            <a:ext cx="9601200" cy="828676"/>
+          </a:xfrm>
+        </p:spPr>
+        <p:txBody>
+          <a:bodyPr/>
+          <a:lstStyle/>
+          <a:p>
+            <a:r>
+              <a:rPr lang="zh-CN" altLang="en-US" dirty="0" smtClean="0"/>
+              <a:t>当</a:t>
+            </a:r>
+            <a:r>
+              <a:rPr lang="en-US" altLang="zh-CN" dirty="0" smtClean="0"/>
+              <a:t>x</a:t>
+            </a:r>
+            <a:r>
+              <a:rPr lang="zh-CN" altLang="en-US" dirty="0" smtClean="0"/>
+              <a:t>与</a:t>
+            </a:r>
+            <a:r>
+              <a:rPr lang="en-US" altLang="zh-CN" dirty="0" smtClean="0"/>
+              <a:t>y</a:t>
+            </a:r>
+            <a:r>
+              <a:rPr lang="zh-CN" altLang="en-US" dirty="0" smtClean="0"/>
+              <a:t>独立时，两者的协方差为</a:t>
+            </a:r>
+            <a:r>
+              <a:rPr lang="en-US" altLang="zh-CN" dirty="0" smtClean="0"/>
+              <a:t>0</a:t>
+            </a:r>
+            <a:endParaRPr lang="zh-CN" altLang="en-US" dirty="0"/>
+          </a:p>
+        </p:txBody>
+      </p:sp>
+      <p:pic>
+        <p:nvPicPr>
+          <p:cNvPr id="4" name="图片 3"/>
+          <p:cNvPicPr>
+            <a:picLocks noChangeAspect="1"/>
+          </p:cNvPicPr>
+          <p:nvPr/>
+        </p:nvPicPr>
+        <p:blipFill>
+          <a:blip r:embed="rId2"/>
+          <a:stretch>
+            <a:fillRect/>
+          </a:stretch>
+        </p:blipFill>
+        <p:spPr>
+          <a:xfrm>
+            <a:off x="1981200" y="2433637"/>
+            <a:ext cx="2571750" cy="1590675"/>
+          </a:xfrm>
+          <a:prstGeom prst="rect">
+            <a:avLst/>
+          </a:prstGeom>
+        </p:spPr>
+      </p:pic>
+      <p:pic>
+        <p:nvPicPr>
+          <p:cNvPr id="5" name="图片 4"/>
+          <p:cNvPicPr>
+            <a:picLocks noChangeAspect="1"/>
+          </p:cNvPicPr>
+          <p:nvPr/>
+        </p:nvPicPr>
+        <p:blipFill>
+          <a:blip r:embed="rId3"/>
+          <a:stretch>
+            <a:fillRect/>
+          </a:stretch>
+        </p:blipFill>
+        <p:spPr>
+          <a:xfrm>
+            <a:off x="4938712" y="2805111"/>
+            <a:ext cx="6257925" cy="847725"/>
+          </a:xfrm>
+          <a:prstGeom prst="rect">
+            <a:avLst/>
+          </a:prstGeom>
+        </p:spPr>
+      </p:pic>
+      <p:pic>
+        <p:nvPicPr>
+          <p:cNvPr id="7" name="图片 6"/>
+          <p:cNvPicPr>
+            <a:picLocks noChangeAspect="1"/>
+          </p:cNvPicPr>
+          <p:nvPr/>
+        </p:nvPicPr>
+        <p:blipFill>
+          <a:blip r:embed="rId4"/>
+          <a:stretch>
+            <a:fillRect/>
+          </a:stretch>
+        </p:blipFill>
+        <p:spPr>
+          <a:xfrm>
+            <a:off x="4552950" y="5124451"/>
+            <a:ext cx="2800350" cy="762000"/>
+          </a:xfrm>
+          <a:prstGeom prst="rect">
+            <a:avLst/>
+          </a:prstGeom>
+        </p:spPr>
+      </p:pic>
+    </p:spTree>
+    <p:extLst>
+      <p:ext uri="{BB962C8B-B14F-4D97-AF65-F5344CB8AC3E}">
+        <p14:creationId xmlns:p14="http://schemas.microsoft.com/office/powerpoint/2010/main" val="3679350076"/>
+      </p:ext>
+    </p:extLst>
+  </p:cSld>
+  <p:clrMapOvr>
+    <a:masterClrMapping/>
+  </p:clrMapOvr>
+</p:sld>
+</file>
+
+<file path=ppt/slides/slide32.xml><?xml version="1.0" encoding="utf-8"?>
+<p:sld xmlns:a="http://schemas.openxmlformats.org/drawingml/2006/main" xmlns:r="http://schemas.openxmlformats.org/officeDocument/2006/relationships" xmlns:p="http://schemas.openxmlformats.org/presentationml/2006/main">
+  <p:cSld>
+    <p:spTree>
+      <p:nvGrpSpPr>
+        <p:cNvPr id="1" name=""/>
+        <p:cNvGrpSpPr/>
+        <p:nvPr/>
+      </p:nvGrpSpPr>
+      <p:grpSpPr>
+        <a:xfrm>
+          <a:off x="0" y="0"/>
+          <a:ext cx="0" cy="0"/>
+          <a:chOff x="0" y="0"/>
+          <a:chExt cx="0" cy="0"/>
+        </a:xfrm>
+      </p:grpSpPr>
+      <p:sp>
+        <p:nvSpPr>
+          <p:cNvPr id="2" name="标题 1"/>
+          <p:cNvSpPr>
+            <a:spLocks noGrp="1"/>
+          </p:cNvSpPr>
+          <p:nvPr>
+            <p:ph type="title"/>
+          </p:nvPr>
+        </p:nvSpPr>
+        <p:spPr/>
+        <p:txBody>
+          <a:bodyPr/>
+          <a:lstStyle/>
+          <a:p>
+            <a:r>
+              <a:rPr lang="zh-CN" altLang="en-US" dirty="0" smtClean="0"/>
+              <a:t>独立样本</a:t>
+            </a:r>
+            <a:r>
+              <a:rPr lang="en-US" altLang="zh-CN" dirty="0" smtClean="0"/>
+              <a:t>T</a:t>
+            </a:r>
+            <a:r>
+              <a:rPr lang="zh-CN" altLang="en-US" dirty="0" smtClean="0"/>
+              <a:t>检验</a:t>
+            </a:r>
+            <a:endParaRPr lang="zh-CN" altLang="en-US" dirty="0"/>
+          </a:p>
+        </p:txBody>
+      </p:sp>
+      <p:sp>
+        <p:nvSpPr>
+          <p:cNvPr id="3" name="内容占位符 2"/>
+          <p:cNvSpPr>
+            <a:spLocks noGrp="1"/>
+          </p:cNvSpPr>
+          <p:nvPr>
+            <p:ph idx="1"/>
+          </p:nvPr>
+        </p:nvSpPr>
+        <p:spPr>
+          <a:xfrm>
+            <a:off x="1371600" y="2971800"/>
+            <a:ext cx="9601200" cy="2340686"/>
+          </a:xfrm>
+        </p:spPr>
+        <p:txBody>
+          <a:bodyPr/>
+          <a:lstStyle/>
+          <a:p>
+            <a:r>
+              <a:rPr lang="zh-CN" altLang="en-US" dirty="0"/>
+              <a:t>随机</a:t>
+            </a:r>
+            <a:r>
+              <a:rPr lang="zh-CN" altLang="en-US" dirty="0" smtClean="0"/>
+              <a:t>对照实验，患者随机分配给</a:t>
+            </a:r>
+            <a:r>
+              <a:rPr lang="zh-CN" altLang="en-US" dirty="0"/>
+              <a:t>治疗</a:t>
+            </a:r>
+            <a:r>
+              <a:rPr lang="zh-CN" altLang="en-US" dirty="0" smtClean="0"/>
+              <a:t>组（</a:t>
+            </a:r>
+            <a:r>
+              <a:rPr lang="en-US" altLang="zh-CN" dirty="0" smtClean="0"/>
+              <a:t>N1</a:t>
+            </a:r>
+            <a:r>
+              <a:rPr lang="zh-CN" altLang="en-US" dirty="0" smtClean="0"/>
+              <a:t>人）和对照组（</a:t>
+            </a:r>
+            <a:r>
+              <a:rPr lang="en-US" altLang="zh-CN" dirty="0" smtClean="0"/>
+              <a:t>N2</a:t>
+            </a:r>
+            <a:r>
+              <a:rPr lang="zh-CN" altLang="en-US" dirty="0" smtClean="0"/>
+              <a:t>人），治疗后检测血压收缩压如工作表“血压”所示，评价治疗组合对照组在</a:t>
+            </a:r>
+            <a:r>
+              <a:rPr lang="en-US" altLang="zh-CN" dirty="0" smtClean="0"/>
+              <a:t>0.01</a:t>
+            </a:r>
+            <a:r>
+              <a:rPr lang="zh-CN" altLang="en-US" dirty="0" smtClean="0"/>
+              <a:t>检测水平下是否有统计学差异。</a:t>
+            </a:r>
+            <a:endParaRPr lang="zh-CN" altLang="en-US" dirty="0"/>
+          </a:p>
+        </p:txBody>
+      </p:sp>
+      <p:pic>
+        <p:nvPicPr>
+          <p:cNvPr id="4" name="图片 3"/>
+          <p:cNvPicPr>
+            <a:picLocks noChangeAspect="1"/>
+          </p:cNvPicPr>
+          <p:nvPr/>
+        </p:nvPicPr>
+        <p:blipFill>
+          <a:blip r:embed="rId2"/>
+          <a:stretch>
+            <a:fillRect/>
+          </a:stretch>
+        </p:blipFill>
+        <p:spPr>
+          <a:xfrm>
+            <a:off x="1825766" y="1700014"/>
+            <a:ext cx="8692867" cy="1205111"/>
+          </a:xfrm>
+          <a:prstGeom prst="rect">
+            <a:avLst/>
+          </a:prstGeom>
+        </p:spPr>
+      </p:pic>
+    </p:spTree>
+    <p:extLst>
+      <p:ext uri="{BB962C8B-B14F-4D97-AF65-F5344CB8AC3E}">
+        <p14:creationId xmlns:p14="http://schemas.microsoft.com/office/powerpoint/2010/main" val="644239342"/>
+      </p:ext>
+    </p:extLst>
+  </p:cSld>
+  <p:clrMapOvr>
+    <a:masterClrMapping/>
+  </p:clrMapOvr>
+</p:sld>
+</file>
+
+<file path=ppt/slides/slide33.xml><?xml version="1.0" encoding="utf-8"?>
+<p:sld xmlns:a="http://schemas.openxmlformats.org/drawingml/2006/main" xmlns:r="http://schemas.openxmlformats.org/officeDocument/2006/relationships" xmlns:p="http://schemas.openxmlformats.org/presentationml/2006/main">
+  <p:cSld>
+    <p:spTree>
+      <p:nvGrpSpPr>
+        <p:cNvPr id="1" name=""/>
+        <p:cNvGrpSpPr/>
+        <p:nvPr/>
+      </p:nvGrpSpPr>
+      <p:grpSpPr>
+        <a:xfrm>
+          <a:off x="0" y="0"/>
+          <a:ext cx="0" cy="0"/>
+          <a:chOff x="0" y="0"/>
+          <a:chExt cx="0" cy="0"/>
+        </a:xfrm>
+      </p:grpSpPr>
+      <p:sp>
+        <p:nvSpPr>
+          <p:cNvPr id="2" name="标题 1"/>
+          <p:cNvSpPr>
+            <a:spLocks noGrp="1"/>
+          </p:cNvSpPr>
+          <p:nvPr>
+            <p:ph type="title"/>
+          </p:nvPr>
+        </p:nvSpPr>
+        <p:spPr/>
+        <p:txBody>
+          <a:bodyPr/>
+          <a:lstStyle/>
+          <a:p>
+            <a:r>
+              <a:rPr lang="zh-CN" altLang="en-US" dirty="0" smtClean="0"/>
+              <a:t>简化情况：等方差假设</a:t>
+            </a:r>
+            <a:endParaRPr lang="zh-CN" altLang="en-US" dirty="0"/>
+          </a:p>
+        </p:txBody>
+      </p:sp>
+      <p:sp>
+        <p:nvSpPr>
+          <p:cNvPr id="3" name="内容占位符 2"/>
+          <p:cNvSpPr>
+            <a:spLocks noGrp="1"/>
+          </p:cNvSpPr>
+          <p:nvPr>
+            <p:ph idx="1"/>
+          </p:nvPr>
+        </p:nvSpPr>
+        <p:spPr>
+          <a:xfrm>
+            <a:off x="1371600" y="1152526"/>
+            <a:ext cx="9601200" cy="4159960"/>
+          </a:xfrm>
+        </p:spPr>
+        <p:txBody>
+          <a:bodyPr/>
+          <a:lstStyle/>
+          <a:p>
+            <a:r>
+              <a:rPr lang="zh-CN" altLang="en-US" dirty="0" smtClean="0"/>
+              <a:t>治疗组</a:t>
+            </a:r>
+            <a:r>
+              <a:rPr lang="en-US" altLang="zh-CN" dirty="0" smtClean="0"/>
+              <a:t>(</a:t>
+            </a:r>
+            <a:r>
+              <a:rPr lang="en-US" altLang="zh-CN" dirty="0" err="1" smtClean="0"/>
+              <a:t>x</a:t>
+            </a:r>
+            <a:r>
+              <a:rPr lang="en-US" altLang="zh-CN" baseline="-25000" dirty="0" err="1" smtClean="0"/>
+              <a:t>a</a:t>
+            </a:r>
+            <a:r>
+              <a:rPr lang="en-US" altLang="zh-CN" dirty="0" smtClean="0"/>
+              <a:t>)</a:t>
+            </a:r>
+            <a:r>
+              <a:rPr lang="zh-CN" altLang="en-US" dirty="0" smtClean="0"/>
+              <a:t>和对照组</a:t>
+            </a:r>
+            <a:r>
+              <a:rPr lang="en-US" altLang="zh-CN" dirty="0" smtClean="0"/>
+              <a:t>(</a:t>
+            </a:r>
+            <a:r>
+              <a:rPr lang="en-US" altLang="zh-CN" dirty="0" err="1" smtClean="0"/>
+              <a:t>x</a:t>
+            </a:r>
+            <a:r>
+              <a:rPr lang="en-US" altLang="zh-CN" baseline="-25000" dirty="0" err="1" smtClean="0"/>
+              <a:t>b</a:t>
+            </a:r>
+            <a:r>
+              <a:rPr lang="zh-CN" altLang="en-US" dirty="0" smtClean="0"/>
+              <a:t>）是独立的两个样本，所以协方差为</a:t>
+            </a:r>
+            <a:r>
+              <a:rPr lang="en-US" altLang="zh-CN" dirty="0" smtClean="0"/>
+              <a:t>0,</a:t>
+            </a:r>
+            <a:r>
+              <a:rPr lang="en-US" altLang="zh-CN" dirty="0"/>
+              <a:t> </a:t>
+            </a:r>
+            <a:r>
+              <a:rPr lang="en-US" altLang="zh-CN" dirty="0" err="1" smtClean="0"/>
+              <a:t>x</a:t>
+            </a:r>
+            <a:r>
+              <a:rPr lang="en-US" altLang="zh-CN" baseline="-25000" dirty="0" err="1" smtClean="0"/>
+              <a:t>a</a:t>
+            </a:r>
+            <a:r>
+              <a:rPr lang="en-US" altLang="zh-CN" dirty="0"/>
+              <a:t> </a:t>
+            </a:r>
+            <a:r>
+              <a:rPr lang="en-US" altLang="zh-CN" dirty="0" smtClean="0"/>
+              <a:t>-</a:t>
+            </a:r>
+            <a:r>
+              <a:rPr lang="en-US" altLang="zh-CN" dirty="0" err="1" smtClean="0"/>
+              <a:t>x</a:t>
+            </a:r>
+            <a:r>
+              <a:rPr lang="en-US" altLang="zh-CN" baseline="-25000" dirty="0" err="1" smtClean="0"/>
+              <a:t>b</a:t>
+            </a:r>
+            <a:r>
+              <a:rPr lang="en-US" altLang="zh-CN" baseline="-25000" dirty="0" smtClean="0"/>
+              <a:t> </a:t>
+            </a:r>
+            <a:r>
+              <a:rPr lang="zh-CN" altLang="en-US" dirty="0" smtClean="0"/>
+              <a:t>的方差是：</a:t>
+            </a:r>
+            <a:endParaRPr lang="en-US" altLang="zh-CN" dirty="0" smtClean="0"/>
+          </a:p>
+          <a:p>
+            <a:endParaRPr lang="en-US" altLang="zh-CN" dirty="0"/>
+          </a:p>
+          <a:p>
+            <a:endParaRPr lang="en-US" altLang="zh-CN" dirty="0" smtClean="0"/>
+          </a:p>
+          <a:p>
+            <a:r>
+              <a:rPr lang="zh-CN" altLang="en-US" dirty="0" smtClean="0"/>
+              <a:t>当</a:t>
+            </a:r>
+            <a:r>
+              <a:rPr lang="zh-CN" altLang="zh-CN" dirty="0" smtClean="0">
+                <a:solidFill>
+                  <a:srgbClr val="000000"/>
+                </a:solidFill>
+                <a:latin typeface="Arial" panose="020B0604020202020204" pitchFamily="34" charset="0"/>
+                <a:ea typeface="STIXMathJax_Main-italic"/>
+              </a:rPr>
+              <a:t>σ</a:t>
+            </a:r>
+            <a:r>
+              <a:rPr lang="zh-CN" altLang="en-US" dirty="0" smtClean="0">
+                <a:solidFill>
+                  <a:srgbClr val="000000"/>
+                </a:solidFill>
+                <a:latin typeface="Arial" panose="020B0604020202020204" pitchFamily="34" charset="0"/>
+                <a:ea typeface="STIXMathJax_Main-italic"/>
+              </a:rPr>
+              <a:t>未知的时候需要用</a:t>
+            </a:r>
+            <a:r>
+              <a:rPr lang="en-US" altLang="zh-CN" dirty="0" smtClean="0">
+                <a:solidFill>
+                  <a:srgbClr val="000000"/>
+                </a:solidFill>
+                <a:latin typeface="Arial" panose="020B0604020202020204" pitchFamily="34" charset="0"/>
+                <a:ea typeface="STIXMathJax_Main-italic"/>
+              </a:rPr>
+              <a:t>s</a:t>
+            </a:r>
+            <a:r>
+              <a:rPr lang="zh-CN" altLang="en-US" dirty="0" smtClean="0">
+                <a:solidFill>
+                  <a:srgbClr val="000000"/>
+                </a:solidFill>
+                <a:latin typeface="Arial" panose="020B0604020202020204" pitchFamily="34" charset="0"/>
+                <a:ea typeface="STIXMathJax_Main-italic"/>
+              </a:rPr>
+              <a:t>去估算</a:t>
+            </a:r>
+            <a:endParaRPr lang="zh-CN" altLang="en-US" dirty="0"/>
+          </a:p>
+        </p:txBody>
+      </p:sp>
+      <p:pic>
+        <p:nvPicPr>
+          <p:cNvPr id="4" name="图片 3"/>
+          <p:cNvPicPr>
+            <a:picLocks noChangeAspect="1"/>
+          </p:cNvPicPr>
+          <p:nvPr/>
+        </p:nvPicPr>
+        <p:blipFill>
+          <a:blip r:embed="rId2"/>
+          <a:stretch>
+            <a:fillRect/>
+          </a:stretch>
+        </p:blipFill>
+        <p:spPr>
+          <a:xfrm>
+            <a:off x="4438650" y="2420399"/>
+            <a:ext cx="3314700" cy="1038225"/>
+          </a:xfrm>
+          <a:prstGeom prst="rect">
+            <a:avLst/>
+          </a:prstGeom>
+        </p:spPr>
+      </p:pic>
+      <p:pic>
+        <p:nvPicPr>
+          <p:cNvPr id="8" name="图片 7"/>
+          <p:cNvPicPr>
+            <a:picLocks noChangeAspect="1"/>
+          </p:cNvPicPr>
+          <p:nvPr/>
+        </p:nvPicPr>
+        <p:blipFill>
+          <a:blip r:embed="rId3"/>
+          <a:stretch>
+            <a:fillRect/>
+          </a:stretch>
+        </p:blipFill>
+        <p:spPr>
+          <a:xfrm>
+            <a:off x="4895850" y="4490839"/>
+            <a:ext cx="2400300" cy="933450"/>
+          </a:xfrm>
+          <a:prstGeom prst="rect">
+            <a:avLst/>
+          </a:prstGeom>
+        </p:spPr>
+      </p:pic>
+    </p:spTree>
+    <p:extLst>
+      <p:ext uri="{BB962C8B-B14F-4D97-AF65-F5344CB8AC3E}">
+        <p14:creationId xmlns:p14="http://schemas.microsoft.com/office/powerpoint/2010/main" val="2787953450"/>
+      </p:ext>
+    </p:extLst>
+  </p:cSld>
+  <p:clrMapOvr>
+    <a:masterClrMapping/>
+  </p:clrMapOvr>
+  <p:timing>
+    <p:tnLst>
+      <p:par>
+        <p:cTn id="1" dur="indefinite" restart="never" nodeType="tmRoot"/>
+      </p:par>
+    </p:tnLst>
+  </p:timing>
+</p:sld>
+</file>
+
+<file path=ppt/slides/slide34.xml><?xml version="1.0" encoding="utf-8"?>
+<p:sld xmlns:a="http://schemas.openxmlformats.org/drawingml/2006/main" xmlns:r="http://schemas.openxmlformats.org/officeDocument/2006/relationships" xmlns:p="http://schemas.openxmlformats.org/presentationml/2006/main">
+  <p:cSld>
+    <p:spTree>
+      <p:nvGrpSpPr>
+        <p:cNvPr id="1" name=""/>
+        <p:cNvGrpSpPr/>
+        <p:nvPr/>
+      </p:nvGrpSpPr>
+      <p:grpSpPr>
+        <a:xfrm>
+          <a:off x="0" y="0"/>
+          <a:ext cx="0" cy="0"/>
+          <a:chOff x="0" y="0"/>
+          <a:chExt cx="0" cy="0"/>
+        </a:xfrm>
+      </p:grpSpPr>
+      <p:sp>
+        <p:nvSpPr>
+          <p:cNvPr id="2" name="标题 1"/>
+          <p:cNvSpPr>
+            <a:spLocks noGrp="1"/>
+          </p:cNvSpPr>
+          <p:nvPr>
+            <p:ph type="title"/>
+          </p:nvPr>
+        </p:nvSpPr>
+        <p:spPr/>
+        <p:txBody>
+          <a:bodyPr/>
+          <a:lstStyle/>
+          <a:p>
+            <a:r>
+              <a:rPr lang="zh-CN" altLang="en-US" dirty="0" smtClean="0"/>
+              <a:t>简化情况：等方差假设</a:t>
+            </a:r>
+            <a:endParaRPr lang="zh-CN" altLang="en-US" dirty="0"/>
+          </a:p>
+        </p:txBody>
+      </p:sp>
+      <p:sp>
+        <p:nvSpPr>
+          <p:cNvPr id="3" name="内容占位符 2"/>
+          <p:cNvSpPr>
+            <a:spLocks noGrp="1"/>
+          </p:cNvSpPr>
+          <p:nvPr>
+            <p:ph idx="1"/>
+          </p:nvPr>
+        </p:nvSpPr>
+        <p:spPr>
+          <a:xfrm>
+            <a:off x="1371600" y="1152526"/>
+            <a:ext cx="9601200" cy="4159960"/>
+          </a:xfrm>
+        </p:spPr>
+        <p:txBody>
+          <a:bodyPr/>
+          <a:lstStyle/>
+          <a:p>
+            <a:endParaRPr lang="en-US" altLang="zh-CN" dirty="0" smtClean="0"/>
+          </a:p>
+          <a:p>
+            <a:r>
+              <a:rPr lang="zh-CN" altLang="en-US" dirty="0" smtClean="0"/>
+              <a:t>但是现在有两组，不适合用这个公式。我们可以只选用一组，但是能不能两组都用上呢？</a:t>
+            </a:r>
+            <a:endParaRPr lang="en-US" altLang="zh-CN" dirty="0" smtClean="0"/>
+          </a:p>
+          <a:p>
+            <a:endParaRPr lang="en-US" altLang="zh-CN" dirty="0"/>
+          </a:p>
+          <a:p>
+            <a:endParaRPr lang="en-US" altLang="zh-CN" dirty="0" smtClean="0"/>
+          </a:p>
+          <a:p>
+            <a:r>
+              <a:rPr lang="zh-CN" altLang="en-US" dirty="0" smtClean="0"/>
+              <a:t>也就是对两组按照</a:t>
+            </a:r>
+            <a:r>
+              <a:rPr lang="zh-CN" altLang="en-US" b="1" u="sng" dirty="0" smtClean="0">
+                <a:solidFill>
+                  <a:srgbClr val="FF0000"/>
+                </a:solidFill>
+              </a:rPr>
+              <a:t>自由度</a:t>
+            </a:r>
+            <a:r>
+              <a:rPr lang="zh-CN" altLang="en-US" dirty="0" smtClean="0"/>
+              <a:t>进行</a:t>
+            </a:r>
+            <a:r>
+              <a:rPr lang="zh-CN" altLang="en-US" b="1" u="sng" dirty="0" smtClean="0"/>
+              <a:t>加权平均</a:t>
+            </a:r>
+            <a:endParaRPr lang="en-US" altLang="zh-CN" b="1" u="sng" dirty="0" smtClean="0"/>
+          </a:p>
+          <a:p>
+            <a:endParaRPr lang="zh-CN" altLang="en-US" dirty="0"/>
+          </a:p>
+        </p:txBody>
+      </p:sp>
+      <p:pic>
+        <p:nvPicPr>
+          <p:cNvPr id="8" name="图片 7"/>
+          <p:cNvPicPr>
+            <a:picLocks noChangeAspect="1"/>
+          </p:cNvPicPr>
+          <p:nvPr/>
+        </p:nvPicPr>
+        <p:blipFill>
+          <a:blip r:embed="rId2"/>
+          <a:stretch>
+            <a:fillRect/>
+          </a:stretch>
+        </p:blipFill>
+        <p:spPr>
+          <a:xfrm>
+            <a:off x="5057775" y="947539"/>
+            <a:ext cx="2400300" cy="933450"/>
+          </a:xfrm>
+          <a:prstGeom prst="rect">
+            <a:avLst/>
+          </a:prstGeom>
+        </p:spPr>
+      </p:pic>
+      <p:pic>
+        <p:nvPicPr>
+          <p:cNvPr id="5" name="图片 4"/>
+          <p:cNvPicPr>
+            <a:picLocks noChangeAspect="1"/>
+          </p:cNvPicPr>
+          <p:nvPr/>
+        </p:nvPicPr>
+        <p:blipFill>
+          <a:blip r:embed="rId3"/>
+          <a:stretch>
+            <a:fillRect/>
+          </a:stretch>
+        </p:blipFill>
+        <p:spPr>
+          <a:xfrm>
+            <a:off x="4014787" y="2991900"/>
+            <a:ext cx="4486275" cy="1209675"/>
+          </a:xfrm>
+          <a:prstGeom prst="rect">
+            <a:avLst/>
+          </a:prstGeom>
+        </p:spPr>
+      </p:pic>
+      <p:pic>
+        <p:nvPicPr>
+          <p:cNvPr id="7" name="图片 6"/>
+          <p:cNvPicPr>
+            <a:picLocks noChangeAspect="1"/>
+          </p:cNvPicPr>
+          <p:nvPr/>
+        </p:nvPicPr>
+        <p:blipFill>
+          <a:blip r:embed="rId4"/>
+          <a:stretch>
+            <a:fillRect/>
+          </a:stretch>
+        </p:blipFill>
+        <p:spPr>
+          <a:xfrm>
+            <a:off x="4681537" y="5158329"/>
+            <a:ext cx="7439025" cy="1419225"/>
+          </a:xfrm>
+          <a:prstGeom prst="rect">
+            <a:avLst/>
+          </a:prstGeom>
+        </p:spPr>
+      </p:pic>
+      <p:pic>
+        <p:nvPicPr>
+          <p:cNvPr id="9" name="图片 8"/>
+          <p:cNvPicPr>
+            <a:picLocks noChangeAspect="1"/>
+          </p:cNvPicPr>
+          <p:nvPr/>
+        </p:nvPicPr>
+        <p:blipFill>
+          <a:blip r:embed="rId5"/>
+          <a:stretch>
+            <a:fillRect/>
+          </a:stretch>
+        </p:blipFill>
+        <p:spPr>
+          <a:xfrm>
+            <a:off x="1123950" y="5385172"/>
+            <a:ext cx="3314700" cy="1038225"/>
+          </a:xfrm>
+          <a:prstGeom prst="rect">
+            <a:avLst/>
+          </a:prstGeom>
+        </p:spPr>
+      </p:pic>
+    </p:spTree>
+    <p:extLst>
+      <p:ext uri="{BB962C8B-B14F-4D97-AF65-F5344CB8AC3E}">
+        <p14:creationId xmlns:p14="http://schemas.microsoft.com/office/powerpoint/2010/main" val="2385864924"/>
+      </p:ext>
+    </p:extLst>
+  </p:cSld>
+  <p:clrMapOvr>
+    <a:masterClrMapping/>
+  </p:clrMapOvr>
+  <p:timing>
+    <p:tnLst>
+      <p:par>
+        <p:cTn id="1" dur="indefinite" restart="never" nodeType="tmRoot"/>
+      </p:par>
+    </p:tnLst>
+  </p:timing>
+</p:sld>
+</file>
+
+<file path=ppt/slides/slide35.xml><?xml version="1.0" encoding="utf-8"?>
+<p:sld xmlns:a="http://schemas.openxmlformats.org/drawingml/2006/main" xmlns:r="http://schemas.openxmlformats.org/officeDocument/2006/relationships" xmlns:p="http://schemas.openxmlformats.org/presentationml/2006/main">
+  <p:cSld>
+    <p:spTree>
+      <p:nvGrpSpPr>
+        <p:cNvPr id="1" name=""/>
+        <p:cNvGrpSpPr/>
+        <p:nvPr/>
+      </p:nvGrpSpPr>
+      <p:grpSpPr>
+        <a:xfrm>
+          <a:off x="0" y="0"/>
+          <a:ext cx="0" cy="0"/>
+          <a:chOff x="0" y="0"/>
+          <a:chExt cx="0" cy="0"/>
+        </a:xfrm>
+      </p:grpSpPr>
+      <p:sp>
+        <p:nvSpPr>
+          <p:cNvPr id="2" name="标题 1"/>
+          <p:cNvSpPr>
+            <a:spLocks noGrp="1"/>
+          </p:cNvSpPr>
+          <p:nvPr>
+            <p:ph type="title"/>
+          </p:nvPr>
+        </p:nvSpPr>
+        <p:spPr/>
+        <p:txBody>
+          <a:bodyPr/>
+          <a:lstStyle/>
+          <a:p>
+            <a:r>
+              <a:rPr lang="zh-CN" altLang="en-US" dirty="0" smtClean="0"/>
+              <a:t>计算</a:t>
+            </a:r>
+            <a:r>
+              <a:rPr lang="en-US" altLang="zh-CN" dirty="0" smtClean="0"/>
+              <a:t>t</a:t>
+            </a:r>
+            <a:r>
+              <a:rPr lang="zh-CN" altLang="en-US" dirty="0" smtClean="0"/>
+              <a:t>值，进行比较</a:t>
+            </a:r>
+            <a:endParaRPr lang="zh-CN" altLang="en-US" dirty="0"/>
+          </a:p>
+        </p:txBody>
+      </p:sp>
+      <p:sp>
+        <p:nvSpPr>
+          <p:cNvPr id="3" name="内容占位符 2"/>
+          <p:cNvSpPr>
+            <a:spLocks noGrp="1"/>
+          </p:cNvSpPr>
+          <p:nvPr>
+            <p:ph idx="1"/>
+          </p:nvPr>
+        </p:nvSpPr>
+        <p:spPr/>
+        <p:txBody>
+          <a:bodyPr/>
+          <a:lstStyle/>
+          <a:p>
+            <a:endParaRPr lang="zh-CN" altLang="en-US" dirty="0"/>
+          </a:p>
+        </p:txBody>
+      </p:sp>
+      <p:pic>
+        <p:nvPicPr>
+          <p:cNvPr id="4" name="图片 3"/>
+          <p:cNvPicPr>
+            <a:picLocks noChangeAspect="1"/>
+          </p:cNvPicPr>
+          <p:nvPr/>
+        </p:nvPicPr>
+        <p:blipFill>
+          <a:blip r:embed="rId2"/>
+          <a:stretch>
+            <a:fillRect/>
+          </a:stretch>
+        </p:blipFill>
+        <p:spPr>
+          <a:xfrm>
+            <a:off x="5110162" y="2435936"/>
+            <a:ext cx="1971675" cy="1085850"/>
+          </a:xfrm>
+          <a:prstGeom prst="rect">
+            <a:avLst/>
+          </a:prstGeom>
+        </p:spPr>
+      </p:pic>
+      <p:pic>
+        <p:nvPicPr>
+          <p:cNvPr id="5" name="图片 4"/>
+          <p:cNvPicPr>
+            <a:picLocks noChangeAspect="1"/>
+          </p:cNvPicPr>
+          <p:nvPr/>
+        </p:nvPicPr>
+        <p:blipFill>
+          <a:blip r:embed="rId3"/>
+          <a:stretch>
+            <a:fillRect/>
+          </a:stretch>
+        </p:blipFill>
+        <p:spPr>
+          <a:xfrm>
+            <a:off x="1825766" y="4066811"/>
+            <a:ext cx="8692867" cy="1205111"/>
+          </a:xfrm>
+          <a:prstGeom prst="rect">
+            <a:avLst/>
+          </a:prstGeom>
+        </p:spPr>
+      </p:pic>
+    </p:spTree>
+    <p:extLst>
+      <p:ext uri="{BB962C8B-B14F-4D97-AF65-F5344CB8AC3E}">
+        <p14:creationId xmlns:p14="http://schemas.microsoft.com/office/powerpoint/2010/main" val="4016030713"/>
+      </p:ext>
+    </p:extLst>
+  </p:cSld>
+  <p:clrMapOvr>
+    <a:masterClrMapping/>
+  </p:clrMapOvr>
+</p:sld>
+</file>
+
+<file path=ppt/slides/slide36.xml><?xml version="1.0" encoding="utf-8"?>
+<p:sld xmlns:a="http://schemas.openxmlformats.org/drawingml/2006/main" xmlns:r="http://schemas.openxmlformats.org/officeDocument/2006/relationships" xmlns:p="http://schemas.openxmlformats.org/presentationml/2006/main">
+  <p:cSld>
+    <p:spTree>
+      <p:nvGrpSpPr>
+        <p:cNvPr id="1" name=""/>
+        <p:cNvGrpSpPr/>
+        <p:nvPr/>
+      </p:nvGrpSpPr>
+      <p:grpSpPr>
+        <a:xfrm>
+          <a:off x="0" y="0"/>
+          <a:ext cx="0" cy="0"/>
+          <a:chOff x="0" y="0"/>
+          <a:chExt cx="0" cy="0"/>
+        </a:xfrm>
+      </p:grpSpPr>
+      <p:sp>
+        <p:nvSpPr>
+          <p:cNvPr id="2" name="标题 1"/>
+          <p:cNvSpPr>
+            <a:spLocks noGrp="1"/>
+          </p:cNvSpPr>
+          <p:nvPr>
+            <p:ph type="title"/>
+          </p:nvPr>
+        </p:nvSpPr>
+        <p:spPr/>
+        <p:txBody>
+          <a:bodyPr/>
+          <a:lstStyle/>
+          <a:p>
+            <a:r>
+              <a:rPr lang="zh-CN" altLang="en-US" dirty="0" smtClean="0"/>
+              <a:t>自由度计算</a:t>
+            </a:r>
+            <a:endParaRPr lang="zh-CN" altLang="en-US" dirty="0"/>
+          </a:p>
+        </p:txBody>
+      </p:sp>
+      <p:sp>
+        <p:nvSpPr>
+          <p:cNvPr id="3" name="内容占位符 2"/>
+          <p:cNvSpPr>
+            <a:spLocks noGrp="1"/>
+          </p:cNvSpPr>
+          <p:nvPr>
+            <p:ph idx="1"/>
+          </p:nvPr>
+        </p:nvSpPr>
+        <p:spPr/>
+        <p:txBody>
+          <a:bodyPr/>
+          <a:lstStyle/>
+          <a:p>
+            <a:r>
+              <a:rPr lang="zh-CN" altLang="en-US" dirty="0" smtClean="0"/>
+              <a:t>单样本</a:t>
+            </a:r>
+            <a:r>
+              <a:rPr lang="en-US" altLang="zh-CN" dirty="0" smtClean="0"/>
+              <a:t>T</a:t>
+            </a:r>
+            <a:r>
+              <a:rPr lang="zh-CN" altLang="en-US" dirty="0" smtClean="0"/>
+              <a:t>检验（样本量为</a:t>
+            </a:r>
+            <a:r>
+              <a:rPr lang="en-US" altLang="zh-CN" dirty="0" smtClean="0"/>
+              <a:t>N</a:t>
+            </a:r>
+            <a:r>
+              <a:rPr lang="zh-CN" altLang="en-US" dirty="0" smtClean="0"/>
+              <a:t>）：</a:t>
+            </a:r>
+            <a:r>
+              <a:rPr lang="en-US" altLang="zh-CN" dirty="0" smtClean="0"/>
+              <a:t>N-1</a:t>
+            </a:r>
+          </a:p>
+          <a:p>
+            <a:r>
+              <a:rPr lang="zh-CN" altLang="en-US" dirty="0"/>
+              <a:t>配对</a:t>
+            </a:r>
+            <a:r>
+              <a:rPr lang="zh-CN" altLang="en-US" dirty="0" smtClean="0"/>
+              <a:t>样本</a:t>
+            </a:r>
+            <a:r>
+              <a:rPr lang="en-US" altLang="zh-CN" dirty="0" smtClean="0"/>
+              <a:t>T</a:t>
+            </a:r>
+            <a:r>
+              <a:rPr lang="zh-CN" altLang="en-US" dirty="0" smtClean="0"/>
+              <a:t>检验（两组样本量均为</a:t>
+            </a:r>
+            <a:r>
+              <a:rPr lang="en-US" altLang="zh-CN" dirty="0" smtClean="0"/>
+              <a:t>N</a:t>
+            </a:r>
+            <a:r>
+              <a:rPr lang="zh-CN" altLang="en-US" dirty="0" smtClean="0"/>
+              <a:t>）：</a:t>
+            </a:r>
+            <a:r>
+              <a:rPr lang="en-US" altLang="zh-CN" dirty="0" smtClean="0"/>
+              <a:t>N-1</a:t>
+            </a:r>
+          </a:p>
+          <a:p>
+            <a:r>
+              <a:rPr lang="zh-CN" altLang="en-US" dirty="0" smtClean="0"/>
+              <a:t>独立样本</a:t>
+            </a:r>
+            <a:r>
+              <a:rPr lang="en-US" altLang="zh-CN" dirty="0" smtClean="0"/>
+              <a:t>T</a:t>
+            </a:r>
+            <a:r>
+              <a:rPr lang="zh-CN" altLang="en-US" dirty="0" smtClean="0"/>
+              <a:t>检验（</a:t>
+            </a:r>
+            <a:r>
+              <a:rPr lang="en-US" altLang="zh-CN" dirty="0" smtClean="0"/>
+              <a:t>a</a:t>
+            </a:r>
+            <a:r>
+              <a:rPr lang="zh-CN" altLang="en-US" dirty="0" smtClean="0"/>
+              <a:t>组样本量</a:t>
+            </a:r>
+            <a:r>
+              <a:rPr lang="en-US" altLang="zh-CN" dirty="0" smtClean="0"/>
+              <a:t>N1</a:t>
+            </a:r>
+            <a:r>
+              <a:rPr lang="zh-CN" altLang="en-US" dirty="0" smtClean="0"/>
+              <a:t>，</a:t>
+            </a:r>
+            <a:r>
+              <a:rPr lang="en-US" altLang="zh-CN" dirty="0" smtClean="0"/>
+              <a:t>b</a:t>
+            </a:r>
+            <a:r>
+              <a:rPr lang="zh-CN" altLang="en-US" dirty="0" smtClean="0"/>
+              <a:t>组样本量</a:t>
+            </a:r>
+            <a:r>
+              <a:rPr lang="en-US" altLang="zh-CN" dirty="0" smtClean="0"/>
+              <a:t>N2</a:t>
+            </a:r>
+            <a:r>
+              <a:rPr lang="zh-CN" altLang="en-US" dirty="0" smtClean="0"/>
+              <a:t>）：</a:t>
+            </a:r>
+            <a:r>
+              <a:rPr lang="en-US" altLang="zh-CN" dirty="0" smtClean="0"/>
+              <a:t/>
+            </a:r>
+            <a:br>
+              <a:rPr lang="en-US" altLang="zh-CN" dirty="0" smtClean="0"/>
+            </a:br>
+            <a:r>
+              <a:rPr lang="en-US" altLang="zh-CN" dirty="0" smtClean="0"/>
+              <a:t>N1+N2-2</a:t>
+            </a:r>
+            <a:endParaRPr lang="zh-CN" altLang="en-US" dirty="0"/>
+          </a:p>
+        </p:txBody>
+      </p:sp>
+    </p:spTree>
+    <p:extLst>
+      <p:ext uri="{BB962C8B-B14F-4D97-AF65-F5344CB8AC3E}">
+        <p14:creationId xmlns:p14="http://schemas.microsoft.com/office/powerpoint/2010/main" val="1946231784"/>
+      </p:ext>
+    </p:extLst>
+  </p:cSld>
+  <p:clrMapOvr>
+    <a:masterClrMapping/>
+  </p:clrMapOvr>
+</p:sld>
+</file>
+
+<file path=ppt/slides/slide37.xml><?xml version="1.0" encoding="utf-8"?>
+<p:sld xmlns:a="http://schemas.openxmlformats.org/drawingml/2006/main" xmlns:r="http://schemas.openxmlformats.org/officeDocument/2006/relationships" xmlns:p="http://schemas.openxmlformats.org/presentationml/2006/main">
+  <p:cSld>
+    <p:spTree>
+      <p:nvGrpSpPr>
+        <p:cNvPr id="1" name=""/>
+        <p:cNvGrpSpPr/>
+        <p:nvPr/>
+      </p:nvGrpSpPr>
+      <p:grpSpPr>
+        <a:xfrm>
+          <a:off x="0" y="0"/>
+          <a:ext cx="0" cy="0"/>
+          <a:chOff x="0" y="0"/>
+          <a:chExt cx="0" cy="0"/>
+        </a:xfrm>
+      </p:grpSpPr>
+      <p:sp>
+        <p:nvSpPr>
+          <p:cNvPr id="2" name="标题 1"/>
+          <p:cNvSpPr>
+            <a:spLocks noGrp="1"/>
+          </p:cNvSpPr>
+          <p:nvPr>
+            <p:ph type="title"/>
+          </p:nvPr>
+        </p:nvSpPr>
+        <p:spPr/>
+        <p:txBody>
+          <a:bodyPr/>
+          <a:lstStyle/>
+          <a:p>
+            <a:r>
+              <a:rPr lang="zh-CN" altLang="en-US" dirty="0" smtClean="0"/>
+              <a:t>作业题</a:t>
+            </a:r>
+            <a:r>
+              <a:rPr lang="en-US" altLang="zh-CN" dirty="0" smtClean="0"/>
+              <a:t>.3</a:t>
+            </a:r>
+            <a:endParaRPr lang="zh-CN" altLang="en-US" dirty="0"/>
+          </a:p>
+        </p:txBody>
+      </p:sp>
+      <p:sp>
+        <p:nvSpPr>
+          <p:cNvPr id="3" name="内容占位符 2"/>
+          <p:cNvSpPr>
+            <a:spLocks noGrp="1"/>
+          </p:cNvSpPr>
+          <p:nvPr>
+            <p:ph idx="1"/>
+          </p:nvPr>
+        </p:nvSpPr>
+        <p:spPr>
+          <a:xfrm>
+            <a:off x="1371600" y="1731086"/>
+            <a:ext cx="9601200" cy="2431339"/>
+          </a:xfrm>
+        </p:spPr>
+        <p:txBody>
+          <a:bodyPr/>
+          <a:lstStyle/>
+          <a:p>
+            <a:r>
+              <a:rPr lang="zh-CN" altLang="en-US" dirty="0"/>
+              <a:t>随机对照实验，患者随机分配</a:t>
+            </a:r>
+            <a:r>
+              <a:rPr lang="zh-CN" altLang="en-US" dirty="0" smtClean="0"/>
+              <a:t>给</a:t>
+            </a:r>
+            <a:r>
+              <a:rPr lang="zh-CN" altLang="en-US" dirty="0"/>
+              <a:t>治疗组</a:t>
+            </a:r>
+            <a:r>
+              <a:rPr lang="zh-CN" altLang="en-US" dirty="0" smtClean="0"/>
+              <a:t>（</a:t>
+            </a:r>
+            <a:r>
+              <a:rPr lang="en-US" altLang="zh-CN" dirty="0" smtClean="0"/>
+              <a:t>group=0</a:t>
+            </a:r>
+            <a:r>
+              <a:rPr lang="zh-CN" altLang="en-US" dirty="0" smtClean="0"/>
+              <a:t>，</a:t>
+            </a:r>
+            <a:r>
+              <a:rPr lang="en-US" altLang="zh-CN" dirty="0" smtClean="0"/>
+              <a:t>15</a:t>
+            </a:r>
+            <a:r>
+              <a:rPr lang="zh-CN" altLang="en-US" dirty="0" smtClean="0"/>
+              <a:t>人）和对照组（</a:t>
+            </a:r>
+            <a:r>
+              <a:rPr lang="en-US" altLang="zh-CN" dirty="0" smtClean="0"/>
+              <a:t>group=1,13</a:t>
+            </a:r>
+            <a:r>
+              <a:rPr lang="zh-CN" altLang="en-US" dirty="0" smtClean="0"/>
+              <a:t>人），</a:t>
+            </a:r>
+            <a:r>
+              <a:rPr lang="zh-CN" altLang="en-US" dirty="0"/>
+              <a:t>治疗后</a:t>
+            </a:r>
+            <a:r>
+              <a:rPr lang="zh-CN" altLang="en-US" dirty="0" smtClean="0"/>
+              <a:t>检测血</a:t>
+            </a:r>
+            <a:r>
+              <a:rPr lang="en-US" altLang="zh-CN" dirty="0" smtClean="0"/>
+              <a:t>CEA</a:t>
+            </a:r>
+            <a:r>
+              <a:rPr lang="zh-CN" altLang="en-US" dirty="0" smtClean="0"/>
+              <a:t>水平如工作表“</a:t>
+            </a:r>
+            <a:r>
+              <a:rPr lang="en-US" altLang="zh-CN" dirty="0" smtClean="0"/>
+              <a:t>CEA</a:t>
+            </a:r>
+            <a:r>
+              <a:rPr lang="zh-CN" altLang="en-US" dirty="0" smtClean="0"/>
+              <a:t>”所示。评价</a:t>
+            </a:r>
+            <a:r>
+              <a:rPr lang="zh-CN" altLang="en-US" dirty="0"/>
+              <a:t>治疗</a:t>
+            </a:r>
+            <a:r>
+              <a:rPr lang="zh-CN" altLang="en-US" dirty="0" smtClean="0"/>
+              <a:t>组和对照</a:t>
+            </a:r>
+            <a:r>
+              <a:rPr lang="zh-CN" altLang="en-US" dirty="0"/>
+              <a:t>组在</a:t>
+            </a:r>
+            <a:r>
+              <a:rPr lang="en-US" altLang="zh-CN" dirty="0" smtClean="0"/>
+              <a:t>0.05</a:t>
+            </a:r>
+            <a:r>
+              <a:rPr lang="zh-CN" altLang="en-US" dirty="0" smtClean="0"/>
+              <a:t>检测</a:t>
+            </a:r>
+            <a:r>
+              <a:rPr lang="zh-CN" altLang="en-US" dirty="0"/>
+              <a:t>水平下是否有统计学差异</a:t>
+            </a:r>
+            <a:r>
+              <a:rPr lang="zh-CN" altLang="en-US" dirty="0" smtClean="0"/>
+              <a:t>。在线回答作业题</a:t>
+            </a:r>
+            <a:r>
+              <a:rPr lang="en-US" altLang="zh-CN" dirty="0" smtClean="0"/>
+              <a:t>3</a:t>
+            </a:r>
+            <a:r>
+              <a:rPr lang="zh-CN" altLang="en-US" dirty="0" smtClean="0"/>
+              <a:t>所提的问题。</a:t>
+            </a:r>
+            <a:endParaRPr lang="zh-CN" altLang="en-US" dirty="0"/>
+          </a:p>
+          <a:p>
+            <a:endParaRPr lang="zh-CN" altLang="en-US" dirty="0"/>
+          </a:p>
+        </p:txBody>
+      </p:sp>
+      <p:pic>
+        <p:nvPicPr>
+          <p:cNvPr id="10242" name="Picture 2" descr="二维码"/>
+          <p:cNvPicPr>
+            <a:picLocks noChangeAspect="1" noChangeArrowheads="1"/>
+          </p:cNvPicPr>
+          <p:nvPr/>
+        </p:nvPicPr>
+        <p:blipFill>
+          <a:blip r:embed="rId2">
+            <a:extLst>
+              <a:ext uri="{28A0092B-C50C-407E-A947-70E740481C1C}">
+                <a14:useLocalDpi xmlns:a14="http://schemas.microsoft.com/office/drawing/2010/main" val="0"/>
+              </a:ext>
+            </a:extLst>
+          </a:blip>
+          <a:srcRect/>
+          <a:stretch>
+            <a:fillRect/>
+          </a:stretch>
+        </p:blipFill>
+        <p:spPr bwMode="auto">
+          <a:xfrm>
+            <a:off x="5451475" y="4271764"/>
+            <a:ext cx="1995684" cy="1995686"/>
+          </a:xfrm>
+          <a:prstGeom prst="rect">
+            <a:avLst/>
+          </a:prstGeom>
+          <a:noFill/>
+          <a:extLst>
+            <a:ext uri="{909E8E84-426E-40DD-AFC4-6F175D3DCCD1}">
+              <a14:hiddenFill xmlns:a14="http://schemas.microsoft.com/office/drawing/2010/main">
+                <a:solidFill>
+                  <a:srgbClr val="FFFFFF"/>
+                </a:solidFill>
+              </a14:hiddenFill>
+            </a:ext>
+          </a:extLst>
+        </p:spPr>
+      </p:pic>
+    </p:spTree>
+    <p:extLst>
+      <p:ext uri="{BB962C8B-B14F-4D97-AF65-F5344CB8AC3E}">
+        <p14:creationId xmlns:p14="http://schemas.microsoft.com/office/powerpoint/2010/main" val="529372242"/>
+      </p:ext>
+    </p:extLst>
+  </p:cSld>
+  <p:clrMapOvr>
+    <a:masterClrMapping/>
+  </p:clrMapOvr>
 </p:sld>
 </file>
 
